--- a/documents/Granum_winter-session.pptx
+++ b/documents/Granum_winter-session.pptx
@@ -13,26 +13,26 @@
   <p:sldIdLst>
     <p:sldId id="256" r:id="rId2"/>
     <p:sldId id="258" r:id="rId3"/>
-    <p:sldId id="262" r:id="rId4"/>
-    <p:sldId id="263" r:id="rId5"/>
-    <p:sldId id="299" r:id="rId6"/>
-    <p:sldId id="300" r:id="rId7"/>
-    <p:sldId id="290" r:id="rId8"/>
-    <p:sldId id="306" r:id="rId9"/>
-    <p:sldId id="291" r:id="rId10"/>
-    <p:sldId id="264" r:id="rId11"/>
-    <p:sldId id="295" r:id="rId12"/>
-    <p:sldId id="296" r:id="rId13"/>
-    <p:sldId id="297" r:id="rId14"/>
-    <p:sldId id="269" r:id="rId15"/>
-    <p:sldId id="294" r:id="rId16"/>
-    <p:sldId id="287" r:id="rId17"/>
-    <p:sldId id="288" r:id="rId18"/>
-    <p:sldId id="275" r:id="rId19"/>
-    <p:sldId id="276" r:id="rId20"/>
-    <p:sldId id="293" r:id="rId21"/>
-    <p:sldId id="301" r:id="rId22"/>
-    <p:sldId id="302" r:id="rId23"/>
+    <p:sldId id="263" r:id="rId4"/>
+    <p:sldId id="300" r:id="rId5"/>
+    <p:sldId id="310" r:id="rId6"/>
+    <p:sldId id="290" r:id="rId7"/>
+    <p:sldId id="306" r:id="rId8"/>
+    <p:sldId id="291" r:id="rId9"/>
+    <p:sldId id="264" r:id="rId10"/>
+    <p:sldId id="295" r:id="rId11"/>
+    <p:sldId id="296" r:id="rId12"/>
+    <p:sldId id="297" r:id="rId13"/>
+    <p:sldId id="269" r:id="rId14"/>
+    <p:sldId id="294" r:id="rId15"/>
+    <p:sldId id="287" r:id="rId16"/>
+    <p:sldId id="288" r:id="rId17"/>
+    <p:sldId id="276" r:id="rId18"/>
+    <p:sldId id="293" r:id="rId19"/>
+    <p:sldId id="301" r:id="rId20"/>
+    <p:sldId id="302" r:id="rId21"/>
+    <p:sldId id="309" r:id="rId22"/>
+    <p:sldId id="307" r:id="rId23"/>
     <p:sldId id="303" r:id="rId24"/>
     <p:sldId id="304" r:id="rId25"/>
   </p:sldIdLst>
@@ -143,10 +143,9 @@
           <p14:sldIdLst>
             <p14:sldId id="256"/>
             <p14:sldId id="258"/>
-            <p14:sldId id="262"/>
             <p14:sldId id="263"/>
-            <p14:sldId id="299"/>
             <p14:sldId id="300"/>
+            <p14:sldId id="310"/>
             <p14:sldId id="290"/>
             <p14:sldId id="306"/>
             <p14:sldId id="291"/>
@@ -158,11 +157,12 @@
             <p14:sldId id="294"/>
             <p14:sldId id="287"/>
             <p14:sldId id="288"/>
-            <p14:sldId id="275"/>
             <p14:sldId id="276"/>
             <p14:sldId id="293"/>
             <p14:sldId id="301"/>
             <p14:sldId id="302"/>
+            <p14:sldId id="309"/>
+            <p14:sldId id="307"/>
             <p14:sldId id="303"/>
             <p14:sldId id="304"/>
           </p14:sldIdLst>
@@ -170,7 +170,7 @@
       </p14:sectionLst>
     </p:ext>
     <p:ext uri="{EFAFB233-063F-42B5-8137-9DF3F51BA10A}">
-      <p15:sldGuideLst xmlns="" xmlns:p15="http://schemas.microsoft.com/office/powerpoint/2012/main">
+      <p15:sldGuideLst xmlns:p15="http://schemas.microsoft.com/office/powerpoint/2012/main" xmlns="">
         <p15:guide id="1" pos="3839" userDrawn="1">
           <p15:clr>
             <a:srgbClr val="A4A3A4"/>
@@ -194,7 +194,7 @@
       </p15:sldGuideLst>
     </p:ext>
     <p:ext uri="{2D200454-40CA-4A62-9FC3-DE9A4176ACB9}">
-      <p15:notesGuideLst xmlns="" xmlns:p15="http://schemas.microsoft.com/office/powerpoint/2012/main"/>
+      <p15:notesGuideLst xmlns:p15="http://schemas.microsoft.com/office/powerpoint/2012/main" xmlns=""/>
     </p:ext>
   </p:extLst>
 </p:presentation>
@@ -282,7 +282,7 @@
           <a:p>
             <a:fld id="{59088EAF-6ECA-4616-85EF-35AA19C641F3}" type="datetimeFigureOut">
               <a:rPr lang="en-US"/>
-              <a:t>12/10/2016</a:t>
+              <a:t>12/24/2016</a:t>
             </a:fld>
             <a:endParaRPr/>
           </a:p>
@@ -447,7 +447,7 @@
           <a:p>
             <a:fld id="{3ABD2D7A-D230-4F91-BD59-0A39C2703BA8}" type="datetimeFigureOut">
               <a:rPr lang="en-US"/>
-              <a:t>12/10/2016</a:t>
+              <a:t>12/24/2016</a:t>
             </a:fld>
             <a:endParaRPr/>
           </a:p>
@@ -779,7 +779,7 @@
           <a:p>
             <a:fld id="{F93199CD-3E1B-4AE6-990F-76F925F5EA9F}" type="slidenum">
               <a:rPr lang="ru-RU" smtClean="0"/>
-              <a:t>8</a:t>
+              <a:t>7</a:t>
             </a:fld>
             <a:endParaRPr lang="ru-RU"/>
           </a:p>
@@ -1129,7 +1129,7 @@
           <a:p>
             <a:fld id="{03F41C87-7AD9-4845-A077-840E4A0F3F06}" type="datetimeFigureOut">
               <a:rPr lang="en-US"/>
-              <a:t>12/10/2016</a:t>
+              <a:t>12/24/2016</a:t>
             </a:fld>
             <a:endParaRPr/>
           </a:p>
@@ -1326,7 +1326,7 @@
           <a:p>
             <a:fld id="{03F41C87-7AD9-4845-A077-840E4A0F3F06}" type="datetimeFigureOut">
               <a:rPr lang="en-US"/>
-              <a:t>12/10/2016</a:t>
+              <a:t>12/24/2016</a:t>
             </a:fld>
             <a:endParaRPr/>
           </a:p>
@@ -1520,7 +1520,7 @@
           <a:p>
             <a:fld id="{03F41C87-7AD9-4845-A077-840E4A0F3F06}" type="datetimeFigureOut">
               <a:rPr lang="en-US"/>
-              <a:t>12/10/2016</a:t>
+              <a:t>12/24/2016</a:t>
             </a:fld>
             <a:endParaRPr/>
           </a:p>
@@ -1806,7 +1806,7 @@
           <a:p>
             <a:fld id="{03F41C87-7AD9-4845-A077-840E4A0F3F06}" type="datetimeFigureOut">
               <a:rPr lang="en-US"/>
-              <a:t>12/10/2016</a:t>
+              <a:t>12/24/2016</a:t>
             </a:fld>
             <a:endParaRPr/>
           </a:p>
@@ -2114,7 +2114,7 @@
           <a:p>
             <a:fld id="{03F41C87-7AD9-4845-A077-840E4A0F3F06}" type="datetimeFigureOut">
               <a:rPr lang="en-US"/>
-              <a:t>12/10/2016</a:t>
+              <a:t>12/24/2016</a:t>
             </a:fld>
             <a:endParaRPr/>
           </a:p>
@@ -2574,7 +2574,7 @@
           <a:p>
             <a:fld id="{03F41C87-7AD9-4845-A077-840E4A0F3F06}" type="datetimeFigureOut">
               <a:rPr lang="en-US"/>
-              <a:t>12/10/2016</a:t>
+              <a:t>12/24/2016</a:t>
             </a:fld>
             <a:endParaRPr/>
           </a:p>
@@ -2710,7 +2710,7 @@
           <a:p>
             <a:fld id="{03F41C87-7AD9-4845-A077-840E4A0F3F06}" type="datetimeFigureOut">
               <a:rPr lang="en-US"/>
-              <a:t>12/10/2016</a:t>
+              <a:t>12/24/2016</a:t>
             </a:fld>
             <a:endParaRPr/>
           </a:p>
@@ -2832,7 +2832,7 @@
           <a:p>
             <a:fld id="{03F41C87-7AD9-4845-A077-840E4A0F3F06}" type="datetimeFigureOut">
               <a:rPr lang="en-US"/>
-              <a:t>12/10/2016</a:t>
+              <a:t>12/24/2016</a:t>
             </a:fld>
             <a:endParaRPr/>
           </a:p>
@@ -3159,7 +3159,7 @@
           <a:p>
             <a:fld id="{03F41C87-7AD9-4845-A077-840E4A0F3F06}" type="datetimeFigureOut">
               <a:rPr lang="en-US"/>
-              <a:t>12/10/2016</a:t>
+              <a:t>12/24/2016</a:t>
             </a:fld>
             <a:endParaRPr/>
           </a:p>
@@ -3473,7 +3473,7 @@
             <a:fld id="{03F41C87-7AD9-4845-A077-840E4A0F3F06}" type="datetimeFigureOut">
               <a:rPr lang="en-US"/>
               <a:pPr/>
-              <a:t>12/10/2016</a:t>
+              <a:t>12/24/2016</a:t>
             </a:fld>
             <a:endParaRPr/>
           </a:p>
@@ -3719,7 +3719,7 @@
             <a:fld id="{03F41C87-7AD9-4845-A077-840E4A0F3F06}" type="datetimeFigureOut">
               <a:rPr lang="en-US"/>
               <a:pPr/>
-              <a:t>12/10/2016</a:t>
+              <a:t>12/24/2016</a:t>
             </a:fld>
             <a:endParaRPr/>
           </a:p>
@@ -4146,7 +4146,7 @@
   </p:txStyles>
   <p:extLst mod="1">
     <p:ext uri="{27BBF7A9-308A-43DC-89C8-2F10F3537804}">
-      <p15:sldGuideLst xmlns="" xmlns:p15="http://schemas.microsoft.com/office/powerpoint/2012/main">
+      <p15:sldGuideLst xmlns:p15="http://schemas.microsoft.com/office/powerpoint/2012/main" xmlns="">
         <p15:guide id="1" pos="3839" userDrawn="1">
           <p15:clr>
             <a:srgbClr val="F26B43"/>
@@ -4267,15 +4267,7 @@
                   <a:schemeClr val="tx1"/>
                 </a:solidFill>
               </a:rPr>
-              <a:t> </a:t>
-            </a:r>
-            <a:r>
-              <a:rPr lang="ru-RU" altLang="ru-RU" dirty="0" smtClean="0">
-                <a:solidFill>
-                  <a:schemeClr val="tx1"/>
-                </a:solidFill>
-              </a:rPr>
-              <a:t>к., </a:t>
+              <a:t> к., </a:t>
             </a:r>
             <a:r>
               <a:rPr lang="ru-RU" altLang="ru-RU" dirty="0" err="1" smtClean="0">
@@ -4291,15 +4283,7 @@
                   <a:schemeClr val="tx1"/>
                 </a:solidFill>
               </a:rPr>
-              <a:t> и</a:t>
-            </a:r>
-            <a:r>
-              <a:rPr lang="ru-RU" altLang="ru-RU" dirty="0" smtClean="0">
-                <a:solidFill>
-                  <a:schemeClr val="tx1"/>
-                </a:solidFill>
-              </a:rPr>
-              <a:t>., </a:t>
+              <a:t> и., </a:t>
             </a:r>
             <a:r>
               <a:rPr kumimoji="0" lang="ru-RU" altLang="ru-RU" dirty="0" err="1" smtClean="0">
@@ -4433,99 +4417,6 @@
       </p:grpSpPr>
       <p:sp>
         <p:nvSpPr>
-          <p:cNvPr id="26625" name="Название 1"/>
-          <p:cNvSpPr>
-            <a:spLocks noGrp="1"/>
-          </p:cNvSpPr>
-          <p:nvPr>
-            <p:ph type="title"/>
-          </p:nvPr>
-        </p:nvSpPr>
-        <p:spPr>
-          <a:xfrm>
-            <a:off x="1736726" y="1990727"/>
-            <a:ext cx="5870575" cy="851299"/>
-          </a:xfrm>
-        </p:spPr>
-        <p:txBody>
-          <a:bodyPr>
-            <a:normAutofit/>
-          </a:bodyPr>
-          <a:lstStyle/>
-          <a:p>
-            <a:pPr algn="ctr"/>
-            <a:r>
-              <a:rPr lang="ru-RU" altLang="ru-RU" dirty="0">
-                <a:cs typeface="Arial" pitchFamily="34" charset="0"/>
-              </a:rPr>
-              <a:t>    </a:t>
-            </a:r>
-            <a:r>
-              <a:rPr lang="ru-RU" altLang="ru-RU" u="sng" dirty="0" smtClean="0">
-                <a:cs typeface="Arial" pitchFamily="34" charset="0"/>
-              </a:rPr>
-              <a:t>Отсек</a:t>
-            </a:r>
-            <a:r>
-              <a:rPr lang="ru-RU" altLang="ru-RU" u="sng" dirty="0">
-                <a:cs typeface="Arial" pitchFamily="34" charset="0"/>
-              </a:rPr>
-              <a:t> парашюта</a:t>
-            </a:r>
-          </a:p>
-        </p:txBody>
-      </p:sp>
-    </p:spTree>
-    <p:extLst>
-      <p:ext uri="{BB962C8B-B14F-4D97-AF65-F5344CB8AC3E}">
-        <p14:creationId xmlns:p14="http://schemas.microsoft.com/office/powerpoint/2010/main" val="3741144236"/>
-      </p:ext>
-    </p:extLst>
-  </p:cSld>
-  <p:clrMapOvr>
-    <a:masterClrMapping/>
-  </p:clrMapOvr>
-  <mc:AlternateContent xmlns:mc="http://schemas.openxmlformats.org/markup-compatibility/2006" xmlns:p14="http://schemas.microsoft.com/office/powerpoint/2010/main">
-    <mc:Choice Requires="p14">
-      <p:transition spd="med" p14:dur="700">
-        <p:fade/>
-      </p:transition>
-    </mc:Choice>
-    <mc:Fallback xmlns="">
-      <p:transition spd="med">
-        <p:fade/>
-      </p:transition>
-    </mc:Fallback>
-  </mc:AlternateContent>
-  <p:timing>
-    <p:tnLst>
-      <p:par>
-        <p:cTn id="1" dur="indefinite" restart="never" nodeType="tmRoot"/>
-      </p:par>
-    </p:tnLst>
-  </p:timing>
-</p:sld>
-</file>
-
-<file path=ppt/slides/slide11.xml><?xml version="1.0" encoding="utf-8"?>
-<p:sld xmlns:a="http://schemas.openxmlformats.org/drawingml/2006/main" xmlns:r="http://schemas.openxmlformats.org/officeDocument/2006/relationships" xmlns:p="http://schemas.openxmlformats.org/presentationml/2006/main">
-  <p:cSld>
-    <p:spTree>
-      <p:nvGrpSpPr>
-        <p:cNvPr id="1" name=""/>
-        <p:cNvGrpSpPr/>
-        <p:nvPr/>
-      </p:nvGrpSpPr>
-      <p:grpSpPr>
-        <a:xfrm>
-          <a:off x="0" y="0"/>
-          <a:ext cx="0" cy="0"/>
-          <a:chOff x="0" y="0"/>
-          <a:chExt cx="0" cy="0"/>
-        </a:xfrm>
-      </p:grpSpPr>
-      <p:sp>
-        <p:nvSpPr>
           <p:cNvPr id="2" name="Заголовок 1"/>
           <p:cNvSpPr>
             <a:spLocks noGrp="1"/>
@@ -4771,8 +4662,8 @@
           </a:p>
         </p:txBody>
       </p:sp>
-      <mc:AlternateContent xmlns:mc="http://schemas.openxmlformats.org/markup-compatibility/2006">
-        <mc:Choice xmlns:a14="http://schemas.microsoft.com/office/drawing/2010/main" Requires="a14">
+      <mc:AlternateContent xmlns:mc="http://schemas.openxmlformats.org/markup-compatibility/2006" xmlns:a14="http://schemas.microsoft.com/office/drawing/2010/main">
+        <mc:Choice Requires="a14">
           <p:sp>
             <p:nvSpPr>
               <p:cNvPr id="4" name="TextBox 3"/>
@@ -5067,7 +4958,7 @@
             </p:txBody>
           </p:sp>
         </mc:Choice>
-        <mc:Fallback>
+        <mc:Fallback xmlns="">
           <p:sp>
             <p:nvSpPr>
               <p:cNvPr id="4" name="TextBox 3"/>
@@ -5138,7 +5029,7 @@
 </p:sld>
 </file>
 
-<file path=ppt/slides/slide12.xml><?xml version="1.0" encoding="utf-8"?>
+<file path=ppt/slides/slide11.xml><?xml version="1.0" encoding="utf-8"?>
 <p:sld xmlns:a="http://schemas.openxmlformats.org/drawingml/2006/main" xmlns:r="http://schemas.openxmlformats.org/officeDocument/2006/relationships" xmlns:p="http://schemas.openxmlformats.org/presentationml/2006/main">
   <p:cSld>
     <p:spTree>
@@ -5185,8 +5076,8 @@
           </a:p>
         </p:txBody>
       </p:sp>
-      <mc:AlternateContent xmlns:mc="http://schemas.openxmlformats.org/markup-compatibility/2006">
-        <mc:Choice xmlns:a14="http://schemas.microsoft.com/office/drawing/2010/main" Requires="a14">
+      <mc:AlternateContent xmlns:mc="http://schemas.openxmlformats.org/markup-compatibility/2006" xmlns:a14="http://schemas.microsoft.com/office/drawing/2010/main">
+        <mc:Choice Requires="a14">
           <p:sp>
             <p:nvSpPr>
               <p:cNvPr id="4" name="TextBox 3"/>
@@ -5645,7 +5536,7 @@
             </p:txBody>
           </p:sp>
         </mc:Choice>
-        <mc:Fallback>
+        <mc:Fallback xmlns="">
           <p:sp>
             <p:nvSpPr>
               <p:cNvPr id="4" name="TextBox 3"/>
@@ -5684,8 +5575,8 @@
           </p:sp>
         </mc:Fallback>
       </mc:AlternateContent>
-      <mc:AlternateContent xmlns:mc="http://schemas.openxmlformats.org/markup-compatibility/2006">
-        <mc:Choice xmlns:a14="http://schemas.microsoft.com/office/drawing/2010/main" Requires="a14">
+      <mc:AlternateContent xmlns:mc="http://schemas.openxmlformats.org/markup-compatibility/2006" xmlns:a14="http://schemas.microsoft.com/office/drawing/2010/main">
+        <mc:Choice Requires="a14">
           <p:sp>
             <p:nvSpPr>
               <p:cNvPr id="5" name="TextBox 4"/>
@@ -6008,7 +5899,7 @@
             </p:txBody>
           </p:sp>
         </mc:Choice>
-        <mc:Fallback>
+        <mc:Fallback xmlns="">
           <p:sp>
             <p:nvSpPr>
               <p:cNvPr id="5" name="TextBox 4"/>
@@ -6139,7 +6030,7 @@
 </p:sld>
 </file>
 
-<file path=ppt/slides/slide13.xml><?xml version="1.0" encoding="utf-8"?>
+<file path=ppt/slides/slide12.xml><?xml version="1.0" encoding="utf-8"?>
 <p:sld xmlns:a="http://schemas.openxmlformats.org/drawingml/2006/main" xmlns:r="http://schemas.openxmlformats.org/officeDocument/2006/relationships" xmlns:p="http://schemas.openxmlformats.org/presentationml/2006/main">
   <p:cSld>
     <p:spTree>
@@ -9208,7 +9099,7 @@
 </p:sld>
 </file>
 
-<file path=ppt/slides/slide14.xml><?xml version="1.0" encoding="utf-8"?>
+<file path=ppt/slides/slide13.xml><?xml version="1.0" encoding="utf-8"?>
 <p:sld xmlns:a="http://schemas.openxmlformats.org/drawingml/2006/main" xmlns:r="http://schemas.openxmlformats.org/officeDocument/2006/relationships" xmlns:p="http://schemas.openxmlformats.org/presentationml/2006/main">
   <p:cSld>
     <p:spTree>
@@ -9289,7 +9180,7 @@
 </p:sld>
 </file>
 
-<file path=ppt/slides/slide15.xml><?xml version="1.0" encoding="utf-8"?>
+<file path=ppt/slides/slide14.xml><?xml version="1.0" encoding="utf-8"?>
 <p:sld xmlns:a="http://schemas.openxmlformats.org/drawingml/2006/main" xmlns:r="http://schemas.openxmlformats.org/officeDocument/2006/relationships" xmlns:p="http://schemas.openxmlformats.org/presentationml/2006/main">
   <p:cSld>
     <p:spTree>
@@ -10134,7 +10025,7 @@
           <p:nvPr>
             <p:extLst>
               <p:ext uri="{D42A27DB-BD31-4B8C-83A1-F6EECF244321}">
-                <p14:modId xmlns:p14="http://schemas.microsoft.com/office/powerpoint/2010/main" val="1142375095"/>
+                <p14:modId xmlns:p14="http://schemas.microsoft.com/office/powerpoint/2010/main" val="2823434940"/>
               </p:ext>
             </p:extLst>
           </p:nvPr>
@@ -10693,6 +10584,16 @@
                     <a:lstStyle/>
                     <a:p>
                       <a:pPr algn="l" fontAlgn="b"/>
+                      <a:r>
+                        <a:rPr lang="en-US" sz="1100" b="0" i="0" u="none" strike="noStrike" dirty="0" smtClean="0">
+                          <a:solidFill>
+                            <a:schemeClr val="tx1"/>
+                          </a:solidFill>
+                          <a:effectLst/>
+                          <a:latin typeface="Calibri"/>
+                        </a:rPr>
+                        <a:t>64.8</a:t>
+                      </a:r>
                       <a:endParaRPr lang="en-US" sz="1100" b="0" i="0" u="none" strike="noStrike" dirty="0">
                         <a:solidFill>
                           <a:schemeClr val="tx1"/>
@@ -10932,7 +10833,7 @@
         <p:spPr>
           <a:xfrm>
             <a:off x="6324600" y="141188"/>
-            <a:ext cx="2590799" cy="400110"/>
+            <a:ext cx="2590799" cy="707886"/>
           </a:xfrm>
           <a:prstGeom prst="rect">
             <a:avLst/>
@@ -10949,7 +10850,107 @@
               <a:rPr lang="ru-RU" sz="2000" dirty="0" smtClean="0"/>
               <a:t>Энергопотребление</a:t>
             </a:r>
+            <a:endParaRPr lang="en-US" sz="2000" dirty="0" smtClean="0"/>
+          </a:p>
+          <a:p>
+            <a:r>
+              <a:rPr lang="ru-RU" sz="2000" dirty="0"/>
+              <a:t>н</a:t>
+            </a:r>
+            <a:r>
+              <a:rPr lang="ru-RU" sz="2000" dirty="0" smtClean="0"/>
+              <a:t>а </a:t>
+            </a:r>
+            <a:r>
+              <a:rPr lang="ru-RU" sz="2000" dirty="0"/>
+              <a:t>3</a:t>
+            </a:r>
+            <a:r>
+              <a:rPr lang="ru-RU" sz="2000" dirty="0" smtClean="0"/>
+              <a:t> часа</a:t>
+            </a:r>
             <a:endParaRPr lang="ru-RU" sz="2000" dirty="0"/>
+          </a:p>
+        </p:txBody>
+      </p:sp>
+      <p:sp>
+        <p:nvSpPr>
+          <p:cNvPr id="6" name="TextBox 5"/>
+          <p:cNvSpPr txBox="1"/>
+          <p:nvPr/>
+        </p:nvSpPr>
+        <p:spPr>
+          <a:xfrm>
+            <a:off x="2362200" y="4400550"/>
+            <a:ext cx="3666067" cy="523220"/>
+          </a:xfrm>
+          <a:prstGeom prst="rect">
+            <a:avLst/>
+          </a:prstGeom>
+          <a:noFill/>
+        </p:spPr>
+        <p:txBody>
+          <a:bodyPr wrap="square" rtlCol="0">
+            <a:spAutoFit/>
+          </a:bodyPr>
+          <a:lstStyle/>
+          <a:p>
+            <a:r>
+              <a:rPr lang="ru-RU" b="1" dirty="0" smtClean="0">
+                <a:solidFill>
+                  <a:schemeClr val="tx2">
+                    <a:lumMod val="75000"/>
+                  </a:schemeClr>
+                </a:solidFill>
+              </a:rPr>
+              <a:t>Емкость одного аккумулятора </a:t>
+            </a:r>
+            <a:r>
+              <a:rPr lang="en-US" b="1" dirty="0" smtClean="0">
+                <a:solidFill>
+                  <a:schemeClr val="tx2">
+                    <a:lumMod val="75000"/>
+                  </a:schemeClr>
+                </a:solidFill>
+              </a:rPr>
+              <a:t>3000 </a:t>
+            </a:r>
+            <a:r>
+              <a:rPr lang="ru-RU" b="1" dirty="0" err="1" smtClean="0">
+                <a:solidFill>
+                  <a:schemeClr val="tx2">
+                    <a:lumMod val="75000"/>
+                  </a:schemeClr>
+                </a:solidFill>
+              </a:rPr>
+              <a:t>мАч</a:t>
+            </a:r>
+            <a:endParaRPr lang="ru-RU" b="1" dirty="0" smtClean="0">
+              <a:solidFill>
+                <a:schemeClr val="tx2">
+                  <a:lumMod val="75000"/>
+                </a:schemeClr>
+              </a:solidFill>
+            </a:endParaRPr>
+          </a:p>
+          <a:p>
+            <a:r>
+              <a:rPr lang="ru-RU" b="1" dirty="0" smtClean="0">
+                <a:solidFill>
+                  <a:schemeClr val="tx2">
+                    <a:lumMod val="75000"/>
+                  </a:schemeClr>
+                </a:solidFill>
+              </a:rPr>
+              <a:t>Выходное напряжение: 7.2 В</a:t>
+            </a:r>
+            <a:endParaRPr lang="ru-RU" b="1" dirty="0">
+              <a:solidFill>
+                <a:schemeClr val="tx2">
+                  <a:lumMod val="75000"/>
+                </a:schemeClr>
+              </a:solidFill>
+            </a:endParaRPr>
           </a:p>
         </p:txBody>
       </p:sp>
@@ -10985,7 +10986,7 @@
 </p:sld>
 </file>
 
-<file path=ppt/slides/slide16.xml><?xml version="1.0" encoding="utf-8"?>
+<file path=ppt/slides/slide15.xml><?xml version="1.0" encoding="utf-8"?>
 <p:sld xmlns:a="http://schemas.openxmlformats.org/drawingml/2006/main" xmlns:r="http://schemas.openxmlformats.org/officeDocument/2006/relationships" xmlns:p="http://schemas.openxmlformats.org/presentationml/2006/main">
   <p:cSld>
     <p:spTree>
@@ -11089,7 +11090,7 @@
 </p:sld>
 </file>
 
-<file path=ppt/slides/slide17.xml><?xml version="1.0" encoding="utf-8"?>
+<file path=ppt/slides/slide16.xml><?xml version="1.0" encoding="utf-8"?>
 <p:sld xmlns:a="http://schemas.openxmlformats.org/drawingml/2006/main" xmlns:r="http://schemas.openxmlformats.org/officeDocument/2006/relationships" xmlns:p="http://schemas.openxmlformats.org/presentationml/2006/main">
   <p:cSld>
     <p:spTree>
@@ -11173,91 +11174,7 @@
 </p:sld>
 </file>
 
-<file path=ppt/slides/slide18.xml><?xml version="1.0" encoding="utf-8"?>
-<p:sld xmlns:a="http://schemas.openxmlformats.org/drawingml/2006/main" xmlns:r="http://schemas.openxmlformats.org/officeDocument/2006/relationships" xmlns:p="http://schemas.openxmlformats.org/presentationml/2006/main">
-  <p:cSld>
-    <p:spTree>
-      <p:nvGrpSpPr>
-        <p:cNvPr id="1" name=""/>
-        <p:cNvGrpSpPr/>
-        <p:nvPr/>
-      </p:nvGrpSpPr>
-      <p:grpSpPr>
-        <a:xfrm>
-          <a:off x="0" y="0"/>
-          <a:ext cx="0" cy="0"/>
-          <a:chOff x="0" y="0"/>
-          <a:chExt cx="0" cy="0"/>
-        </a:xfrm>
-      </p:grpSpPr>
-      <p:sp>
-        <p:nvSpPr>
-          <p:cNvPr id="34817" name="Название 1"/>
-          <p:cNvSpPr>
-            <a:spLocks noGrp="1"/>
-          </p:cNvSpPr>
-          <p:nvPr>
-            <p:ph type="title"/>
-          </p:nvPr>
-        </p:nvSpPr>
-        <p:spPr>
-          <a:xfrm>
-            <a:off x="1736726" y="2571750"/>
-            <a:ext cx="5870575" cy="522689"/>
-          </a:xfrm>
-        </p:spPr>
-        <p:txBody>
-          <a:bodyPr>
-            <a:normAutofit/>
-          </a:bodyPr>
-          <a:lstStyle/>
-          <a:p>
-            <a:pPr algn="ctr"/>
-            <a:r>
-              <a:rPr lang="ru-RU" altLang="ru-RU" sz="3100" u="sng" dirty="0" smtClean="0">
-                <a:cs typeface="Arial" pitchFamily="34" charset="0"/>
-              </a:rPr>
-              <a:t>Биологический отсек</a:t>
-            </a:r>
-            <a:endParaRPr lang="ru-RU" altLang="ru-RU" sz="3100" u="sng" dirty="0">
-              <a:cs typeface="Arial" pitchFamily="34" charset="0"/>
-            </a:endParaRPr>
-          </a:p>
-        </p:txBody>
-      </p:sp>
-    </p:spTree>
-    <p:extLst>
-      <p:ext uri="{BB962C8B-B14F-4D97-AF65-F5344CB8AC3E}">
-        <p14:creationId xmlns:p14="http://schemas.microsoft.com/office/powerpoint/2010/main" val="1122711834"/>
-      </p:ext>
-    </p:extLst>
-  </p:cSld>
-  <p:clrMapOvr>
-    <a:masterClrMapping/>
-  </p:clrMapOvr>
-  <mc:AlternateContent xmlns:mc="http://schemas.openxmlformats.org/markup-compatibility/2006" xmlns:p14="http://schemas.microsoft.com/office/powerpoint/2010/main">
-    <mc:Choice Requires="p14">
-      <p:transition spd="med" p14:dur="700">
-        <p:fade/>
-      </p:transition>
-    </mc:Choice>
-    <mc:Fallback xmlns="">
-      <p:transition spd="med">
-        <p:fade/>
-      </p:transition>
-    </mc:Fallback>
-  </mc:AlternateContent>
-  <p:timing>
-    <p:tnLst>
-      <p:par>
-        <p:cTn id="1" dur="indefinite" restart="never" nodeType="tmRoot"/>
-      </p:par>
-    </p:tnLst>
-  </p:timing>
-</p:sld>
-</file>
-
-<file path=ppt/slides/slide19.xml><?xml version="1.0" encoding="utf-8"?>
+<file path=ppt/slides/slide17.xml><?xml version="1.0" encoding="utf-8"?>
 <p:sld xmlns:a="http://schemas.openxmlformats.org/drawingml/2006/main" xmlns:r="http://schemas.openxmlformats.org/officeDocument/2006/relationships" xmlns:p="http://schemas.openxmlformats.org/presentationml/2006/main">
   <p:cSld>
     <p:spTree>
@@ -11474,1004 +11391,7 @@
 </p:sld>
 </file>
 
-<file path=ppt/slides/slide2.xml><?xml version="1.0" encoding="utf-8"?>
-<p:sld xmlns:a="http://schemas.openxmlformats.org/drawingml/2006/main" xmlns:r="http://schemas.openxmlformats.org/officeDocument/2006/relationships" xmlns:p="http://schemas.openxmlformats.org/presentationml/2006/main">
-  <p:cSld>
-    <p:spTree>
-      <p:nvGrpSpPr>
-        <p:cNvPr id="1" name=""/>
-        <p:cNvGrpSpPr/>
-        <p:nvPr/>
-      </p:nvGrpSpPr>
-      <p:grpSpPr>
-        <a:xfrm>
-          <a:off x="0" y="0"/>
-          <a:ext cx="0" cy="0"/>
-          <a:chOff x="0" y="0"/>
-          <a:chExt cx="0" cy="0"/>
-        </a:xfrm>
-      </p:grpSpPr>
-      <p:sp>
-        <p:nvSpPr>
-          <p:cNvPr id="21505" name="Название 1"/>
-          <p:cNvSpPr>
-            <a:spLocks noGrp="1"/>
-          </p:cNvSpPr>
-          <p:nvPr>
-            <p:ph type="title"/>
-          </p:nvPr>
-        </p:nvSpPr>
-        <p:spPr>
-          <a:xfrm>
-            <a:off x="762000" y="6350"/>
-            <a:ext cx="7583488" cy="676277"/>
-          </a:xfrm>
-        </p:spPr>
-        <p:txBody>
-          <a:bodyPr>
-            <a:normAutofit/>
-          </a:bodyPr>
-          <a:lstStyle/>
-          <a:p>
-            <a:pPr algn="ctr" eaLnBrk="1" hangingPunct="1"/>
-            <a:r>
-              <a:rPr kumimoji="0" lang="ru-RU" altLang="ru-RU" dirty="0" smtClean="0"/>
-              <a:t>Цель проекта</a:t>
-            </a:r>
-          </a:p>
-        </p:txBody>
-      </p:sp>
-      <p:sp>
-        <p:nvSpPr>
-          <p:cNvPr id="21506" name="Содержимое 2"/>
-          <p:cNvSpPr>
-            <a:spLocks noGrp="1"/>
-          </p:cNvSpPr>
-          <p:nvPr>
-            <p:ph idx="1"/>
-          </p:nvPr>
-        </p:nvSpPr>
-        <p:spPr>
-          <a:xfrm>
-            <a:off x="762000" y="742950"/>
-            <a:ext cx="7583488" cy="3438523"/>
-          </a:xfrm>
-        </p:spPr>
-        <p:txBody>
-          <a:bodyPr>
-            <a:normAutofit/>
-          </a:bodyPr>
-          <a:lstStyle/>
-          <a:p>
-            <a:pPr eaLnBrk="1" hangingPunct="1"/>
-            <a:r>
-              <a:rPr lang="ru-RU" altLang="ru-RU" sz="1600" dirty="0" smtClean="0"/>
-              <a:t>Целью </a:t>
-            </a:r>
-            <a:r>
-              <a:rPr lang="ru-RU" altLang="ru-RU" sz="1600" dirty="0"/>
-              <a:t>нашего проекта является создание </a:t>
-            </a:r>
-            <a:r>
-              <a:rPr lang="ru-RU" altLang="ru-RU" sz="1600" dirty="0" smtClean="0"/>
-              <a:t>аппарата</a:t>
-            </a:r>
-            <a:r>
-              <a:rPr lang="ru-RU" altLang="ru-RU" sz="1600" dirty="0"/>
-              <a:t> </a:t>
-            </a:r>
-            <a:r>
-              <a:rPr lang="ru-RU" altLang="ru-RU" sz="1600" dirty="0" smtClean="0"/>
-              <a:t>для отработки некоторых компонентов, необходимых для изучения </a:t>
-            </a:r>
-            <a:r>
-              <a:rPr lang="ru-RU" altLang="ru-RU" sz="1600" dirty="0"/>
-              <a:t>возможности выращивания растений на удалённых планетах.</a:t>
-            </a:r>
-          </a:p>
-          <a:p>
-            <a:pPr eaLnBrk="1" hangingPunct="1"/>
-            <a:endParaRPr lang="ru-RU" altLang="ru-RU" dirty="0"/>
-          </a:p>
-        </p:txBody>
-      </p:sp>
-      <p:graphicFrame>
-        <p:nvGraphicFramePr>
-          <p:cNvPr id="2" name="Таблица 1"/>
-          <p:cNvGraphicFramePr>
-            <a:graphicFrameLocks noGrp="1"/>
-          </p:cNvGraphicFramePr>
-          <p:nvPr>
-            <p:extLst>
-              <p:ext uri="{D42A27DB-BD31-4B8C-83A1-F6EECF244321}">
-                <p14:modId xmlns:p14="http://schemas.microsoft.com/office/powerpoint/2010/main" val="67983373"/>
-              </p:ext>
-            </p:extLst>
-          </p:nvPr>
-        </p:nvGraphicFramePr>
-        <p:xfrm>
-          <a:off x="1066800" y="1504950"/>
-          <a:ext cx="6400800" cy="3533098"/>
-        </p:xfrm>
-        <a:graphic>
-          <a:graphicData uri="http://schemas.openxmlformats.org/drawingml/2006/table">
-            <a:tbl>
-              <a:tblPr firstRow="1" bandRow="1">
-                <a:tableStyleId>{5940675A-B579-460E-94D1-54222C63F5DA}</a:tableStyleId>
-              </a:tblPr>
-              <a:tblGrid>
-                <a:gridCol w="3200400"/>
-                <a:gridCol w="3200400"/>
-              </a:tblGrid>
-              <a:tr h="427089">
-                <a:tc>
-                  <a:txBody>
-                    <a:bodyPr/>
-                    <a:lstStyle/>
-                    <a:p>
-                      <a:r>
-                        <a:rPr lang="ru-RU" dirty="0" smtClean="0"/>
-                        <a:t>Задачи</a:t>
-                      </a:r>
-                      <a:r>
-                        <a:rPr lang="ru-RU" baseline="0" dirty="0" smtClean="0"/>
-                        <a:t> основной программы</a:t>
-                      </a:r>
-                      <a:endParaRPr lang="ru-RU" dirty="0"/>
-                    </a:p>
-                  </a:txBody>
-                  <a:tcPr>
-                    <a:lnL w="12700" cap="flat" cmpd="sng" algn="ctr">
-                      <a:solidFill>
-                        <a:schemeClr val="tx1"/>
-                      </a:solidFill>
-                      <a:prstDash val="solid"/>
-                      <a:round/>
-                      <a:headEnd type="none" w="med" len="med"/>
-                      <a:tailEnd type="none" w="med" len="med"/>
-                    </a:lnL>
-                    <a:lnR w="12700" cap="flat" cmpd="sng" algn="ctr">
-                      <a:solidFill>
-                        <a:schemeClr val="tx1"/>
-                      </a:solidFill>
-                      <a:prstDash val="solid"/>
-                      <a:round/>
-                      <a:headEnd type="none" w="med" len="med"/>
-                      <a:tailEnd type="none" w="med" len="med"/>
-                    </a:lnR>
-                    <a:lnT w="12700" cap="flat" cmpd="sng" algn="ctr">
-                      <a:solidFill>
-                        <a:schemeClr val="tx1"/>
-                      </a:solidFill>
-                      <a:prstDash val="solid"/>
-                      <a:round/>
-                      <a:headEnd type="none" w="med" len="med"/>
-                      <a:tailEnd type="none" w="med" len="med"/>
-                    </a:lnT>
-                    <a:lnB w="12700" cap="flat" cmpd="sng" algn="ctr">
-                      <a:solidFill>
-                        <a:schemeClr val="tx1"/>
-                      </a:solidFill>
-                      <a:prstDash val="solid"/>
-                      <a:round/>
-                      <a:headEnd type="none" w="med" len="med"/>
-                      <a:tailEnd type="none" w="med" len="med"/>
-                    </a:lnB>
-                  </a:tcPr>
-                </a:tc>
-                <a:tc>
-                  <a:txBody>
-                    <a:bodyPr/>
-                    <a:lstStyle/>
-                    <a:p>
-                      <a:pPr lvl="0"/>
-                      <a:r>
-                        <a:rPr lang="ru-RU" dirty="0" smtClean="0"/>
-                        <a:t>Задачи дополнительной программы</a:t>
-                      </a:r>
-                      <a:endParaRPr lang="ru-RU" dirty="0"/>
-                    </a:p>
-                  </a:txBody>
-                  <a:tcPr>
-                    <a:lnL w="12700" cap="flat" cmpd="sng" algn="ctr">
-                      <a:solidFill>
-                        <a:schemeClr val="tx1"/>
-                      </a:solidFill>
-                      <a:prstDash val="solid"/>
-                      <a:round/>
-                      <a:headEnd type="none" w="med" len="med"/>
-                      <a:tailEnd type="none" w="med" len="med"/>
-                    </a:lnL>
-                    <a:lnR w="12700" cap="flat" cmpd="sng" algn="ctr">
-                      <a:solidFill>
-                        <a:schemeClr val="tx1"/>
-                      </a:solidFill>
-                      <a:prstDash val="solid"/>
-                      <a:round/>
-                      <a:headEnd type="none" w="med" len="med"/>
-                      <a:tailEnd type="none" w="med" len="med"/>
-                    </a:lnR>
-                    <a:lnT w="12700" cap="flat" cmpd="sng" algn="ctr">
-                      <a:solidFill>
-                        <a:schemeClr val="tx1"/>
-                      </a:solidFill>
-                      <a:prstDash val="solid"/>
-                      <a:round/>
-                      <a:headEnd type="none" w="med" len="med"/>
-                      <a:tailEnd type="none" w="med" len="med"/>
-                    </a:lnT>
-                    <a:lnB w="12700" cap="flat" cmpd="sng" algn="ctr">
-                      <a:solidFill>
-                        <a:schemeClr val="tx1"/>
-                      </a:solidFill>
-                      <a:prstDash val="solid"/>
-                      <a:round/>
-                      <a:headEnd type="none" w="med" len="med"/>
-                      <a:tailEnd type="none" w="med" len="med"/>
-                    </a:lnB>
-                    <a:lnTlToBr w="12700" cmpd="sng">
-                      <a:noFill/>
-                      <a:prstDash val="solid"/>
-                    </a:lnTlToBr>
-                    <a:lnBlToTr w="12700" cmpd="sng">
-                      <a:noFill/>
-                      <a:prstDash val="solid"/>
-                    </a:lnBlToTr>
-                  </a:tcPr>
-                </a:tc>
-              </a:tr>
-              <a:tr h="503410">
-                <a:tc>
-                  <a:txBody>
-                    <a:bodyPr/>
-                    <a:lstStyle/>
-                    <a:p>
-                      <a:r>
-                        <a:rPr lang="ru-RU" dirty="0" smtClean="0"/>
-                        <a:t>Обеспечение плавного</a:t>
-                      </a:r>
-                      <a:r>
-                        <a:rPr lang="ru-RU" baseline="0" dirty="0" smtClean="0"/>
-                        <a:t> спуска и посадки</a:t>
-                      </a:r>
-                    </a:p>
-                  </a:txBody>
-                  <a:tcPr>
-                    <a:lnL w="12700" cap="flat" cmpd="sng" algn="ctr">
-                      <a:solidFill>
-                        <a:schemeClr val="tx1"/>
-                      </a:solidFill>
-                      <a:prstDash val="solid"/>
-                      <a:round/>
-                      <a:headEnd type="none" w="med" len="med"/>
-                      <a:tailEnd type="none" w="med" len="med"/>
-                    </a:lnL>
-                    <a:lnR w="12700" cap="flat" cmpd="sng" algn="ctr">
-                      <a:solidFill>
-                        <a:schemeClr val="tx1"/>
-                      </a:solidFill>
-                      <a:prstDash val="solid"/>
-                      <a:round/>
-                      <a:headEnd type="none" w="med" len="med"/>
-                      <a:tailEnd type="none" w="med" len="med"/>
-                    </a:lnR>
-                    <a:lnT w="12700" cap="flat" cmpd="sng" algn="ctr">
-                      <a:solidFill>
-                        <a:schemeClr val="tx1"/>
-                      </a:solidFill>
-                      <a:prstDash val="solid"/>
-                      <a:round/>
-                      <a:headEnd type="none" w="med" len="med"/>
-                      <a:tailEnd type="none" w="med" len="med"/>
-                    </a:lnT>
-                    <a:lnB w="12700" cap="flat" cmpd="sng" algn="ctr">
-                      <a:solidFill>
-                        <a:schemeClr val="tx1"/>
-                      </a:solidFill>
-                      <a:prstDash val="solid"/>
-                      <a:round/>
-                      <a:headEnd type="none" w="med" len="med"/>
-                      <a:tailEnd type="none" w="med" len="med"/>
-                    </a:lnB>
-                  </a:tcPr>
-                </a:tc>
-                <a:tc>
-                  <a:txBody>
-                    <a:bodyPr/>
-                    <a:lstStyle/>
-                    <a:p>
-                      <a:pPr lvl="0"/>
-                      <a:r>
-                        <a:rPr lang="ru-RU" dirty="0" smtClean="0"/>
-                        <a:t>Измерение относительной </a:t>
-                      </a:r>
-                      <a:r>
-                        <a:rPr lang="ru-RU" baseline="0" dirty="0" smtClean="0"/>
-                        <a:t>влажности воздуха</a:t>
-                      </a:r>
-                      <a:endParaRPr lang="ru-RU" dirty="0"/>
-                    </a:p>
-                  </a:txBody>
-                  <a:tcPr>
-                    <a:lnL w="12700" cap="flat" cmpd="sng" algn="ctr">
-                      <a:solidFill>
-                        <a:schemeClr val="tx1"/>
-                      </a:solidFill>
-                      <a:prstDash val="solid"/>
-                      <a:round/>
-                      <a:headEnd type="none" w="med" len="med"/>
-                      <a:tailEnd type="none" w="med" len="med"/>
-                    </a:lnL>
-                    <a:lnR w="12700" cap="flat" cmpd="sng" algn="ctr">
-                      <a:solidFill>
-                        <a:schemeClr val="tx1"/>
-                      </a:solidFill>
-                      <a:prstDash val="solid"/>
-                      <a:round/>
-                      <a:headEnd type="none" w="med" len="med"/>
-                      <a:tailEnd type="none" w="med" len="med"/>
-                    </a:lnR>
-                    <a:lnT w="12700" cap="flat" cmpd="sng" algn="ctr">
-                      <a:solidFill>
-                        <a:schemeClr val="tx1"/>
-                      </a:solidFill>
-                      <a:prstDash val="solid"/>
-                      <a:round/>
-                      <a:headEnd type="none" w="med" len="med"/>
-                      <a:tailEnd type="none" w="med" len="med"/>
-                    </a:lnT>
-                    <a:lnB w="12700" cap="flat" cmpd="sng" algn="ctr">
-                      <a:solidFill>
-                        <a:schemeClr val="tx1"/>
-                      </a:solidFill>
-                      <a:prstDash val="solid"/>
-                      <a:round/>
-                      <a:headEnd type="none" w="med" len="med"/>
-                      <a:tailEnd type="none" w="med" len="med"/>
-                    </a:lnB>
-                    <a:lnTlToBr w="12700" cmpd="sng">
-                      <a:noFill/>
-                      <a:prstDash val="solid"/>
-                    </a:lnTlToBr>
-                    <a:lnBlToTr w="12700" cmpd="sng">
-                      <a:noFill/>
-                      <a:prstDash val="solid"/>
-                    </a:lnBlToTr>
-                  </a:tcPr>
-                </a:tc>
-              </a:tr>
-              <a:tr h="820010">
-                <a:tc>
-                  <a:txBody>
-                    <a:bodyPr/>
-                    <a:lstStyle/>
-                    <a:p>
-                      <a:r>
-                        <a:rPr lang="ru-RU" dirty="0" smtClean="0"/>
-                        <a:t>Измерение </a:t>
-                      </a:r>
-                      <a:r>
-                        <a:rPr lang="ru-RU" dirty="0" smtClean="0"/>
-                        <a:t>давления,</a:t>
-                      </a:r>
-                      <a:r>
-                        <a:rPr lang="ru-RU" baseline="0" dirty="0" smtClean="0"/>
-                        <a:t> ускорения и </a:t>
-                      </a:r>
-                      <a:r>
-                        <a:rPr lang="ru-RU" dirty="0" smtClean="0"/>
-                        <a:t>температуры</a:t>
-                      </a:r>
-                      <a:endParaRPr lang="ru-RU" dirty="0"/>
-                    </a:p>
-                  </a:txBody>
-                  <a:tcPr>
-                    <a:lnL w="12700" cap="flat" cmpd="sng" algn="ctr">
-                      <a:solidFill>
-                        <a:schemeClr val="tx1"/>
-                      </a:solidFill>
-                      <a:prstDash val="solid"/>
-                      <a:round/>
-                      <a:headEnd type="none" w="med" len="med"/>
-                      <a:tailEnd type="none" w="med" len="med"/>
-                    </a:lnL>
-                    <a:lnR w="12700" cap="flat" cmpd="sng" algn="ctr">
-                      <a:solidFill>
-                        <a:schemeClr val="tx1"/>
-                      </a:solidFill>
-                      <a:prstDash val="solid"/>
-                      <a:round/>
-                      <a:headEnd type="none" w="med" len="med"/>
-                      <a:tailEnd type="none" w="med" len="med"/>
-                    </a:lnR>
-                    <a:lnT w="12700" cap="flat" cmpd="sng" algn="ctr">
-                      <a:solidFill>
-                        <a:schemeClr val="tx1"/>
-                      </a:solidFill>
-                      <a:prstDash val="solid"/>
-                      <a:round/>
-                      <a:headEnd type="none" w="med" len="med"/>
-                      <a:tailEnd type="none" w="med" len="med"/>
-                    </a:lnT>
-                    <a:lnB w="12700" cap="flat" cmpd="sng" algn="ctr">
-                      <a:solidFill>
-                        <a:schemeClr val="tx1"/>
-                      </a:solidFill>
-                      <a:prstDash val="solid"/>
-                      <a:round/>
-                      <a:headEnd type="none" w="med" len="med"/>
-                      <a:tailEnd type="none" w="med" len="med"/>
-                    </a:lnB>
-                  </a:tcPr>
-                </a:tc>
-                <a:tc>
-                  <a:txBody>
-                    <a:bodyPr/>
-                    <a:lstStyle/>
-                    <a:p>
-                      <a:pPr lvl="0"/>
-                      <a:r>
-                        <a:rPr lang="ru-RU" dirty="0" smtClean="0"/>
-                        <a:t>Измерение параметров почвы (электрическое</a:t>
-                      </a:r>
-                      <a:r>
-                        <a:rPr lang="ru-RU" baseline="0" dirty="0" smtClean="0"/>
-                        <a:t> сопротивление, твердость и температура)</a:t>
-                      </a:r>
-                      <a:endParaRPr lang="ru-RU" dirty="0"/>
-                    </a:p>
-                  </a:txBody>
-                  <a:tcPr>
-                    <a:lnL w="12700" cap="flat" cmpd="sng" algn="ctr">
-                      <a:solidFill>
-                        <a:schemeClr val="tx1"/>
-                      </a:solidFill>
-                      <a:prstDash val="solid"/>
-                      <a:round/>
-                      <a:headEnd type="none" w="med" len="med"/>
-                      <a:tailEnd type="none" w="med" len="med"/>
-                    </a:lnL>
-                    <a:lnR w="12700" cap="flat" cmpd="sng" algn="ctr">
-                      <a:solidFill>
-                        <a:schemeClr val="tx1"/>
-                      </a:solidFill>
-                      <a:prstDash val="solid"/>
-                      <a:round/>
-                      <a:headEnd type="none" w="med" len="med"/>
-                      <a:tailEnd type="none" w="med" len="med"/>
-                    </a:lnR>
-                    <a:lnT w="12700" cap="flat" cmpd="sng" algn="ctr">
-                      <a:solidFill>
-                        <a:schemeClr val="tx1"/>
-                      </a:solidFill>
-                      <a:prstDash val="solid"/>
-                      <a:round/>
-                      <a:headEnd type="none" w="med" len="med"/>
-                      <a:tailEnd type="none" w="med" len="med"/>
-                    </a:lnT>
-                    <a:lnB w="12700" cap="flat" cmpd="sng" algn="ctr">
-                      <a:solidFill>
-                        <a:schemeClr val="tx1"/>
-                      </a:solidFill>
-                      <a:prstDash val="solid"/>
-                      <a:round/>
-                      <a:headEnd type="none" w="med" len="med"/>
-                      <a:tailEnd type="none" w="med" len="med"/>
-                    </a:lnB>
-                    <a:lnTlToBr w="12700" cmpd="sng">
-                      <a:noFill/>
-                      <a:prstDash val="solid"/>
-                    </a:lnTlToBr>
-                    <a:lnBlToTr w="12700" cmpd="sng">
-                      <a:noFill/>
-                      <a:prstDash val="solid"/>
-                    </a:lnBlToTr>
-                  </a:tcPr>
-                </a:tc>
-              </a:tr>
-              <a:tr h="580841">
-                <a:tc>
-                  <a:txBody>
-                    <a:bodyPr/>
-                    <a:lstStyle/>
-                    <a:p>
-                      <a:r>
-                        <a:rPr lang="ru-RU" dirty="0" smtClean="0"/>
-                        <a:t>Передача</a:t>
-                      </a:r>
-                      <a:r>
-                        <a:rPr lang="ru-RU" baseline="0" dirty="0" smtClean="0"/>
-                        <a:t> собранных данных по радиоканалу</a:t>
-                      </a:r>
-                      <a:endParaRPr lang="ru-RU" dirty="0"/>
-                    </a:p>
-                  </a:txBody>
-                  <a:tcPr>
-                    <a:lnL w="12700" cap="flat" cmpd="sng" algn="ctr">
-                      <a:solidFill>
-                        <a:schemeClr val="tx1"/>
-                      </a:solidFill>
-                      <a:prstDash val="solid"/>
-                      <a:round/>
-                      <a:headEnd type="none" w="med" len="med"/>
-                      <a:tailEnd type="none" w="med" len="med"/>
-                    </a:lnL>
-                    <a:lnR w="12700" cap="flat" cmpd="sng" algn="ctr">
-                      <a:solidFill>
-                        <a:schemeClr val="tx1"/>
-                      </a:solidFill>
-                      <a:prstDash val="solid"/>
-                      <a:round/>
-                      <a:headEnd type="none" w="med" len="med"/>
-                      <a:tailEnd type="none" w="med" len="med"/>
-                    </a:lnR>
-                    <a:lnT w="12700" cap="flat" cmpd="sng" algn="ctr">
-                      <a:solidFill>
-                        <a:schemeClr val="tx1"/>
-                      </a:solidFill>
-                      <a:prstDash val="solid"/>
-                      <a:round/>
-                      <a:headEnd type="none" w="med" len="med"/>
-                      <a:tailEnd type="none" w="med" len="med"/>
-                    </a:lnT>
-                    <a:lnB w="12700" cap="flat" cmpd="sng" algn="ctr">
-                      <a:solidFill>
-                        <a:schemeClr val="tx1"/>
-                      </a:solidFill>
-                      <a:prstDash val="solid"/>
-                      <a:round/>
-                      <a:headEnd type="none" w="med" len="med"/>
-                      <a:tailEnd type="none" w="med" len="med"/>
-                    </a:lnB>
-                  </a:tcPr>
-                </a:tc>
-                <a:tc>
-                  <a:txBody>
-                    <a:bodyPr/>
-                    <a:lstStyle/>
-                    <a:p>
-                      <a:pPr lvl="0"/>
-                      <a:r>
-                        <a:rPr lang="ru-RU" dirty="0" smtClean="0"/>
-                        <a:t>Измерение параметров </a:t>
-                      </a:r>
-                      <a:r>
-                        <a:rPr lang="ru-RU" dirty="0" smtClean="0"/>
-                        <a:t>освещенности</a:t>
-                      </a:r>
-                      <a:endParaRPr lang="ru-RU" dirty="0"/>
-                    </a:p>
-                  </a:txBody>
-                  <a:tcPr>
-                    <a:lnL w="12700" cap="flat" cmpd="sng" algn="ctr">
-                      <a:solidFill>
-                        <a:schemeClr val="tx1"/>
-                      </a:solidFill>
-                      <a:prstDash val="solid"/>
-                      <a:round/>
-                      <a:headEnd type="none" w="med" len="med"/>
-                      <a:tailEnd type="none" w="med" len="med"/>
-                    </a:lnL>
-                    <a:lnR w="12700" cap="flat" cmpd="sng" algn="ctr">
-                      <a:solidFill>
-                        <a:schemeClr val="tx1"/>
-                      </a:solidFill>
-                      <a:prstDash val="solid"/>
-                      <a:round/>
-                      <a:headEnd type="none" w="med" len="med"/>
-                      <a:tailEnd type="none" w="med" len="med"/>
-                    </a:lnR>
-                    <a:lnT w="12700" cap="flat" cmpd="sng" algn="ctr">
-                      <a:solidFill>
-                        <a:schemeClr val="tx1"/>
-                      </a:solidFill>
-                      <a:prstDash val="solid"/>
-                      <a:round/>
-                      <a:headEnd type="none" w="med" len="med"/>
-                      <a:tailEnd type="none" w="med" len="med"/>
-                    </a:lnT>
-                    <a:lnB w="12700" cap="flat" cmpd="sng" algn="ctr">
-                      <a:solidFill>
-                        <a:schemeClr val="tx1"/>
-                      </a:solidFill>
-                      <a:prstDash val="solid"/>
-                      <a:round/>
-                      <a:headEnd type="none" w="med" len="med"/>
-                      <a:tailEnd type="none" w="med" len="med"/>
-                    </a:lnB>
-                    <a:lnTlToBr w="12700" cmpd="sng">
-                      <a:noFill/>
-                      <a:prstDash val="solid"/>
-                    </a:lnTlToBr>
-                    <a:lnBlToTr w="12700" cmpd="sng">
-                      <a:noFill/>
-                      <a:prstDash val="solid"/>
-                    </a:lnBlToTr>
-                  </a:tcPr>
-                </a:tc>
-              </a:tr>
-              <a:tr h="334419">
-                <a:tc>
-                  <a:txBody>
-                    <a:bodyPr/>
-                    <a:lstStyle/>
-                    <a:p>
-                      <a:endParaRPr lang="ru-RU" dirty="0"/>
-                    </a:p>
-                  </a:txBody>
-                  <a:tcPr>
-                    <a:lnL w="12700" cap="flat" cmpd="sng" algn="ctr">
-                      <a:solidFill>
-                        <a:schemeClr val="tx1"/>
-                      </a:solidFill>
-                      <a:prstDash val="solid"/>
-                      <a:round/>
-                      <a:headEnd type="none" w="med" len="med"/>
-                      <a:tailEnd type="none" w="med" len="med"/>
-                    </a:lnL>
-                    <a:lnR w="12700" cap="flat" cmpd="sng" algn="ctr">
-                      <a:solidFill>
-                        <a:schemeClr val="tx1"/>
-                      </a:solidFill>
-                      <a:prstDash val="solid"/>
-                      <a:round/>
-                      <a:headEnd type="none" w="med" len="med"/>
-                      <a:tailEnd type="none" w="med" len="med"/>
-                    </a:lnR>
-                    <a:lnT w="12700" cap="flat" cmpd="sng" algn="ctr">
-                      <a:solidFill>
-                        <a:schemeClr val="tx1"/>
-                      </a:solidFill>
-                      <a:prstDash val="solid"/>
-                      <a:round/>
-                      <a:headEnd type="none" w="med" len="med"/>
-                      <a:tailEnd type="none" w="med" len="med"/>
-                    </a:lnT>
-                    <a:lnB w="12700" cap="flat" cmpd="sng" algn="ctr">
-                      <a:solidFill>
-                        <a:schemeClr val="tx1"/>
-                      </a:solidFill>
-                      <a:prstDash val="solid"/>
-                      <a:round/>
-                      <a:headEnd type="none" w="med" len="med"/>
-                      <a:tailEnd type="none" w="med" len="med"/>
-                    </a:lnB>
-                  </a:tcPr>
-                </a:tc>
-                <a:tc>
-                  <a:txBody>
-                    <a:bodyPr/>
-                    <a:lstStyle/>
-                    <a:p>
-                      <a:pPr lvl="0"/>
-                      <a:r>
-                        <a:rPr lang="ru-RU" dirty="0" smtClean="0"/>
-                        <a:t>Доставка </a:t>
-                      </a:r>
-                      <a:r>
-                        <a:rPr lang="ru-RU" dirty="0" smtClean="0"/>
-                        <a:t>семян</a:t>
-                      </a:r>
-                    </a:p>
-                  </a:txBody>
-                  <a:tcPr>
-                    <a:lnL w="12700" cap="flat" cmpd="sng" algn="ctr">
-                      <a:solidFill>
-                        <a:schemeClr val="tx1"/>
-                      </a:solidFill>
-                      <a:prstDash val="solid"/>
-                      <a:round/>
-                      <a:headEnd type="none" w="med" len="med"/>
-                      <a:tailEnd type="none" w="med" len="med"/>
-                    </a:lnL>
-                    <a:lnR w="12700" cap="flat" cmpd="sng" algn="ctr">
-                      <a:solidFill>
-                        <a:schemeClr val="tx1"/>
-                      </a:solidFill>
-                      <a:prstDash val="solid"/>
-                      <a:round/>
-                      <a:headEnd type="none" w="med" len="med"/>
-                      <a:tailEnd type="none" w="med" len="med"/>
-                    </a:lnR>
-                    <a:lnT w="12700" cap="flat" cmpd="sng" algn="ctr">
-                      <a:solidFill>
-                        <a:schemeClr val="tx1"/>
-                      </a:solidFill>
-                      <a:prstDash val="solid"/>
-                      <a:round/>
-                      <a:headEnd type="none" w="med" len="med"/>
-                      <a:tailEnd type="none" w="med" len="med"/>
-                    </a:lnT>
-                    <a:lnB w="12700" cap="flat" cmpd="sng" algn="ctr">
-                      <a:solidFill>
-                        <a:schemeClr val="tx1"/>
-                      </a:solidFill>
-                      <a:prstDash val="solid"/>
-                      <a:round/>
-                      <a:headEnd type="none" w="med" len="med"/>
-                      <a:tailEnd type="none" w="med" len="med"/>
-                    </a:lnB>
-                    <a:lnTlToBr w="12700" cmpd="sng">
-                      <a:noFill/>
-                      <a:prstDash val="solid"/>
-                    </a:lnTlToBr>
-                    <a:lnBlToTr w="12700" cmpd="sng">
-                      <a:noFill/>
-                      <a:prstDash val="solid"/>
-                    </a:lnBlToTr>
-                  </a:tcPr>
-                </a:tc>
-              </a:tr>
-              <a:tr h="334419">
-                <a:tc>
-                  <a:txBody>
-                    <a:bodyPr/>
-                    <a:lstStyle/>
-                    <a:p>
-                      <a:endParaRPr lang="ru-RU" dirty="0"/>
-                    </a:p>
-                  </a:txBody>
-                  <a:tcPr>
-                    <a:lnL w="12700" cap="flat" cmpd="sng" algn="ctr">
-                      <a:solidFill>
-                        <a:schemeClr val="tx1"/>
-                      </a:solidFill>
-                      <a:prstDash val="solid"/>
-                      <a:round/>
-                      <a:headEnd type="none" w="med" len="med"/>
-                      <a:tailEnd type="none" w="med" len="med"/>
-                    </a:lnL>
-                    <a:lnR w="12700" cap="flat" cmpd="sng" algn="ctr">
-                      <a:solidFill>
-                        <a:schemeClr val="tx1"/>
-                      </a:solidFill>
-                      <a:prstDash val="solid"/>
-                      <a:round/>
-                      <a:headEnd type="none" w="med" len="med"/>
-                      <a:tailEnd type="none" w="med" len="med"/>
-                    </a:lnR>
-                    <a:lnT w="12700" cap="flat" cmpd="sng" algn="ctr">
-                      <a:solidFill>
-                        <a:schemeClr val="tx1"/>
-                      </a:solidFill>
-                      <a:prstDash val="solid"/>
-                      <a:round/>
-                      <a:headEnd type="none" w="med" len="med"/>
-                      <a:tailEnd type="none" w="med" len="med"/>
-                    </a:lnT>
-                    <a:lnB w="12700" cap="flat" cmpd="sng" algn="ctr">
-                      <a:solidFill>
-                        <a:schemeClr val="tx1"/>
-                      </a:solidFill>
-                      <a:prstDash val="solid"/>
-                      <a:round/>
-                      <a:headEnd type="none" w="med" len="med"/>
-                      <a:tailEnd type="none" w="med" len="med"/>
-                    </a:lnB>
-                  </a:tcPr>
-                </a:tc>
-                <a:tc>
-                  <a:txBody>
-                    <a:bodyPr/>
-                    <a:lstStyle/>
-                    <a:p>
-                      <a:pPr lvl="0"/>
-                      <a:r>
-                        <a:rPr lang="ru-RU" dirty="0" smtClean="0"/>
-                        <a:t>Сохранение телеметрии на </a:t>
-                      </a:r>
-                      <a:r>
-                        <a:rPr lang="en-US" dirty="0" smtClean="0"/>
-                        <a:t>SD </a:t>
-                      </a:r>
-                      <a:r>
-                        <a:rPr lang="ru-RU" dirty="0" smtClean="0"/>
-                        <a:t>карту</a:t>
-                      </a:r>
-                    </a:p>
-                  </a:txBody>
-                  <a:tcPr>
-                    <a:lnL w="12700" cap="flat" cmpd="sng" algn="ctr">
-                      <a:solidFill>
-                        <a:schemeClr val="tx1"/>
-                      </a:solidFill>
-                      <a:prstDash val="solid"/>
-                      <a:round/>
-                      <a:headEnd type="none" w="med" len="med"/>
-                      <a:tailEnd type="none" w="med" len="med"/>
-                    </a:lnL>
-                    <a:lnR w="12700" cap="flat" cmpd="sng" algn="ctr">
-                      <a:solidFill>
-                        <a:schemeClr val="tx1"/>
-                      </a:solidFill>
-                      <a:prstDash val="solid"/>
-                      <a:round/>
-                      <a:headEnd type="none" w="med" len="med"/>
-                      <a:tailEnd type="none" w="med" len="med"/>
-                    </a:lnR>
-                    <a:lnT w="12700" cap="flat" cmpd="sng" algn="ctr">
-                      <a:solidFill>
-                        <a:schemeClr val="tx1"/>
-                      </a:solidFill>
-                      <a:prstDash val="solid"/>
-                      <a:round/>
-                      <a:headEnd type="none" w="med" len="med"/>
-                      <a:tailEnd type="none" w="med" len="med"/>
-                    </a:lnT>
-                    <a:lnB w="12700" cap="flat" cmpd="sng" algn="ctr">
-                      <a:solidFill>
-                        <a:schemeClr val="tx1"/>
-                      </a:solidFill>
-                      <a:prstDash val="solid"/>
-                      <a:round/>
-                      <a:headEnd type="none" w="med" len="med"/>
-                      <a:tailEnd type="none" w="med" len="med"/>
-                    </a:lnB>
-                    <a:lnTlToBr w="12700" cmpd="sng">
-                      <a:noFill/>
-                      <a:prstDash val="solid"/>
-                    </a:lnTlToBr>
-                    <a:lnBlToTr w="12700" cmpd="sng">
-                      <a:noFill/>
-                      <a:prstDash val="solid"/>
-                    </a:lnBlToTr>
-                  </a:tcPr>
-                </a:tc>
-              </a:tr>
-              <a:tr h="334419">
-                <a:tc>
-                  <a:txBody>
-                    <a:bodyPr/>
-                    <a:lstStyle/>
-                    <a:p>
-                      <a:endParaRPr lang="ru-RU" dirty="0"/>
-                    </a:p>
-                  </a:txBody>
-                  <a:tcPr>
-                    <a:lnL w="12700" cap="flat" cmpd="sng" algn="ctr">
-                      <a:solidFill>
-                        <a:schemeClr val="tx1"/>
-                      </a:solidFill>
-                      <a:prstDash val="solid"/>
-                      <a:round/>
-                      <a:headEnd type="none" w="med" len="med"/>
-                      <a:tailEnd type="none" w="med" len="med"/>
-                    </a:lnL>
-                    <a:lnR w="12700" cap="flat" cmpd="sng" algn="ctr">
-                      <a:solidFill>
-                        <a:schemeClr val="tx1"/>
-                      </a:solidFill>
-                      <a:prstDash val="solid"/>
-                      <a:round/>
-                      <a:headEnd type="none" w="med" len="med"/>
-                      <a:tailEnd type="none" w="med" len="med"/>
-                    </a:lnR>
-                    <a:lnT w="12700" cap="flat" cmpd="sng" algn="ctr">
-                      <a:solidFill>
-                        <a:schemeClr val="tx1"/>
-                      </a:solidFill>
-                      <a:prstDash val="solid"/>
-                      <a:round/>
-                      <a:headEnd type="none" w="med" len="med"/>
-                      <a:tailEnd type="none" w="med" len="med"/>
-                    </a:lnT>
-                    <a:lnB w="12700" cap="flat" cmpd="sng" algn="ctr">
-                      <a:solidFill>
-                        <a:schemeClr val="tx1"/>
-                      </a:solidFill>
-                      <a:prstDash val="solid"/>
-                      <a:round/>
-                      <a:headEnd type="none" w="med" len="med"/>
-                      <a:tailEnd type="none" w="med" len="med"/>
-                    </a:lnB>
-                  </a:tcPr>
-                </a:tc>
-                <a:tc>
-                  <a:txBody>
-                    <a:bodyPr/>
-                    <a:lstStyle/>
-                    <a:p>
-                      <a:pPr lvl="0"/>
-                      <a:r>
-                        <a:rPr lang="ru-RU" dirty="0" smtClean="0"/>
-                        <a:t>Определение</a:t>
-                      </a:r>
-                      <a:r>
-                        <a:rPr lang="ru-RU" baseline="0" dirty="0" smtClean="0"/>
-                        <a:t> координат аппарата по </a:t>
-                      </a:r>
-                      <a:r>
-                        <a:rPr lang="en-US" baseline="0" dirty="0" smtClean="0"/>
-                        <a:t>GPS</a:t>
-                      </a:r>
-                      <a:endParaRPr lang="ru-RU" dirty="0" smtClean="0"/>
-                    </a:p>
-                  </a:txBody>
-                  <a:tcPr>
-                    <a:lnL w="12700" cap="flat" cmpd="sng" algn="ctr">
-                      <a:solidFill>
-                        <a:schemeClr val="tx1"/>
-                      </a:solidFill>
-                      <a:prstDash val="solid"/>
-                      <a:round/>
-                      <a:headEnd type="none" w="med" len="med"/>
-                      <a:tailEnd type="none" w="med" len="med"/>
-                    </a:lnL>
-                    <a:lnR w="12700" cap="flat" cmpd="sng" algn="ctr">
-                      <a:solidFill>
-                        <a:schemeClr val="tx1"/>
-                      </a:solidFill>
-                      <a:prstDash val="solid"/>
-                      <a:round/>
-                      <a:headEnd type="none" w="med" len="med"/>
-                      <a:tailEnd type="none" w="med" len="med"/>
-                    </a:lnR>
-                    <a:lnT w="12700" cap="flat" cmpd="sng" algn="ctr">
-                      <a:solidFill>
-                        <a:schemeClr val="tx1"/>
-                      </a:solidFill>
-                      <a:prstDash val="solid"/>
-                      <a:round/>
-                      <a:headEnd type="none" w="med" len="med"/>
-                      <a:tailEnd type="none" w="med" len="med"/>
-                    </a:lnT>
-                    <a:lnB w="12700" cap="flat" cmpd="sng" algn="ctr">
-                      <a:solidFill>
-                        <a:schemeClr val="tx1"/>
-                      </a:solidFill>
-                      <a:prstDash val="solid"/>
-                      <a:round/>
-                      <a:headEnd type="none" w="med" len="med"/>
-                      <a:tailEnd type="none" w="med" len="med"/>
-                    </a:lnB>
-                    <a:lnTlToBr w="12700" cmpd="sng">
-                      <a:noFill/>
-                      <a:prstDash val="solid"/>
-                    </a:lnTlToBr>
-                    <a:lnBlToTr w="12700" cmpd="sng">
-                      <a:noFill/>
-                      <a:prstDash val="solid"/>
-                    </a:lnBlToTr>
-                  </a:tcPr>
-                </a:tc>
-              </a:tr>
-            </a:tbl>
-          </a:graphicData>
-        </a:graphic>
-      </p:graphicFrame>
-    </p:spTree>
-    <p:extLst>
-      <p:ext uri="{BB962C8B-B14F-4D97-AF65-F5344CB8AC3E}">
-        <p14:creationId xmlns:p14="http://schemas.microsoft.com/office/powerpoint/2010/main" val="3254994325"/>
-      </p:ext>
-    </p:extLst>
-  </p:cSld>
-  <p:clrMapOvr>
-    <a:masterClrMapping/>
-  </p:clrMapOvr>
-  <mc:AlternateContent xmlns:mc="http://schemas.openxmlformats.org/markup-compatibility/2006" xmlns:p14="http://schemas.microsoft.com/office/powerpoint/2010/main">
-    <mc:Choice Requires="p14">
-      <p:transition spd="med" p14:dur="700">
-        <p:fade/>
-      </p:transition>
-    </mc:Choice>
-    <mc:Fallback xmlns="">
-      <p:transition spd="med">
-        <p:fade/>
-      </p:transition>
-    </mc:Fallback>
-  </mc:AlternateContent>
-  <p:timing>
-    <p:tnLst>
-      <p:par>
-        <p:cTn id="1" dur="indefinite" restart="never" nodeType="tmRoot"/>
-      </p:par>
-    </p:tnLst>
-  </p:timing>
-</p:sld>
-</file>
-
-<file path=ppt/slides/slide20.xml><?xml version="1.0" encoding="utf-8"?>
+<file path=ppt/slides/slide18.xml><?xml version="1.0" encoding="utf-8"?>
 <p:sld xmlns:a="http://schemas.openxmlformats.org/drawingml/2006/main" xmlns:r="http://schemas.openxmlformats.org/officeDocument/2006/relationships" xmlns:p="http://schemas.openxmlformats.org/presentationml/2006/main">
   <p:cSld>
     <p:spTree>
@@ -12644,7 +11564,7 @@
 </p:sld>
 </file>
 
-<file path=ppt/slides/slide21.xml><?xml version="1.0" encoding="utf-8"?>
+<file path=ppt/slides/slide19.xml><?xml version="1.0" encoding="utf-8"?>
 <p:sld xmlns:a="http://schemas.openxmlformats.org/drawingml/2006/main" xmlns:r="http://schemas.openxmlformats.org/officeDocument/2006/relationships" xmlns:p="http://schemas.openxmlformats.org/presentationml/2006/main">
   <p:cSld>
     <p:spTree>
@@ -13142,6 +12062,3627 @@
 </p:sld>
 </file>
 
+<file path=ppt/slides/slide2.xml><?xml version="1.0" encoding="utf-8"?>
+<p:sld xmlns:a="http://schemas.openxmlformats.org/drawingml/2006/main" xmlns:r="http://schemas.openxmlformats.org/officeDocument/2006/relationships" xmlns:p="http://schemas.openxmlformats.org/presentationml/2006/main">
+  <p:cSld>
+    <p:spTree>
+      <p:nvGrpSpPr>
+        <p:cNvPr id="1" name=""/>
+        <p:cNvGrpSpPr/>
+        <p:nvPr/>
+      </p:nvGrpSpPr>
+      <p:grpSpPr>
+        <a:xfrm>
+          <a:off x="0" y="0"/>
+          <a:ext cx="0" cy="0"/>
+          <a:chOff x="0" y="0"/>
+          <a:chExt cx="0" cy="0"/>
+        </a:xfrm>
+      </p:grpSpPr>
+      <p:sp>
+        <p:nvSpPr>
+          <p:cNvPr id="21505" name="Название 1"/>
+          <p:cNvSpPr>
+            <a:spLocks noGrp="1"/>
+          </p:cNvSpPr>
+          <p:nvPr>
+            <p:ph type="title"/>
+          </p:nvPr>
+        </p:nvSpPr>
+        <p:spPr>
+          <a:xfrm>
+            <a:off x="762000" y="6350"/>
+            <a:ext cx="7583488" cy="676277"/>
+          </a:xfrm>
+        </p:spPr>
+        <p:txBody>
+          <a:bodyPr>
+            <a:normAutofit/>
+          </a:bodyPr>
+          <a:lstStyle/>
+          <a:p>
+            <a:pPr algn="ctr" eaLnBrk="1" hangingPunct="1"/>
+            <a:r>
+              <a:rPr kumimoji="0" lang="ru-RU" altLang="ru-RU" dirty="0" smtClean="0"/>
+              <a:t>Цель проекта</a:t>
+            </a:r>
+          </a:p>
+        </p:txBody>
+      </p:sp>
+      <p:sp>
+        <p:nvSpPr>
+          <p:cNvPr id="21506" name="Содержимое 2"/>
+          <p:cNvSpPr>
+            <a:spLocks noGrp="1"/>
+          </p:cNvSpPr>
+          <p:nvPr>
+            <p:ph idx="1"/>
+          </p:nvPr>
+        </p:nvSpPr>
+        <p:spPr>
+          <a:xfrm>
+            <a:off x="762000" y="742950"/>
+            <a:ext cx="7583488" cy="3438523"/>
+          </a:xfrm>
+        </p:spPr>
+        <p:txBody>
+          <a:bodyPr>
+            <a:normAutofit/>
+          </a:bodyPr>
+          <a:lstStyle/>
+          <a:p>
+            <a:pPr eaLnBrk="1" hangingPunct="1"/>
+            <a:r>
+              <a:rPr lang="ru-RU" altLang="ru-RU" sz="1600" dirty="0" smtClean="0"/>
+              <a:t>Целью </a:t>
+            </a:r>
+            <a:r>
+              <a:rPr lang="ru-RU" altLang="ru-RU" sz="1600" dirty="0"/>
+              <a:t>нашего проекта является создание </a:t>
+            </a:r>
+            <a:r>
+              <a:rPr lang="ru-RU" altLang="ru-RU" sz="1600" dirty="0" smtClean="0"/>
+              <a:t>аппарата</a:t>
+            </a:r>
+            <a:r>
+              <a:rPr lang="ru-RU" altLang="ru-RU" sz="1600" dirty="0"/>
+              <a:t> </a:t>
+            </a:r>
+            <a:r>
+              <a:rPr lang="ru-RU" altLang="ru-RU" sz="1600" dirty="0" smtClean="0"/>
+              <a:t>для отработки некоторых компонентов, необходимых для изучения </a:t>
+            </a:r>
+            <a:r>
+              <a:rPr lang="ru-RU" altLang="ru-RU" sz="1600" dirty="0"/>
+              <a:t>возможности выращивания растений на удалённых планетах.</a:t>
+            </a:r>
+          </a:p>
+          <a:p>
+            <a:pPr eaLnBrk="1" hangingPunct="1"/>
+            <a:endParaRPr lang="ru-RU" altLang="ru-RU" dirty="0"/>
+          </a:p>
+        </p:txBody>
+      </p:sp>
+      <p:graphicFrame>
+        <p:nvGraphicFramePr>
+          <p:cNvPr id="2" name="Таблица 1"/>
+          <p:cNvGraphicFramePr>
+            <a:graphicFrameLocks noGrp="1"/>
+          </p:cNvGraphicFramePr>
+          <p:nvPr>
+            <p:extLst>
+              <p:ext uri="{D42A27DB-BD31-4B8C-83A1-F6EECF244321}">
+                <p14:modId xmlns:p14="http://schemas.microsoft.com/office/powerpoint/2010/main" val="2289047486"/>
+              </p:ext>
+            </p:extLst>
+          </p:nvPr>
+        </p:nvGraphicFramePr>
+        <p:xfrm>
+          <a:off x="1066800" y="1504950"/>
+          <a:ext cx="6400800" cy="3749039"/>
+        </p:xfrm>
+        <a:graphic>
+          <a:graphicData uri="http://schemas.openxmlformats.org/drawingml/2006/table">
+            <a:tbl>
+              <a:tblPr firstRow="1" bandRow="1">
+                <a:tableStyleId>{5940675A-B579-460E-94D1-54222C63F5DA}</a:tableStyleId>
+              </a:tblPr>
+              <a:tblGrid>
+                <a:gridCol w="3200400"/>
+                <a:gridCol w="3200400"/>
+              </a:tblGrid>
+              <a:tr h="427089">
+                <a:tc>
+                  <a:txBody>
+                    <a:bodyPr/>
+                    <a:lstStyle/>
+                    <a:p>
+                      <a:r>
+                        <a:rPr lang="ru-RU" u="sng" dirty="0" smtClean="0"/>
+                        <a:t>Задачи</a:t>
+                      </a:r>
+                      <a:r>
+                        <a:rPr lang="ru-RU" u="sng" baseline="0" dirty="0" smtClean="0"/>
+                        <a:t> основной программы</a:t>
+                      </a:r>
+                      <a:endParaRPr lang="ru-RU" u="sng" dirty="0"/>
+                    </a:p>
+                  </a:txBody>
+                  <a:tcPr>
+                    <a:lnL w="12700" cap="flat" cmpd="sng" algn="ctr">
+                      <a:solidFill>
+                        <a:schemeClr val="tx1"/>
+                      </a:solidFill>
+                      <a:prstDash val="solid"/>
+                      <a:round/>
+                      <a:headEnd type="none" w="med" len="med"/>
+                      <a:tailEnd type="none" w="med" len="med"/>
+                    </a:lnL>
+                    <a:lnR w="12700" cap="flat" cmpd="sng" algn="ctr">
+                      <a:solidFill>
+                        <a:schemeClr val="tx1"/>
+                      </a:solidFill>
+                      <a:prstDash val="solid"/>
+                      <a:round/>
+                      <a:headEnd type="none" w="med" len="med"/>
+                      <a:tailEnd type="none" w="med" len="med"/>
+                    </a:lnR>
+                    <a:lnT w="12700" cap="flat" cmpd="sng" algn="ctr">
+                      <a:solidFill>
+                        <a:schemeClr val="tx1"/>
+                      </a:solidFill>
+                      <a:prstDash val="solid"/>
+                      <a:round/>
+                      <a:headEnd type="none" w="med" len="med"/>
+                      <a:tailEnd type="none" w="med" len="med"/>
+                    </a:lnT>
+                    <a:lnB w="12700" cap="flat" cmpd="sng" algn="ctr">
+                      <a:solidFill>
+                        <a:schemeClr val="tx1"/>
+                      </a:solidFill>
+                      <a:prstDash val="solid"/>
+                      <a:round/>
+                      <a:headEnd type="none" w="med" len="med"/>
+                      <a:tailEnd type="none" w="med" len="med"/>
+                    </a:lnB>
+                  </a:tcPr>
+                </a:tc>
+                <a:tc>
+                  <a:txBody>
+                    <a:bodyPr/>
+                    <a:lstStyle/>
+                    <a:p>
+                      <a:pPr lvl="0"/>
+                      <a:r>
+                        <a:rPr lang="ru-RU" u="sng" dirty="0" smtClean="0"/>
+                        <a:t>Задачи дополнительной программы</a:t>
+                      </a:r>
+                      <a:endParaRPr lang="ru-RU" u="sng" dirty="0"/>
+                    </a:p>
+                  </a:txBody>
+                  <a:tcPr>
+                    <a:lnL w="12700" cap="flat" cmpd="sng" algn="ctr">
+                      <a:solidFill>
+                        <a:schemeClr val="tx1"/>
+                      </a:solidFill>
+                      <a:prstDash val="solid"/>
+                      <a:round/>
+                      <a:headEnd type="none" w="med" len="med"/>
+                      <a:tailEnd type="none" w="med" len="med"/>
+                    </a:lnL>
+                    <a:lnR w="12700" cap="flat" cmpd="sng" algn="ctr">
+                      <a:solidFill>
+                        <a:schemeClr val="tx1"/>
+                      </a:solidFill>
+                      <a:prstDash val="solid"/>
+                      <a:round/>
+                      <a:headEnd type="none" w="med" len="med"/>
+                      <a:tailEnd type="none" w="med" len="med"/>
+                    </a:lnR>
+                    <a:lnT w="12700" cap="flat" cmpd="sng" algn="ctr">
+                      <a:solidFill>
+                        <a:schemeClr val="tx1"/>
+                      </a:solidFill>
+                      <a:prstDash val="solid"/>
+                      <a:round/>
+                      <a:headEnd type="none" w="med" len="med"/>
+                      <a:tailEnd type="none" w="med" len="med"/>
+                    </a:lnT>
+                    <a:lnB w="12700" cap="flat" cmpd="sng" algn="ctr">
+                      <a:solidFill>
+                        <a:schemeClr val="tx1"/>
+                      </a:solidFill>
+                      <a:prstDash val="solid"/>
+                      <a:round/>
+                      <a:headEnd type="none" w="med" len="med"/>
+                      <a:tailEnd type="none" w="med" len="med"/>
+                    </a:lnB>
+                    <a:lnTlToBr w="12700" cmpd="sng">
+                      <a:noFill/>
+                      <a:prstDash val="solid"/>
+                    </a:lnTlToBr>
+                    <a:lnBlToTr w="12700" cmpd="sng">
+                      <a:noFill/>
+                      <a:prstDash val="solid"/>
+                    </a:lnBlToTr>
+                  </a:tcPr>
+                </a:tc>
+              </a:tr>
+              <a:tr h="503410">
+                <a:tc>
+                  <a:txBody>
+                    <a:bodyPr/>
+                    <a:lstStyle/>
+                    <a:p>
+                      <a:r>
+                        <a:rPr lang="ru-RU" dirty="0" smtClean="0"/>
+                        <a:t>Обеспечение плавного</a:t>
+                      </a:r>
+                      <a:r>
+                        <a:rPr lang="ru-RU" baseline="0" dirty="0" smtClean="0"/>
+                        <a:t> спуска и посадки</a:t>
+                      </a:r>
+                    </a:p>
+                  </a:txBody>
+                  <a:tcPr>
+                    <a:lnL w="12700" cap="flat" cmpd="sng" algn="ctr">
+                      <a:solidFill>
+                        <a:schemeClr val="tx1"/>
+                      </a:solidFill>
+                      <a:prstDash val="solid"/>
+                      <a:round/>
+                      <a:headEnd type="none" w="med" len="med"/>
+                      <a:tailEnd type="none" w="med" len="med"/>
+                    </a:lnL>
+                    <a:lnR w="12700" cap="flat" cmpd="sng" algn="ctr">
+                      <a:solidFill>
+                        <a:schemeClr val="tx1"/>
+                      </a:solidFill>
+                      <a:prstDash val="solid"/>
+                      <a:round/>
+                      <a:headEnd type="none" w="med" len="med"/>
+                      <a:tailEnd type="none" w="med" len="med"/>
+                    </a:lnR>
+                    <a:lnT w="12700" cap="flat" cmpd="sng" algn="ctr">
+                      <a:solidFill>
+                        <a:schemeClr val="tx1"/>
+                      </a:solidFill>
+                      <a:prstDash val="solid"/>
+                      <a:round/>
+                      <a:headEnd type="none" w="med" len="med"/>
+                      <a:tailEnd type="none" w="med" len="med"/>
+                    </a:lnT>
+                    <a:lnB w="12700" cap="flat" cmpd="sng" algn="ctr">
+                      <a:solidFill>
+                        <a:schemeClr val="tx1"/>
+                      </a:solidFill>
+                      <a:prstDash val="solid"/>
+                      <a:round/>
+                      <a:headEnd type="none" w="med" len="med"/>
+                      <a:tailEnd type="none" w="med" len="med"/>
+                    </a:lnB>
+                  </a:tcPr>
+                </a:tc>
+                <a:tc>
+                  <a:txBody>
+                    <a:bodyPr/>
+                    <a:lstStyle/>
+                    <a:p>
+                      <a:pPr marL="0" marR="0" lvl="0" indent="0" algn="l" defTabSz="685796" rtl="0" eaLnBrk="1" fontAlgn="auto" latinLnBrk="0" hangingPunct="1">
+                        <a:lnSpc>
+                          <a:spcPct val="100000"/>
+                        </a:lnSpc>
+                        <a:spcBef>
+                          <a:spcPts val="0"/>
+                        </a:spcBef>
+                        <a:spcAft>
+                          <a:spcPts val="0"/>
+                        </a:spcAft>
+                        <a:buClrTx/>
+                        <a:buSzTx/>
+                        <a:buFontTx/>
+                        <a:buNone/>
+                        <a:tabLst/>
+                        <a:defRPr/>
+                      </a:pPr>
+                      <a:r>
+                        <a:rPr lang="ru-RU" dirty="0" smtClean="0"/>
+                        <a:t>Измерение параметров почвы (электрическое</a:t>
+                      </a:r>
+                      <a:r>
+                        <a:rPr lang="ru-RU" baseline="0" dirty="0" smtClean="0"/>
+                        <a:t> сопротивление, твердость и температура)</a:t>
+                      </a:r>
+                      <a:endParaRPr lang="ru-RU" dirty="0" smtClean="0"/>
+                    </a:p>
+                    <a:p>
+                      <a:pPr lvl="0"/>
+                      <a:endParaRPr lang="ru-RU" dirty="0"/>
+                    </a:p>
+                  </a:txBody>
+                  <a:tcPr>
+                    <a:lnL w="12700" cap="flat" cmpd="sng" algn="ctr">
+                      <a:solidFill>
+                        <a:schemeClr val="tx1"/>
+                      </a:solidFill>
+                      <a:prstDash val="solid"/>
+                      <a:round/>
+                      <a:headEnd type="none" w="med" len="med"/>
+                      <a:tailEnd type="none" w="med" len="med"/>
+                    </a:lnL>
+                    <a:lnR w="12700" cap="flat" cmpd="sng" algn="ctr">
+                      <a:solidFill>
+                        <a:schemeClr val="tx1"/>
+                      </a:solidFill>
+                      <a:prstDash val="solid"/>
+                      <a:round/>
+                      <a:headEnd type="none" w="med" len="med"/>
+                      <a:tailEnd type="none" w="med" len="med"/>
+                    </a:lnR>
+                    <a:lnT w="12700" cap="flat" cmpd="sng" algn="ctr">
+                      <a:solidFill>
+                        <a:schemeClr val="tx1"/>
+                      </a:solidFill>
+                      <a:prstDash val="solid"/>
+                      <a:round/>
+                      <a:headEnd type="none" w="med" len="med"/>
+                      <a:tailEnd type="none" w="med" len="med"/>
+                    </a:lnT>
+                    <a:lnB w="12700" cap="flat" cmpd="sng" algn="ctr">
+                      <a:solidFill>
+                        <a:schemeClr val="tx1"/>
+                      </a:solidFill>
+                      <a:prstDash val="solid"/>
+                      <a:round/>
+                      <a:headEnd type="none" w="med" len="med"/>
+                      <a:tailEnd type="none" w="med" len="med"/>
+                    </a:lnB>
+                    <a:lnTlToBr w="12700" cmpd="sng">
+                      <a:noFill/>
+                      <a:prstDash val="solid"/>
+                    </a:lnTlToBr>
+                    <a:lnBlToTr w="12700" cmpd="sng">
+                      <a:noFill/>
+                      <a:prstDash val="solid"/>
+                    </a:lnBlToTr>
+                  </a:tcPr>
+                </a:tc>
+              </a:tr>
+              <a:tr h="609231">
+                <a:tc>
+                  <a:txBody>
+                    <a:bodyPr/>
+                    <a:lstStyle/>
+                    <a:p>
+                      <a:r>
+                        <a:rPr lang="ru-RU" dirty="0" smtClean="0"/>
+                        <a:t>Измерение давления,</a:t>
+                      </a:r>
+                      <a:r>
+                        <a:rPr lang="ru-RU" baseline="0" dirty="0" smtClean="0"/>
+                        <a:t> ускорения и </a:t>
+                      </a:r>
+                      <a:r>
+                        <a:rPr lang="ru-RU" dirty="0" smtClean="0"/>
+                        <a:t>температуры</a:t>
+                      </a:r>
+                      <a:endParaRPr lang="ru-RU" dirty="0"/>
+                    </a:p>
+                  </a:txBody>
+                  <a:tcPr>
+                    <a:lnL w="12700" cap="flat" cmpd="sng" algn="ctr">
+                      <a:solidFill>
+                        <a:schemeClr val="tx1"/>
+                      </a:solidFill>
+                      <a:prstDash val="solid"/>
+                      <a:round/>
+                      <a:headEnd type="none" w="med" len="med"/>
+                      <a:tailEnd type="none" w="med" len="med"/>
+                    </a:lnL>
+                    <a:lnR w="12700" cap="flat" cmpd="sng" algn="ctr">
+                      <a:solidFill>
+                        <a:schemeClr val="tx1"/>
+                      </a:solidFill>
+                      <a:prstDash val="solid"/>
+                      <a:round/>
+                      <a:headEnd type="none" w="med" len="med"/>
+                      <a:tailEnd type="none" w="med" len="med"/>
+                    </a:lnR>
+                    <a:lnT w="12700" cap="flat" cmpd="sng" algn="ctr">
+                      <a:solidFill>
+                        <a:schemeClr val="tx1"/>
+                      </a:solidFill>
+                      <a:prstDash val="solid"/>
+                      <a:round/>
+                      <a:headEnd type="none" w="med" len="med"/>
+                      <a:tailEnd type="none" w="med" len="med"/>
+                    </a:lnT>
+                    <a:lnB w="12700" cap="flat" cmpd="sng" algn="ctr">
+                      <a:solidFill>
+                        <a:schemeClr val="tx1"/>
+                      </a:solidFill>
+                      <a:prstDash val="solid"/>
+                      <a:round/>
+                      <a:headEnd type="none" w="med" len="med"/>
+                      <a:tailEnd type="none" w="med" len="med"/>
+                    </a:lnB>
+                  </a:tcPr>
+                </a:tc>
+                <a:tc>
+                  <a:txBody>
+                    <a:bodyPr/>
+                    <a:lstStyle/>
+                    <a:p>
+                      <a:pPr lvl="0"/>
+                      <a:r>
+                        <a:rPr lang="ru-RU" dirty="0" smtClean="0"/>
+                        <a:t>Измерение </a:t>
+                      </a:r>
+                      <a:r>
+                        <a:rPr lang="ru-RU" dirty="0" smtClean="0"/>
+                        <a:t>относительной влажности воздуха</a:t>
+                      </a:r>
+                      <a:endParaRPr lang="ru-RU" dirty="0"/>
+                    </a:p>
+                  </a:txBody>
+                  <a:tcPr>
+                    <a:lnL w="12700" cap="flat" cmpd="sng" algn="ctr">
+                      <a:solidFill>
+                        <a:schemeClr val="tx1"/>
+                      </a:solidFill>
+                      <a:prstDash val="solid"/>
+                      <a:round/>
+                      <a:headEnd type="none" w="med" len="med"/>
+                      <a:tailEnd type="none" w="med" len="med"/>
+                    </a:lnL>
+                    <a:lnR w="12700" cap="flat" cmpd="sng" algn="ctr">
+                      <a:solidFill>
+                        <a:schemeClr val="tx1"/>
+                      </a:solidFill>
+                      <a:prstDash val="solid"/>
+                      <a:round/>
+                      <a:headEnd type="none" w="med" len="med"/>
+                      <a:tailEnd type="none" w="med" len="med"/>
+                    </a:lnR>
+                    <a:lnT w="12700" cap="flat" cmpd="sng" algn="ctr">
+                      <a:solidFill>
+                        <a:schemeClr val="tx1"/>
+                      </a:solidFill>
+                      <a:prstDash val="solid"/>
+                      <a:round/>
+                      <a:headEnd type="none" w="med" len="med"/>
+                      <a:tailEnd type="none" w="med" len="med"/>
+                    </a:lnT>
+                    <a:lnB w="12700" cap="flat" cmpd="sng" algn="ctr">
+                      <a:solidFill>
+                        <a:schemeClr val="tx1"/>
+                      </a:solidFill>
+                      <a:prstDash val="solid"/>
+                      <a:round/>
+                      <a:headEnd type="none" w="med" len="med"/>
+                      <a:tailEnd type="none" w="med" len="med"/>
+                    </a:lnB>
+                    <a:lnTlToBr w="12700" cmpd="sng">
+                      <a:noFill/>
+                      <a:prstDash val="solid"/>
+                    </a:lnTlToBr>
+                    <a:lnBlToTr w="12700" cmpd="sng">
+                      <a:noFill/>
+                      <a:prstDash val="solid"/>
+                    </a:lnBlToTr>
+                  </a:tcPr>
+                </a:tc>
+              </a:tr>
+              <a:tr h="580841">
+                <a:tc>
+                  <a:txBody>
+                    <a:bodyPr/>
+                    <a:lstStyle/>
+                    <a:p>
+                      <a:r>
+                        <a:rPr lang="ru-RU" dirty="0" smtClean="0"/>
+                        <a:t>Передача</a:t>
+                      </a:r>
+                      <a:r>
+                        <a:rPr lang="ru-RU" baseline="0" dirty="0" smtClean="0"/>
+                        <a:t> собранных данных по радиоканалу</a:t>
+                      </a:r>
+                      <a:endParaRPr lang="ru-RU" dirty="0"/>
+                    </a:p>
+                  </a:txBody>
+                  <a:tcPr>
+                    <a:lnL w="12700" cap="flat" cmpd="sng" algn="ctr">
+                      <a:solidFill>
+                        <a:schemeClr val="tx1"/>
+                      </a:solidFill>
+                      <a:prstDash val="solid"/>
+                      <a:round/>
+                      <a:headEnd type="none" w="med" len="med"/>
+                      <a:tailEnd type="none" w="med" len="med"/>
+                    </a:lnL>
+                    <a:lnR w="12700" cap="flat" cmpd="sng" algn="ctr">
+                      <a:solidFill>
+                        <a:schemeClr val="tx1"/>
+                      </a:solidFill>
+                      <a:prstDash val="solid"/>
+                      <a:round/>
+                      <a:headEnd type="none" w="med" len="med"/>
+                      <a:tailEnd type="none" w="med" len="med"/>
+                    </a:lnR>
+                    <a:lnT w="12700" cap="flat" cmpd="sng" algn="ctr">
+                      <a:solidFill>
+                        <a:schemeClr val="tx1"/>
+                      </a:solidFill>
+                      <a:prstDash val="solid"/>
+                      <a:round/>
+                      <a:headEnd type="none" w="med" len="med"/>
+                      <a:tailEnd type="none" w="med" len="med"/>
+                    </a:lnT>
+                    <a:lnB w="12700" cap="flat" cmpd="sng" algn="ctr">
+                      <a:solidFill>
+                        <a:schemeClr val="tx1"/>
+                      </a:solidFill>
+                      <a:prstDash val="solid"/>
+                      <a:round/>
+                      <a:headEnd type="none" w="med" len="med"/>
+                      <a:tailEnd type="none" w="med" len="med"/>
+                    </a:lnB>
+                  </a:tcPr>
+                </a:tc>
+                <a:tc>
+                  <a:txBody>
+                    <a:bodyPr/>
+                    <a:lstStyle/>
+                    <a:p>
+                      <a:pPr lvl="0"/>
+                      <a:r>
+                        <a:rPr lang="ru-RU" dirty="0" smtClean="0"/>
+                        <a:t>Измерение параметров освещенности</a:t>
+                      </a:r>
+                      <a:endParaRPr lang="ru-RU" dirty="0"/>
+                    </a:p>
+                  </a:txBody>
+                  <a:tcPr>
+                    <a:lnL w="12700" cap="flat" cmpd="sng" algn="ctr">
+                      <a:solidFill>
+                        <a:schemeClr val="tx1"/>
+                      </a:solidFill>
+                      <a:prstDash val="solid"/>
+                      <a:round/>
+                      <a:headEnd type="none" w="med" len="med"/>
+                      <a:tailEnd type="none" w="med" len="med"/>
+                    </a:lnL>
+                    <a:lnR w="12700" cap="flat" cmpd="sng" algn="ctr">
+                      <a:solidFill>
+                        <a:schemeClr val="tx1"/>
+                      </a:solidFill>
+                      <a:prstDash val="solid"/>
+                      <a:round/>
+                      <a:headEnd type="none" w="med" len="med"/>
+                      <a:tailEnd type="none" w="med" len="med"/>
+                    </a:lnR>
+                    <a:lnT w="12700" cap="flat" cmpd="sng" algn="ctr">
+                      <a:solidFill>
+                        <a:schemeClr val="tx1"/>
+                      </a:solidFill>
+                      <a:prstDash val="solid"/>
+                      <a:round/>
+                      <a:headEnd type="none" w="med" len="med"/>
+                      <a:tailEnd type="none" w="med" len="med"/>
+                    </a:lnT>
+                    <a:lnB w="12700" cap="flat" cmpd="sng" algn="ctr">
+                      <a:solidFill>
+                        <a:schemeClr val="tx1"/>
+                      </a:solidFill>
+                      <a:prstDash val="solid"/>
+                      <a:round/>
+                      <a:headEnd type="none" w="med" len="med"/>
+                      <a:tailEnd type="none" w="med" len="med"/>
+                    </a:lnB>
+                    <a:lnTlToBr w="12700" cmpd="sng">
+                      <a:noFill/>
+                      <a:prstDash val="solid"/>
+                    </a:lnTlToBr>
+                    <a:lnBlToTr w="12700" cmpd="sng">
+                      <a:noFill/>
+                      <a:prstDash val="solid"/>
+                    </a:lnBlToTr>
+                  </a:tcPr>
+                </a:tc>
+              </a:tr>
+              <a:tr h="334419">
+                <a:tc>
+                  <a:txBody>
+                    <a:bodyPr/>
+                    <a:lstStyle/>
+                    <a:p>
+                      <a:endParaRPr lang="ru-RU" dirty="0"/>
+                    </a:p>
+                  </a:txBody>
+                  <a:tcPr>
+                    <a:lnL w="12700" cap="flat" cmpd="sng" algn="ctr">
+                      <a:solidFill>
+                        <a:schemeClr val="tx1"/>
+                      </a:solidFill>
+                      <a:prstDash val="solid"/>
+                      <a:round/>
+                      <a:headEnd type="none" w="med" len="med"/>
+                      <a:tailEnd type="none" w="med" len="med"/>
+                    </a:lnL>
+                    <a:lnR w="12700" cap="flat" cmpd="sng" algn="ctr">
+                      <a:solidFill>
+                        <a:schemeClr val="tx1"/>
+                      </a:solidFill>
+                      <a:prstDash val="solid"/>
+                      <a:round/>
+                      <a:headEnd type="none" w="med" len="med"/>
+                      <a:tailEnd type="none" w="med" len="med"/>
+                    </a:lnR>
+                    <a:lnT w="12700" cap="flat" cmpd="sng" algn="ctr">
+                      <a:solidFill>
+                        <a:schemeClr val="tx1"/>
+                      </a:solidFill>
+                      <a:prstDash val="solid"/>
+                      <a:round/>
+                      <a:headEnd type="none" w="med" len="med"/>
+                      <a:tailEnd type="none" w="med" len="med"/>
+                    </a:lnT>
+                    <a:lnB w="12700" cap="flat" cmpd="sng" algn="ctr">
+                      <a:solidFill>
+                        <a:schemeClr val="tx1"/>
+                      </a:solidFill>
+                      <a:prstDash val="solid"/>
+                      <a:round/>
+                      <a:headEnd type="none" w="med" len="med"/>
+                      <a:tailEnd type="none" w="med" len="med"/>
+                    </a:lnB>
+                  </a:tcPr>
+                </a:tc>
+                <a:tc>
+                  <a:txBody>
+                    <a:bodyPr/>
+                    <a:lstStyle/>
+                    <a:p>
+                      <a:pPr lvl="0"/>
+                      <a:r>
+                        <a:rPr lang="ru-RU" dirty="0" smtClean="0"/>
+                        <a:t>Доставка семян</a:t>
+                      </a:r>
+                    </a:p>
+                  </a:txBody>
+                  <a:tcPr>
+                    <a:lnL w="12700" cap="flat" cmpd="sng" algn="ctr">
+                      <a:solidFill>
+                        <a:schemeClr val="tx1"/>
+                      </a:solidFill>
+                      <a:prstDash val="solid"/>
+                      <a:round/>
+                      <a:headEnd type="none" w="med" len="med"/>
+                      <a:tailEnd type="none" w="med" len="med"/>
+                    </a:lnL>
+                    <a:lnR w="12700" cap="flat" cmpd="sng" algn="ctr">
+                      <a:solidFill>
+                        <a:schemeClr val="tx1"/>
+                      </a:solidFill>
+                      <a:prstDash val="solid"/>
+                      <a:round/>
+                      <a:headEnd type="none" w="med" len="med"/>
+                      <a:tailEnd type="none" w="med" len="med"/>
+                    </a:lnR>
+                    <a:lnT w="12700" cap="flat" cmpd="sng" algn="ctr">
+                      <a:solidFill>
+                        <a:schemeClr val="tx1"/>
+                      </a:solidFill>
+                      <a:prstDash val="solid"/>
+                      <a:round/>
+                      <a:headEnd type="none" w="med" len="med"/>
+                      <a:tailEnd type="none" w="med" len="med"/>
+                    </a:lnT>
+                    <a:lnB w="12700" cap="flat" cmpd="sng" algn="ctr">
+                      <a:solidFill>
+                        <a:schemeClr val="tx1"/>
+                      </a:solidFill>
+                      <a:prstDash val="solid"/>
+                      <a:round/>
+                      <a:headEnd type="none" w="med" len="med"/>
+                      <a:tailEnd type="none" w="med" len="med"/>
+                    </a:lnB>
+                    <a:lnTlToBr w="12700" cmpd="sng">
+                      <a:noFill/>
+                      <a:prstDash val="solid"/>
+                    </a:lnTlToBr>
+                    <a:lnBlToTr w="12700" cmpd="sng">
+                      <a:noFill/>
+                      <a:prstDash val="solid"/>
+                    </a:lnBlToTr>
+                  </a:tcPr>
+                </a:tc>
+              </a:tr>
+              <a:tr h="334419">
+                <a:tc>
+                  <a:txBody>
+                    <a:bodyPr/>
+                    <a:lstStyle/>
+                    <a:p>
+                      <a:endParaRPr lang="ru-RU" dirty="0"/>
+                    </a:p>
+                  </a:txBody>
+                  <a:tcPr>
+                    <a:lnL w="12700" cap="flat" cmpd="sng" algn="ctr">
+                      <a:solidFill>
+                        <a:schemeClr val="tx1"/>
+                      </a:solidFill>
+                      <a:prstDash val="solid"/>
+                      <a:round/>
+                      <a:headEnd type="none" w="med" len="med"/>
+                      <a:tailEnd type="none" w="med" len="med"/>
+                    </a:lnL>
+                    <a:lnR w="12700" cap="flat" cmpd="sng" algn="ctr">
+                      <a:solidFill>
+                        <a:schemeClr val="tx1"/>
+                      </a:solidFill>
+                      <a:prstDash val="solid"/>
+                      <a:round/>
+                      <a:headEnd type="none" w="med" len="med"/>
+                      <a:tailEnd type="none" w="med" len="med"/>
+                    </a:lnR>
+                    <a:lnT w="12700" cap="flat" cmpd="sng" algn="ctr">
+                      <a:solidFill>
+                        <a:schemeClr val="tx1"/>
+                      </a:solidFill>
+                      <a:prstDash val="solid"/>
+                      <a:round/>
+                      <a:headEnd type="none" w="med" len="med"/>
+                      <a:tailEnd type="none" w="med" len="med"/>
+                    </a:lnT>
+                    <a:lnB w="12700" cap="flat" cmpd="sng" algn="ctr">
+                      <a:solidFill>
+                        <a:schemeClr val="tx1"/>
+                      </a:solidFill>
+                      <a:prstDash val="solid"/>
+                      <a:round/>
+                      <a:headEnd type="none" w="med" len="med"/>
+                      <a:tailEnd type="none" w="med" len="med"/>
+                    </a:lnB>
+                  </a:tcPr>
+                </a:tc>
+                <a:tc>
+                  <a:txBody>
+                    <a:bodyPr/>
+                    <a:lstStyle/>
+                    <a:p>
+                      <a:pPr lvl="0"/>
+                      <a:r>
+                        <a:rPr lang="ru-RU" dirty="0" smtClean="0"/>
+                        <a:t>Сохранение телеметрии на </a:t>
+                      </a:r>
+                      <a:r>
+                        <a:rPr lang="en-US" dirty="0" smtClean="0"/>
+                        <a:t>SD </a:t>
+                      </a:r>
+                      <a:r>
+                        <a:rPr lang="ru-RU" dirty="0" smtClean="0"/>
+                        <a:t>карту</a:t>
+                      </a:r>
+                    </a:p>
+                  </a:txBody>
+                  <a:tcPr>
+                    <a:lnL w="12700" cap="flat" cmpd="sng" algn="ctr">
+                      <a:solidFill>
+                        <a:schemeClr val="tx1"/>
+                      </a:solidFill>
+                      <a:prstDash val="solid"/>
+                      <a:round/>
+                      <a:headEnd type="none" w="med" len="med"/>
+                      <a:tailEnd type="none" w="med" len="med"/>
+                    </a:lnL>
+                    <a:lnR w="12700" cap="flat" cmpd="sng" algn="ctr">
+                      <a:solidFill>
+                        <a:schemeClr val="tx1"/>
+                      </a:solidFill>
+                      <a:prstDash val="solid"/>
+                      <a:round/>
+                      <a:headEnd type="none" w="med" len="med"/>
+                      <a:tailEnd type="none" w="med" len="med"/>
+                    </a:lnR>
+                    <a:lnT w="12700" cap="flat" cmpd="sng" algn="ctr">
+                      <a:solidFill>
+                        <a:schemeClr val="tx1"/>
+                      </a:solidFill>
+                      <a:prstDash val="solid"/>
+                      <a:round/>
+                      <a:headEnd type="none" w="med" len="med"/>
+                      <a:tailEnd type="none" w="med" len="med"/>
+                    </a:lnT>
+                    <a:lnB w="12700" cap="flat" cmpd="sng" algn="ctr">
+                      <a:solidFill>
+                        <a:schemeClr val="tx1"/>
+                      </a:solidFill>
+                      <a:prstDash val="solid"/>
+                      <a:round/>
+                      <a:headEnd type="none" w="med" len="med"/>
+                      <a:tailEnd type="none" w="med" len="med"/>
+                    </a:lnB>
+                    <a:lnTlToBr w="12700" cmpd="sng">
+                      <a:noFill/>
+                      <a:prstDash val="solid"/>
+                    </a:lnTlToBr>
+                    <a:lnBlToTr w="12700" cmpd="sng">
+                      <a:noFill/>
+                      <a:prstDash val="solid"/>
+                    </a:lnBlToTr>
+                  </a:tcPr>
+                </a:tc>
+              </a:tr>
+              <a:tr h="334419">
+                <a:tc>
+                  <a:txBody>
+                    <a:bodyPr/>
+                    <a:lstStyle/>
+                    <a:p>
+                      <a:endParaRPr lang="ru-RU" dirty="0"/>
+                    </a:p>
+                  </a:txBody>
+                  <a:tcPr>
+                    <a:lnL w="12700" cap="flat" cmpd="sng" algn="ctr">
+                      <a:solidFill>
+                        <a:schemeClr val="tx1"/>
+                      </a:solidFill>
+                      <a:prstDash val="solid"/>
+                      <a:round/>
+                      <a:headEnd type="none" w="med" len="med"/>
+                      <a:tailEnd type="none" w="med" len="med"/>
+                    </a:lnL>
+                    <a:lnR w="12700" cap="flat" cmpd="sng" algn="ctr">
+                      <a:solidFill>
+                        <a:schemeClr val="tx1"/>
+                      </a:solidFill>
+                      <a:prstDash val="solid"/>
+                      <a:round/>
+                      <a:headEnd type="none" w="med" len="med"/>
+                      <a:tailEnd type="none" w="med" len="med"/>
+                    </a:lnR>
+                    <a:lnT w="12700" cap="flat" cmpd="sng" algn="ctr">
+                      <a:solidFill>
+                        <a:schemeClr val="tx1"/>
+                      </a:solidFill>
+                      <a:prstDash val="solid"/>
+                      <a:round/>
+                      <a:headEnd type="none" w="med" len="med"/>
+                      <a:tailEnd type="none" w="med" len="med"/>
+                    </a:lnT>
+                    <a:lnB w="12700" cap="flat" cmpd="sng" algn="ctr">
+                      <a:solidFill>
+                        <a:schemeClr val="tx1"/>
+                      </a:solidFill>
+                      <a:prstDash val="solid"/>
+                      <a:round/>
+                      <a:headEnd type="none" w="med" len="med"/>
+                      <a:tailEnd type="none" w="med" len="med"/>
+                    </a:lnB>
+                  </a:tcPr>
+                </a:tc>
+                <a:tc>
+                  <a:txBody>
+                    <a:bodyPr/>
+                    <a:lstStyle/>
+                    <a:p>
+                      <a:pPr lvl="0"/>
+                      <a:r>
+                        <a:rPr lang="ru-RU" dirty="0" smtClean="0"/>
+                        <a:t>Определение</a:t>
+                      </a:r>
+                      <a:r>
+                        <a:rPr lang="ru-RU" baseline="0" dirty="0" smtClean="0"/>
+                        <a:t> координат аппарата по </a:t>
+                      </a:r>
+                      <a:r>
+                        <a:rPr lang="en-US" baseline="0" dirty="0" smtClean="0"/>
+                        <a:t>GPS</a:t>
+                      </a:r>
+                      <a:endParaRPr lang="ru-RU" dirty="0" smtClean="0"/>
+                    </a:p>
+                  </a:txBody>
+                  <a:tcPr>
+                    <a:lnL w="12700" cap="flat" cmpd="sng" algn="ctr">
+                      <a:solidFill>
+                        <a:schemeClr val="tx1"/>
+                      </a:solidFill>
+                      <a:prstDash val="solid"/>
+                      <a:round/>
+                      <a:headEnd type="none" w="med" len="med"/>
+                      <a:tailEnd type="none" w="med" len="med"/>
+                    </a:lnL>
+                    <a:lnR w="12700" cap="flat" cmpd="sng" algn="ctr">
+                      <a:solidFill>
+                        <a:schemeClr val="tx1"/>
+                      </a:solidFill>
+                      <a:prstDash val="solid"/>
+                      <a:round/>
+                      <a:headEnd type="none" w="med" len="med"/>
+                      <a:tailEnd type="none" w="med" len="med"/>
+                    </a:lnR>
+                    <a:lnT w="12700" cap="flat" cmpd="sng" algn="ctr">
+                      <a:solidFill>
+                        <a:schemeClr val="tx1"/>
+                      </a:solidFill>
+                      <a:prstDash val="solid"/>
+                      <a:round/>
+                      <a:headEnd type="none" w="med" len="med"/>
+                      <a:tailEnd type="none" w="med" len="med"/>
+                    </a:lnT>
+                    <a:lnB w="12700" cap="flat" cmpd="sng" algn="ctr">
+                      <a:solidFill>
+                        <a:schemeClr val="tx1"/>
+                      </a:solidFill>
+                      <a:prstDash val="solid"/>
+                      <a:round/>
+                      <a:headEnd type="none" w="med" len="med"/>
+                      <a:tailEnd type="none" w="med" len="med"/>
+                    </a:lnB>
+                    <a:lnTlToBr w="12700" cmpd="sng">
+                      <a:noFill/>
+                      <a:prstDash val="solid"/>
+                    </a:lnTlToBr>
+                    <a:lnBlToTr w="12700" cmpd="sng">
+                      <a:noFill/>
+                      <a:prstDash val="solid"/>
+                    </a:lnBlToTr>
+                  </a:tcPr>
+                </a:tc>
+              </a:tr>
+            </a:tbl>
+          </a:graphicData>
+        </a:graphic>
+      </p:graphicFrame>
+    </p:spTree>
+    <p:extLst>
+      <p:ext uri="{BB962C8B-B14F-4D97-AF65-F5344CB8AC3E}">
+        <p14:creationId xmlns:p14="http://schemas.microsoft.com/office/powerpoint/2010/main" val="3254994325"/>
+      </p:ext>
+    </p:extLst>
+  </p:cSld>
+  <p:clrMapOvr>
+    <a:masterClrMapping/>
+  </p:clrMapOvr>
+  <mc:AlternateContent xmlns:mc="http://schemas.openxmlformats.org/markup-compatibility/2006" xmlns:p14="http://schemas.microsoft.com/office/powerpoint/2010/main">
+    <mc:Choice Requires="p14">
+      <p:transition spd="med" p14:dur="700">
+        <p:fade/>
+      </p:transition>
+    </mc:Choice>
+    <mc:Fallback xmlns="">
+      <p:transition spd="med">
+        <p:fade/>
+      </p:transition>
+    </mc:Fallback>
+  </mc:AlternateContent>
+  <p:timing>
+    <p:tnLst>
+      <p:par>
+        <p:cTn id="1" dur="indefinite" restart="never" nodeType="tmRoot"/>
+      </p:par>
+    </p:tnLst>
+  </p:timing>
+</p:sld>
+</file>
+
+<file path=ppt/slides/slide20.xml><?xml version="1.0" encoding="utf-8"?>
+<p:sld xmlns:a="http://schemas.openxmlformats.org/drawingml/2006/main" xmlns:r="http://schemas.openxmlformats.org/officeDocument/2006/relationships" xmlns:p="http://schemas.openxmlformats.org/presentationml/2006/main">
+  <p:cSld>
+    <p:spTree>
+      <p:nvGrpSpPr>
+        <p:cNvPr id="1" name=""/>
+        <p:cNvGrpSpPr/>
+        <p:nvPr/>
+      </p:nvGrpSpPr>
+      <p:grpSpPr>
+        <a:xfrm>
+          <a:off x="0" y="0"/>
+          <a:ext cx="0" cy="0"/>
+          <a:chOff x="0" y="0"/>
+          <a:chExt cx="0" cy="0"/>
+        </a:xfrm>
+      </p:grpSpPr>
+      <p:sp>
+        <p:nvSpPr>
+          <p:cNvPr id="2" name="Заголовок 1"/>
+          <p:cNvSpPr>
+            <a:spLocks noGrp="1"/>
+          </p:cNvSpPr>
+          <p:nvPr>
+            <p:ph type="title"/>
+          </p:nvPr>
+        </p:nvSpPr>
+        <p:spPr>
+          <a:xfrm>
+            <a:off x="228600" y="-428625"/>
+            <a:ext cx="8686800" cy="857250"/>
+          </a:xfrm>
+        </p:spPr>
+        <p:txBody>
+          <a:bodyPr>
+            <a:normAutofit/>
+          </a:bodyPr>
+          <a:lstStyle/>
+          <a:p>
+            <a:pPr algn="ctr"/>
+            <a:r>
+              <a:rPr lang="ru-RU" sz="2400" dirty="0" smtClean="0"/>
+              <a:t>Масса аппарата и </a:t>
+            </a:r>
+            <a:r>
+              <a:rPr lang="ru-RU" sz="2400" dirty="0" smtClean="0"/>
+              <a:t>бюджет</a:t>
+            </a:r>
+            <a:r>
+              <a:rPr lang="en-US" sz="2400" dirty="0" smtClean="0"/>
+              <a:t> (</a:t>
+            </a:r>
+            <a:r>
+              <a:rPr lang="ru-RU" sz="2400" dirty="0" smtClean="0"/>
+              <a:t>элементы электроники</a:t>
+            </a:r>
+            <a:r>
+              <a:rPr lang="en-US" sz="2400" dirty="0" smtClean="0"/>
+              <a:t>)</a:t>
+            </a:r>
+            <a:endParaRPr lang="ru-RU" sz="2400" dirty="0"/>
+          </a:p>
+        </p:txBody>
+      </p:sp>
+      <p:graphicFrame>
+        <p:nvGraphicFramePr>
+          <p:cNvPr id="4" name="Объект 3"/>
+          <p:cNvGraphicFramePr>
+            <a:graphicFrameLocks noGrp="1"/>
+          </p:cNvGraphicFramePr>
+          <p:nvPr>
+            <p:ph idx="1"/>
+            <p:extLst>
+              <p:ext uri="{D42A27DB-BD31-4B8C-83A1-F6EECF244321}">
+                <p14:modId xmlns:p14="http://schemas.microsoft.com/office/powerpoint/2010/main" val="1796127210"/>
+              </p:ext>
+            </p:extLst>
+          </p:nvPr>
+        </p:nvGraphicFramePr>
+        <p:xfrm>
+          <a:off x="228600" y="514350"/>
+          <a:ext cx="8686800" cy="4422140"/>
+        </p:xfrm>
+        <a:graphic>
+          <a:graphicData uri="http://schemas.openxmlformats.org/drawingml/2006/table">
+            <a:tbl>
+              <a:tblPr firstRow="1" bandRow="1">
+                <a:tableStyleId>{69012ECD-51FC-41F1-AA8D-1B2483CD663E}</a:tableStyleId>
+              </a:tblPr>
+              <a:tblGrid>
+                <a:gridCol w="2171700"/>
+                <a:gridCol w="2171700"/>
+                <a:gridCol w="2171700"/>
+                <a:gridCol w="2171700"/>
+              </a:tblGrid>
+              <a:tr h="223520">
+                <a:tc>
+                  <a:txBody>
+                    <a:bodyPr/>
+                    <a:lstStyle/>
+                    <a:p>
+                      <a:r>
+                        <a:rPr lang="ru-RU" dirty="0" smtClean="0"/>
+                        <a:t>Компонент</a:t>
+                      </a:r>
+                      <a:endParaRPr lang="ru-RU" dirty="0"/>
+                    </a:p>
+                  </a:txBody>
+                  <a:tcPr/>
+                </a:tc>
+                <a:tc>
+                  <a:txBody>
+                    <a:bodyPr/>
+                    <a:lstStyle/>
+                    <a:p>
+                      <a:r>
+                        <a:rPr lang="ru-RU" dirty="0" smtClean="0"/>
+                        <a:t>Модель</a:t>
+                      </a:r>
+                      <a:endParaRPr lang="ru-RU" dirty="0"/>
+                    </a:p>
+                  </a:txBody>
+                  <a:tcPr/>
+                </a:tc>
+                <a:tc>
+                  <a:txBody>
+                    <a:bodyPr/>
+                    <a:lstStyle/>
+                    <a:p>
+                      <a:r>
+                        <a:rPr lang="ru-RU" dirty="0" smtClean="0"/>
+                        <a:t>Масса</a:t>
+                      </a:r>
+                      <a:r>
+                        <a:rPr lang="en-US" dirty="0" smtClean="0"/>
+                        <a:t>, </a:t>
+                      </a:r>
+                      <a:r>
+                        <a:rPr lang="ru-RU" dirty="0" smtClean="0"/>
+                        <a:t>г</a:t>
+                      </a:r>
+                      <a:endParaRPr lang="ru-RU" dirty="0"/>
+                    </a:p>
+                  </a:txBody>
+                  <a:tcPr/>
+                </a:tc>
+                <a:tc>
+                  <a:txBody>
+                    <a:bodyPr/>
+                    <a:lstStyle/>
+                    <a:p>
+                      <a:r>
+                        <a:rPr lang="ru-RU" dirty="0" smtClean="0"/>
+                        <a:t>Стоимость,</a:t>
+                      </a:r>
+                      <a:r>
+                        <a:rPr lang="ru-RU" baseline="0" dirty="0" smtClean="0"/>
+                        <a:t> руб.</a:t>
+                      </a:r>
+                      <a:endParaRPr lang="ru-RU" dirty="0"/>
+                    </a:p>
+                  </a:txBody>
+                  <a:tcPr/>
+                </a:tc>
+              </a:tr>
+              <a:tr h="261620">
+                <a:tc>
+                  <a:txBody>
+                    <a:bodyPr/>
+                    <a:lstStyle/>
+                    <a:p>
+                      <a:r>
+                        <a:rPr lang="ru-RU" sz="1200" dirty="0" smtClean="0"/>
+                        <a:t>Датчик</a:t>
+                      </a:r>
+                      <a:r>
+                        <a:rPr lang="ru-RU" sz="1200" baseline="0" dirty="0" smtClean="0"/>
+                        <a:t> освещенности</a:t>
+                      </a:r>
+                      <a:r>
+                        <a:rPr lang="en-US" sz="1200" baseline="0" dirty="0" smtClean="0"/>
+                        <a:t>(x3)</a:t>
+                      </a:r>
+                      <a:endParaRPr lang="ru-RU" sz="1200" dirty="0">
+                        <a:solidFill>
+                          <a:schemeClr val="bg1">
+                            <a:lumMod val="75000"/>
+                            <a:lumOff val="25000"/>
+                          </a:schemeClr>
+                        </a:solidFill>
+                      </a:endParaRPr>
+                    </a:p>
+                  </a:txBody>
+                  <a:tcPr/>
+                </a:tc>
+                <a:tc>
+                  <a:txBody>
+                    <a:bodyPr/>
+                    <a:lstStyle/>
+                    <a:p>
+                      <a:r>
+                        <a:rPr lang="en-US" sz="1200" dirty="0" smtClean="0"/>
+                        <a:t>TSL2561</a:t>
+                      </a:r>
+                      <a:endParaRPr lang="ru-RU" sz="1200" dirty="0">
+                        <a:solidFill>
+                          <a:schemeClr val="bg1">
+                            <a:lumMod val="75000"/>
+                            <a:lumOff val="25000"/>
+                          </a:schemeClr>
+                        </a:solidFill>
+                      </a:endParaRPr>
+                    </a:p>
+                  </a:txBody>
+                  <a:tcPr/>
+                </a:tc>
+                <a:tc>
+                  <a:txBody>
+                    <a:bodyPr/>
+                    <a:lstStyle/>
+                    <a:p>
+                      <a:endParaRPr lang="ru-RU" sz="1200" dirty="0"/>
+                    </a:p>
+                  </a:txBody>
+                  <a:tcPr/>
+                </a:tc>
+                <a:tc>
+                  <a:txBody>
+                    <a:bodyPr/>
+                    <a:lstStyle/>
+                    <a:p>
+                      <a:r>
+                        <a:rPr lang="en-US" sz="1200" dirty="0" smtClean="0">
+                          <a:solidFill>
+                            <a:schemeClr val="tx1"/>
+                          </a:solidFill>
+                        </a:rPr>
+                        <a:t>2392.5</a:t>
+                      </a:r>
+                      <a:endParaRPr lang="ru-RU" sz="1200" dirty="0">
+                        <a:solidFill>
+                          <a:schemeClr val="tx1"/>
+                        </a:solidFill>
+                      </a:endParaRPr>
+                    </a:p>
+                  </a:txBody>
+                  <a:tcPr/>
+                </a:tc>
+              </a:tr>
+              <a:tr h="337820">
+                <a:tc>
+                  <a:txBody>
+                    <a:bodyPr/>
+                    <a:lstStyle/>
+                    <a:p>
+                      <a:r>
+                        <a:rPr lang="ru-RU" sz="1200" dirty="0" smtClean="0"/>
+                        <a:t>Цифровой потенциометр</a:t>
+                      </a:r>
+                      <a:endParaRPr lang="ru-RU" sz="1200" dirty="0">
+                        <a:solidFill>
+                          <a:schemeClr val="bg1">
+                            <a:lumMod val="75000"/>
+                            <a:lumOff val="25000"/>
+                          </a:schemeClr>
+                        </a:solidFill>
+                      </a:endParaRPr>
+                    </a:p>
+                  </a:txBody>
+                  <a:tcPr/>
+                </a:tc>
+                <a:tc>
+                  <a:txBody>
+                    <a:bodyPr/>
+                    <a:lstStyle/>
+                    <a:p>
+                      <a:r>
+                        <a:rPr lang="en-US" sz="1200" dirty="0" smtClean="0"/>
+                        <a:t>x9c104</a:t>
+                      </a:r>
+                      <a:endParaRPr lang="ru-RU" sz="1200" dirty="0">
+                        <a:solidFill>
+                          <a:schemeClr val="bg1">
+                            <a:lumMod val="75000"/>
+                            <a:lumOff val="25000"/>
+                          </a:schemeClr>
+                        </a:solidFill>
+                      </a:endParaRPr>
+                    </a:p>
+                  </a:txBody>
+                  <a:tcPr/>
+                </a:tc>
+                <a:tc>
+                  <a:txBody>
+                    <a:bodyPr/>
+                    <a:lstStyle/>
+                    <a:p>
+                      <a:endParaRPr lang="ru-RU" sz="1200" dirty="0"/>
+                    </a:p>
+                  </a:txBody>
+                  <a:tcPr/>
+                </a:tc>
+                <a:tc>
+                  <a:txBody>
+                    <a:bodyPr/>
+                    <a:lstStyle/>
+                    <a:p>
+                      <a:r>
+                        <a:rPr lang="en-US" sz="1200" dirty="0" smtClean="0">
+                          <a:solidFill>
+                            <a:schemeClr val="tx1"/>
+                          </a:solidFill>
+                        </a:rPr>
+                        <a:t>138</a:t>
+                      </a:r>
+                      <a:endParaRPr lang="ru-RU" sz="1200" dirty="0">
+                        <a:solidFill>
+                          <a:schemeClr val="tx1"/>
+                        </a:solidFill>
+                      </a:endParaRPr>
+                    </a:p>
+                  </a:txBody>
+                  <a:tcPr/>
+                </a:tc>
+              </a:tr>
+              <a:tr h="223520">
+                <a:tc>
+                  <a:txBody>
+                    <a:bodyPr/>
+                    <a:lstStyle/>
+                    <a:p>
+                      <a:r>
+                        <a:rPr lang="ru-RU" sz="1200" dirty="0" smtClean="0"/>
+                        <a:t>Аналоговый</a:t>
+                      </a:r>
+                      <a:r>
+                        <a:rPr lang="ru-RU" sz="1200" baseline="0" dirty="0" smtClean="0"/>
+                        <a:t> мультиплексор</a:t>
+                      </a:r>
+                      <a:r>
+                        <a:rPr lang="en-US" sz="1200" baseline="0" dirty="0" smtClean="0"/>
+                        <a:t>(x3)</a:t>
+                      </a:r>
+                      <a:endParaRPr lang="ru-RU" sz="1200" dirty="0">
+                        <a:solidFill>
+                          <a:schemeClr val="bg1">
+                            <a:lumMod val="75000"/>
+                            <a:lumOff val="25000"/>
+                          </a:schemeClr>
+                        </a:solidFill>
+                      </a:endParaRPr>
+                    </a:p>
+                  </a:txBody>
+                  <a:tcPr/>
+                </a:tc>
+                <a:tc>
+                  <a:txBody>
+                    <a:bodyPr/>
+                    <a:lstStyle/>
+                    <a:p>
+                      <a:r>
+                        <a:rPr lang="en-US" sz="1200" dirty="0" smtClean="0"/>
+                        <a:t>74hc4051</a:t>
+                      </a:r>
+                      <a:endParaRPr lang="ru-RU" sz="1200" dirty="0">
+                        <a:solidFill>
+                          <a:schemeClr val="bg1">
+                            <a:lumMod val="75000"/>
+                            <a:lumOff val="25000"/>
+                          </a:schemeClr>
+                        </a:solidFill>
+                      </a:endParaRPr>
+                    </a:p>
+                  </a:txBody>
+                  <a:tcPr/>
+                </a:tc>
+                <a:tc>
+                  <a:txBody>
+                    <a:bodyPr/>
+                    <a:lstStyle/>
+                    <a:p>
+                      <a:endParaRPr lang="ru-RU" sz="1200" dirty="0"/>
+                    </a:p>
+                  </a:txBody>
+                  <a:tcPr/>
+                </a:tc>
+                <a:tc>
+                  <a:txBody>
+                    <a:bodyPr/>
+                    <a:lstStyle/>
+                    <a:p>
+                      <a:r>
+                        <a:rPr lang="en-US" sz="1200" dirty="0" smtClean="0">
+                          <a:solidFill>
+                            <a:schemeClr val="tx1"/>
+                          </a:solidFill>
+                        </a:rPr>
+                        <a:t>550</a:t>
+                      </a:r>
+                      <a:endParaRPr lang="ru-RU" sz="1200" dirty="0">
+                        <a:solidFill>
+                          <a:schemeClr val="tx1"/>
+                        </a:solidFill>
+                      </a:endParaRPr>
+                    </a:p>
+                  </a:txBody>
+                  <a:tcPr/>
+                </a:tc>
+              </a:tr>
+              <a:tr h="223520">
+                <a:tc>
+                  <a:txBody>
+                    <a:bodyPr/>
+                    <a:lstStyle/>
+                    <a:p>
+                      <a:r>
+                        <a:rPr lang="ru-RU" sz="1200" dirty="0" smtClean="0"/>
+                        <a:t>Дополнительный</a:t>
+                      </a:r>
+                      <a:r>
+                        <a:rPr lang="ru-RU" sz="1200" baseline="0" dirty="0" smtClean="0"/>
+                        <a:t> АЦП</a:t>
+                      </a:r>
+                      <a:r>
+                        <a:rPr lang="en-US" sz="1200" baseline="0" dirty="0" smtClean="0"/>
+                        <a:t>(x2)</a:t>
+                      </a:r>
+                      <a:endParaRPr lang="ru-RU" sz="1200" dirty="0">
+                        <a:solidFill>
+                          <a:schemeClr val="bg1">
+                            <a:lumMod val="75000"/>
+                            <a:lumOff val="25000"/>
+                          </a:schemeClr>
+                        </a:solidFill>
+                      </a:endParaRPr>
+                    </a:p>
+                  </a:txBody>
+                  <a:tcPr/>
+                </a:tc>
+                <a:tc>
+                  <a:txBody>
+                    <a:bodyPr/>
+                    <a:lstStyle/>
+                    <a:p>
+                      <a:r>
+                        <a:rPr lang="en-US" sz="1200" dirty="0" smtClean="0"/>
+                        <a:t>ADS1115</a:t>
+                      </a:r>
+                      <a:endParaRPr lang="ru-RU" sz="1200" dirty="0">
+                        <a:solidFill>
+                          <a:schemeClr val="bg1">
+                            <a:lumMod val="75000"/>
+                            <a:lumOff val="25000"/>
+                          </a:schemeClr>
+                        </a:solidFill>
+                      </a:endParaRPr>
+                    </a:p>
+                  </a:txBody>
+                  <a:tcPr/>
+                </a:tc>
+                <a:tc>
+                  <a:txBody>
+                    <a:bodyPr/>
+                    <a:lstStyle/>
+                    <a:p>
+                      <a:endParaRPr lang="ru-RU" sz="1200" dirty="0"/>
+                    </a:p>
+                  </a:txBody>
+                  <a:tcPr/>
+                </a:tc>
+                <a:tc>
+                  <a:txBody>
+                    <a:bodyPr/>
+                    <a:lstStyle/>
+                    <a:p>
+                      <a:r>
+                        <a:rPr lang="en-US" sz="1200" dirty="0" smtClean="0">
+                          <a:solidFill>
+                            <a:schemeClr val="tx1"/>
+                          </a:solidFill>
+                        </a:rPr>
+                        <a:t>366</a:t>
+                      </a:r>
+                      <a:endParaRPr lang="ru-RU" sz="1200" dirty="0">
+                        <a:solidFill>
+                          <a:schemeClr val="tx1"/>
+                        </a:solidFill>
+                      </a:endParaRPr>
+                    </a:p>
+                  </a:txBody>
+                  <a:tcPr/>
+                </a:tc>
+              </a:tr>
+              <a:tr h="223520">
+                <a:tc>
+                  <a:txBody>
+                    <a:bodyPr/>
+                    <a:lstStyle/>
+                    <a:p>
+                      <a:r>
+                        <a:rPr lang="ru-RU" sz="1200" dirty="0" smtClean="0"/>
+                        <a:t>Акселерометр</a:t>
+                      </a:r>
+                      <a:endParaRPr lang="ru-RU" sz="1200" dirty="0">
+                        <a:solidFill>
+                          <a:schemeClr val="bg1">
+                            <a:lumMod val="75000"/>
+                            <a:lumOff val="25000"/>
+                          </a:schemeClr>
+                        </a:solidFill>
+                      </a:endParaRPr>
+                    </a:p>
+                  </a:txBody>
+                  <a:tcPr/>
+                </a:tc>
+                <a:tc>
+                  <a:txBody>
+                    <a:bodyPr/>
+                    <a:lstStyle/>
+                    <a:p>
+                      <a:r>
+                        <a:rPr lang="en-US" sz="1200" dirty="0" smtClean="0"/>
+                        <a:t>ADXL375Z</a:t>
+                      </a:r>
+                      <a:endParaRPr lang="ru-RU" sz="1200" dirty="0">
+                        <a:solidFill>
+                          <a:schemeClr val="bg1">
+                            <a:lumMod val="75000"/>
+                            <a:lumOff val="25000"/>
+                          </a:schemeClr>
+                        </a:solidFill>
+                      </a:endParaRPr>
+                    </a:p>
+                  </a:txBody>
+                  <a:tcPr/>
+                </a:tc>
+                <a:tc>
+                  <a:txBody>
+                    <a:bodyPr/>
+                    <a:lstStyle/>
+                    <a:p>
+                      <a:endParaRPr lang="ru-RU" sz="1200" dirty="0"/>
+                    </a:p>
+                  </a:txBody>
+                  <a:tcPr/>
+                </a:tc>
+                <a:tc>
+                  <a:txBody>
+                    <a:bodyPr/>
+                    <a:lstStyle/>
+                    <a:p>
+                      <a:r>
+                        <a:rPr lang="ru-RU" sz="1200" dirty="0" smtClean="0">
+                          <a:solidFill>
+                            <a:schemeClr val="tx1"/>
+                          </a:solidFill>
+                        </a:rPr>
+                        <a:t>3185</a:t>
+                      </a:r>
+                      <a:endParaRPr lang="ru-RU" sz="1200" dirty="0">
+                        <a:solidFill>
+                          <a:schemeClr val="tx1"/>
+                        </a:solidFill>
+                      </a:endParaRPr>
+                    </a:p>
+                  </a:txBody>
+                  <a:tcPr/>
+                </a:tc>
+              </a:tr>
+              <a:tr h="223520">
+                <a:tc>
+                  <a:txBody>
+                    <a:bodyPr/>
+                    <a:lstStyle/>
+                    <a:p>
+                      <a:r>
+                        <a:rPr lang="ru-RU" sz="1200" dirty="0" smtClean="0"/>
+                        <a:t>Датчик</a:t>
+                      </a:r>
+                      <a:r>
+                        <a:rPr lang="ru-RU" sz="1200" baseline="0" dirty="0" smtClean="0"/>
+                        <a:t> влажности</a:t>
+                      </a:r>
+                      <a:endParaRPr lang="ru-RU" sz="1200" dirty="0">
+                        <a:solidFill>
+                          <a:schemeClr val="bg1">
+                            <a:lumMod val="75000"/>
+                            <a:lumOff val="25000"/>
+                          </a:schemeClr>
+                        </a:solidFill>
+                      </a:endParaRPr>
+                    </a:p>
+                  </a:txBody>
+                  <a:tcPr/>
+                </a:tc>
+                <a:tc>
+                  <a:txBody>
+                    <a:bodyPr/>
+                    <a:lstStyle/>
+                    <a:p>
+                      <a:r>
+                        <a:rPr lang="en-US" sz="1200" dirty="0" smtClean="0"/>
+                        <a:t>DHT22</a:t>
+                      </a:r>
+                      <a:endParaRPr lang="ru-RU" sz="1200" dirty="0">
+                        <a:solidFill>
+                          <a:schemeClr val="bg1">
+                            <a:lumMod val="75000"/>
+                            <a:lumOff val="25000"/>
+                          </a:schemeClr>
+                        </a:solidFill>
+                      </a:endParaRPr>
+                    </a:p>
+                  </a:txBody>
+                  <a:tcPr/>
+                </a:tc>
+                <a:tc>
+                  <a:txBody>
+                    <a:bodyPr/>
+                    <a:lstStyle/>
+                    <a:p>
+                      <a:endParaRPr lang="ru-RU" sz="1200" dirty="0"/>
+                    </a:p>
+                  </a:txBody>
+                  <a:tcPr/>
+                </a:tc>
+                <a:tc>
+                  <a:txBody>
+                    <a:bodyPr/>
+                    <a:lstStyle/>
+                    <a:p>
+                      <a:r>
+                        <a:rPr lang="ru-RU" sz="1200" dirty="0" smtClean="0">
+                          <a:solidFill>
+                            <a:schemeClr val="tx1"/>
+                          </a:solidFill>
+                        </a:rPr>
+                        <a:t>588</a:t>
+                      </a:r>
+                      <a:endParaRPr lang="ru-RU" sz="1200" dirty="0">
+                        <a:solidFill>
+                          <a:schemeClr val="tx1"/>
+                        </a:solidFill>
+                      </a:endParaRPr>
+                    </a:p>
+                  </a:txBody>
+                  <a:tcPr/>
+                </a:tc>
+              </a:tr>
+              <a:tr h="223520">
+                <a:tc>
+                  <a:txBody>
+                    <a:bodyPr/>
+                    <a:lstStyle/>
+                    <a:p>
+                      <a:r>
+                        <a:rPr lang="ru-RU" sz="1200" dirty="0" smtClean="0"/>
+                        <a:t>Сервопривод</a:t>
+                      </a:r>
+                      <a:endParaRPr lang="ru-RU" sz="1200" dirty="0">
+                        <a:solidFill>
+                          <a:schemeClr val="bg1">
+                            <a:lumMod val="75000"/>
+                            <a:lumOff val="25000"/>
+                          </a:schemeClr>
+                        </a:solidFill>
+                      </a:endParaRPr>
+                    </a:p>
+                  </a:txBody>
+                  <a:tcPr/>
+                </a:tc>
+                <a:tc>
+                  <a:txBody>
+                    <a:bodyPr/>
+                    <a:lstStyle/>
+                    <a:p>
+                      <a:r>
+                        <a:rPr lang="en-US" sz="1200" dirty="0" smtClean="0"/>
+                        <a:t>SM-S2309B</a:t>
+                      </a:r>
+                      <a:endParaRPr lang="ru-RU" sz="1200" dirty="0">
+                        <a:solidFill>
+                          <a:schemeClr val="bg1">
+                            <a:lumMod val="75000"/>
+                            <a:lumOff val="25000"/>
+                          </a:schemeClr>
+                        </a:solidFill>
+                      </a:endParaRPr>
+                    </a:p>
+                  </a:txBody>
+                  <a:tcPr/>
+                </a:tc>
+                <a:tc>
+                  <a:txBody>
+                    <a:bodyPr/>
+                    <a:lstStyle/>
+                    <a:p>
+                      <a:endParaRPr lang="ru-RU" sz="1200" dirty="0"/>
+                    </a:p>
+                  </a:txBody>
+                  <a:tcPr/>
+                </a:tc>
+                <a:tc>
+                  <a:txBody>
+                    <a:bodyPr/>
+                    <a:lstStyle/>
+                    <a:p>
+                      <a:r>
+                        <a:rPr lang="ru-RU" sz="1200" dirty="0" smtClean="0">
+                          <a:solidFill>
+                            <a:schemeClr val="tx1"/>
+                          </a:solidFill>
+                        </a:rPr>
+                        <a:t>602</a:t>
+                      </a:r>
+                      <a:endParaRPr lang="ru-RU" sz="1200" dirty="0">
+                        <a:solidFill>
+                          <a:schemeClr val="tx1"/>
+                        </a:solidFill>
+                      </a:endParaRPr>
+                    </a:p>
+                  </a:txBody>
+                  <a:tcPr/>
+                </a:tc>
+              </a:tr>
+              <a:tr h="223520">
+                <a:tc>
+                  <a:txBody>
+                    <a:bodyPr/>
+                    <a:lstStyle/>
+                    <a:p>
+                      <a:r>
+                        <a:rPr lang="ru-RU" sz="1200" dirty="0" smtClean="0"/>
+                        <a:t>Второй контроллер</a:t>
+                      </a:r>
+                      <a:endParaRPr lang="ru-RU" sz="1200" dirty="0">
+                        <a:solidFill>
+                          <a:schemeClr val="bg1">
+                            <a:lumMod val="75000"/>
+                            <a:lumOff val="25000"/>
+                          </a:schemeClr>
+                        </a:solidFill>
+                      </a:endParaRPr>
+                    </a:p>
+                  </a:txBody>
+                  <a:tcPr/>
+                </a:tc>
+                <a:tc>
+                  <a:txBody>
+                    <a:bodyPr/>
+                    <a:lstStyle/>
+                    <a:p>
+                      <a:r>
+                        <a:rPr lang="en-US" sz="1200" dirty="0" smtClean="0"/>
+                        <a:t>STM32F103C8T2</a:t>
+                      </a:r>
+                      <a:endParaRPr lang="ru-RU" sz="1200" dirty="0">
+                        <a:solidFill>
+                          <a:schemeClr val="bg1">
+                            <a:lumMod val="75000"/>
+                            <a:lumOff val="25000"/>
+                          </a:schemeClr>
+                        </a:solidFill>
+                      </a:endParaRPr>
+                    </a:p>
+                  </a:txBody>
+                  <a:tcPr/>
+                </a:tc>
+                <a:tc>
+                  <a:txBody>
+                    <a:bodyPr/>
+                    <a:lstStyle/>
+                    <a:p>
+                      <a:endParaRPr lang="ru-RU" sz="1200" dirty="0"/>
+                    </a:p>
+                  </a:txBody>
+                  <a:tcPr/>
+                </a:tc>
+                <a:tc>
+                  <a:txBody>
+                    <a:bodyPr/>
+                    <a:lstStyle/>
+                    <a:p>
+                      <a:r>
+                        <a:rPr lang="ru-RU" sz="1200" dirty="0" smtClean="0">
+                          <a:solidFill>
+                            <a:schemeClr val="tx1"/>
+                          </a:solidFill>
+                        </a:rPr>
+                        <a:t>313</a:t>
+                      </a:r>
+                      <a:endParaRPr lang="ru-RU" sz="1200" dirty="0">
+                        <a:solidFill>
+                          <a:schemeClr val="tx1"/>
+                        </a:solidFill>
+                      </a:endParaRPr>
+                    </a:p>
+                  </a:txBody>
+                  <a:tcPr/>
+                </a:tc>
+              </a:tr>
+              <a:tr h="223520">
+                <a:tc>
+                  <a:txBody>
+                    <a:bodyPr/>
+                    <a:lstStyle/>
+                    <a:p>
+                      <a:r>
+                        <a:rPr lang="ru-RU" sz="1200" dirty="0" smtClean="0"/>
+                        <a:t>Аккумулятор(</a:t>
+                      </a:r>
+                      <a:r>
+                        <a:rPr lang="en-US" sz="1200" dirty="0" smtClean="0"/>
+                        <a:t>x2</a:t>
+                      </a:r>
+                      <a:r>
+                        <a:rPr lang="ru-RU" sz="1200" dirty="0" smtClean="0"/>
+                        <a:t>)</a:t>
+                      </a:r>
+                      <a:endParaRPr lang="ru-RU" sz="1200" dirty="0">
+                        <a:solidFill>
+                          <a:schemeClr val="bg1">
+                            <a:lumMod val="75000"/>
+                            <a:lumOff val="25000"/>
+                          </a:schemeClr>
+                        </a:solidFill>
+                      </a:endParaRPr>
+                    </a:p>
+                  </a:txBody>
+                  <a:tcPr/>
+                </a:tc>
+                <a:tc>
+                  <a:txBody>
+                    <a:bodyPr/>
+                    <a:lstStyle/>
+                    <a:p>
+                      <a:r>
+                        <a:rPr lang="en-US" sz="1200" dirty="0" smtClean="0"/>
+                        <a:t>NCR18650GA</a:t>
+                      </a:r>
+                      <a:endParaRPr lang="ru-RU" sz="1200" dirty="0">
+                        <a:solidFill>
+                          <a:schemeClr val="bg1">
+                            <a:lumMod val="75000"/>
+                            <a:lumOff val="25000"/>
+                          </a:schemeClr>
+                        </a:solidFill>
+                      </a:endParaRPr>
+                    </a:p>
+                  </a:txBody>
+                  <a:tcPr/>
+                </a:tc>
+                <a:tc>
+                  <a:txBody>
+                    <a:bodyPr/>
+                    <a:lstStyle/>
+                    <a:p>
+                      <a:r>
+                        <a:rPr lang="en-US" sz="1200" dirty="0" smtClean="0"/>
+                        <a:t>96</a:t>
+                      </a:r>
+                      <a:endParaRPr lang="ru-RU" sz="1200" dirty="0"/>
+                    </a:p>
+                  </a:txBody>
+                  <a:tcPr/>
+                </a:tc>
+                <a:tc>
+                  <a:txBody>
+                    <a:bodyPr/>
+                    <a:lstStyle/>
+                    <a:p>
+                      <a:r>
+                        <a:rPr lang="ru-RU" sz="1200" dirty="0" smtClean="0">
+                          <a:solidFill>
+                            <a:schemeClr val="tx1"/>
+                          </a:solidFill>
+                        </a:rPr>
+                        <a:t>850</a:t>
+                      </a:r>
+                      <a:endParaRPr lang="ru-RU" sz="1200" dirty="0">
+                        <a:solidFill>
+                          <a:schemeClr val="tx1"/>
+                        </a:solidFill>
+                      </a:endParaRPr>
+                    </a:p>
+                  </a:txBody>
+                  <a:tcPr/>
+                </a:tc>
+              </a:tr>
+              <a:tr h="223520">
+                <a:tc>
+                  <a:txBody>
+                    <a:bodyPr/>
+                    <a:lstStyle/>
+                    <a:p>
+                      <a:r>
+                        <a:rPr lang="ru-RU" sz="1200" dirty="0" smtClean="0">
+                          <a:solidFill>
+                            <a:schemeClr val="tx1"/>
+                          </a:solidFill>
+                        </a:rPr>
+                        <a:t>Термисторы(</a:t>
+                      </a:r>
+                      <a:r>
+                        <a:rPr lang="en-US" sz="1200" dirty="0" smtClean="0">
+                          <a:solidFill>
+                            <a:schemeClr val="tx1"/>
+                          </a:solidFill>
+                        </a:rPr>
+                        <a:t>x</a:t>
+                      </a:r>
+                      <a:r>
+                        <a:rPr lang="en-US" sz="1200" baseline="0" dirty="0" smtClean="0">
+                          <a:solidFill>
+                            <a:schemeClr val="tx1"/>
+                          </a:solidFill>
+                        </a:rPr>
+                        <a:t>3</a:t>
+                      </a:r>
+                      <a:r>
+                        <a:rPr lang="ru-RU" sz="1200" dirty="0" smtClean="0">
+                          <a:solidFill>
+                            <a:schemeClr val="tx1"/>
+                          </a:solidFill>
+                        </a:rPr>
+                        <a:t>)</a:t>
+                      </a:r>
+                      <a:endParaRPr lang="ru-RU" sz="1200" dirty="0">
+                        <a:solidFill>
+                          <a:schemeClr val="tx1"/>
+                        </a:solidFill>
+                      </a:endParaRPr>
+                    </a:p>
+                  </a:txBody>
+                  <a:tcPr/>
+                </a:tc>
+                <a:tc>
+                  <a:txBody>
+                    <a:bodyPr/>
+                    <a:lstStyle/>
+                    <a:p>
+                      <a:endParaRPr lang="ru-RU" sz="1200" dirty="0">
+                        <a:solidFill>
+                          <a:schemeClr val="bg1">
+                            <a:lumMod val="75000"/>
+                            <a:lumOff val="25000"/>
+                          </a:schemeClr>
+                        </a:solidFill>
+                      </a:endParaRPr>
+                    </a:p>
+                  </a:txBody>
+                  <a:tcPr/>
+                </a:tc>
+                <a:tc>
+                  <a:txBody>
+                    <a:bodyPr/>
+                    <a:lstStyle/>
+                    <a:p>
+                      <a:r>
+                        <a:rPr lang="ru-RU" sz="1200" dirty="0" smtClean="0"/>
+                        <a:t>3</a:t>
+                      </a:r>
+                      <a:endParaRPr lang="ru-RU" sz="1200" dirty="0"/>
+                    </a:p>
+                  </a:txBody>
+                  <a:tcPr/>
+                </a:tc>
+                <a:tc>
+                  <a:txBody>
+                    <a:bodyPr/>
+                    <a:lstStyle/>
+                    <a:p>
+                      <a:endParaRPr lang="ru-RU" sz="1200" dirty="0">
+                        <a:solidFill>
+                          <a:schemeClr val="tx1"/>
+                        </a:solidFill>
+                      </a:endParaRPr>
+                    </a:p>
+                  </a:txBody>
+                  <a:tcPr/>
+                </a:tc>
+              </a:tr>
+              <a:tr h="223520">
+                <a:tc>
+                  <a:txBody>
+                    <a:bodyPr/>
+                    <a:lstStyle/>
+                    <a:p>
+                      <a:r>
+                        <a:rPr lang="ru-RU" sz="1200" dirty="0" smtClean="0"/>
+                        <a:t>Регулятор питания</a:t>
+                      </a:r>
+                      <a:endParaRPr lang="ru-RU" sz="1200" dirty="0">
+                        <a:solidFill>
+                          <a:schemeClr val="bg1">
+                            <a:lumMod val="75000"/>
+                            <a:lumOff val="25000"/>
+                          </a:schemeClr>
+                        </a:solidFill>
+                      </a:endParaRPr>
+                    </a:p>
+                  </a:txBody>
+                  <a:tcPr/>
+                </a:tc>
+                <a:tc>
+                  <a:txBody>
+                    <a:bodyPr/>
+                    <a:lstStyle/>
+                    <a:p>
+                      <a:r>
+                        <a:rPr lang="en-US" sz="1200" dirty="0" smtClean="0"/>
+                        <a:t>RCR4001</a:t>
+                      </a:r>
+                      <a:endParaRPr lang="ru-RU" sz="1200" dirty="0">
+                        <a:solidFill>
+                          <a:schemeClr val="bg1">
+                            <a:lumMod val="75000"/>
+                            <a:lumOff val="25000"/>
+                          </a:schemeClr>
+                        </a:solidFill>
+                      </a:endParaRPr>
+                    </a:p>
+                  </a:txBody>
+                  <a:tcPr/>
+                </a:tc>
+                <a:tc>
+                  <a:txBody>
+                    <a:bodyPr/>
+                    <a:lstStyle/>
+                    <a:p>
+                      <a:r>
+                        <a:rPr lang="en-US" sz="1200" dirty="0" smtClean="0"/>
+                        <a:t>5.4</a:t>
+                      </a:r>
+                      <a:endParaRPr lang="ru-RU" sz="1200" dirty="0"/>
+                    </a:p>
+                  </a:txBody>
+                  <a:tcPr/>
+                </a:tc>
+                <a:tc>
+                  <a:txBody>
+                    <a:bodyPr/>
+                    <a:lstStyle/>
+                    <a:p>
+                      <a:r>
+                        <a:rPr lang="ru-RU" sz="1200" dirty="0" smtClean="0">
+                          <a:solidFill>
+                            <a:schemeClr val="tx1"/>
+                          </a:solidFill>
+                        </a:rPr>
+                        <a:t>660</a:t>
+                      </a:r>
+                      <a:endParaRPr lang="ru-RU" sz="1200" dirty="0">
+                        <a:solidFill>
+                          <a:schemeClr val="tx1"/>
+                        </a:solidFill>
+                      </a:endParaRPr>
+                    </a:p>
+                  </a:txBody>
+                  <a:tcPr/>
+                </a:tc>
+              </a:tr>
+              <a:tr h="223520">
+                <a:tc>
+                  <a:txBody>
+                    <a:bodyPr/>
+                    <a:lstStyle/>
+                    <a:p>
+                      <a:r>
+                        <a:rPr lang="en-US" sz="1200" dirty="0" smtClean="0"/>
+                        <a:t>GPS</a:t>
+                      </a:r>
+                      <a:r>
+                        <a:rPr lang="en-US" sz="1200" baseline="0" dirty="0" smtClean="0"/>
+                        <a:t> </a:t>
+                      </a:r>
+                      <a:r>
+                        <a:rPr lang="ru-RU" sz="1200" baseline="0" dirty="0" smtClean="0"/>
+                        <a:t>модуль</a:t>
+                      </a:r>
+                      <a:endParaRPr lang="ru-RU" sz="1200" dirty="0">
+                        <a:solidFill>
+                          <a:schemeClr val="bg1">
+                            <a:lumMod val="75000"/>
+                            <a:lumOff val="25000"/>
+                          </a:schemeClr>
+                        </a:solidFill>
+                      </a:endParaRPr>
+                    </a:p>
+                  </a:txBody>
+                  <a:tcPr/>
+                </a:tc>
+                <a:tc>
+                  <a:txBody>
+                    <a:bodyPr/>
+                    <a:lstStyle/>
+                    <a:p>
+                      <a:r>
+                        <a:rPr lang="en-US" sz="1200" dirty="0" err="1" smtClean="0"/>
+                        <a:t>Ublox</a:t>
+                      </a:r>
+                      <a:r>
+                        <a:rPr lang="en-US" sz="1200" dirty="0" smtClean="0"/>
+                        <a:t> NEO-7M-000</a:t>
+                      </a:r>
+                      <a:endParaRPr lang="ru-RU" sz="1200" dirty="0">
+                        <a:solidFill>
+                          <a:schemeClr val="bg1">
+                            <a:lumMod val="75000"/>
+                            <a:lumOff val="25000"/>
+                          </a:schemeClr>
+                        </a:solidFill>
+                      </a:endParaRPr>
+                    </a:p>
+                  </a:txBody>
+                  <a:tcPr/>
+                </a:tc>
+                <a:tc>
+                  <a:txBody>
+                    <a:bodyPr/>
+                    <a:lstStyle/>
+                    <a:p>
+                      <a:endParaRPr lang="ru-RU" sz="1200" dirty="0"/>
+                    </a:p>
+                  </a:txBody>
+                  <a:tcPr/>
+                </a:tc>
+                <a:tc>
+                  <a:txBody>
+                    <a:bodyPr/>
+                    <a:lstStyle/>
+                    <a:p>
+                      <a:r>
+                        <a:rPr lang="ru-RU" sz="1200" dirty="0" smtClean="0">
+                          <a:solidFill>
+                            <a:schemeClr val="tx1"/>
+                          </a:solidFill>
+                        </a:rPr>
+                        <a:t>1080</a:t>
+                      </a:r>
+                      <a:endParaRPr lang="ru-RU" sz="1200" dirty="0">
+                        <a:solidFill>
+                          <a:schemeClr val="tx1"/>
+                        </a:solidFill>
+                      </a:endParaRPr>
+                    </a:p>
+                  </a:txBody>
+                  <a:tcPr/>
+                </a:tc>
+              </a:tr>
+              <a:tr h="304800">
+                <a:tc>
+                  <a:txBody>
+                    <a:bodyPr/>
+                    <a:lstStyle/>
+                    <a:p>
+                      <a:r>
+                        <a:rPr lang="ru-RU" sz="1200" dirty="0" err="1" smtClean="0">
+                          <a:solidFill>
+                            <a:schemeClr val="tx1"/>
+                          </a:solidFill>
+                        </a:rPr>
+                        <a:t>Пьезоэлемент</a:t>
+                      </a:r>
+                      <a:endParaRPr lang="ru-RU" sz="1200" dirty="0">
+                        <a:solidFill>
+                          <a:schemeClr val="tx1"/>
+                        </a:solidFill>
+                      </a:endParaRPr>
+                    </a:p>
+                  </a:txBody>
+                  <a:tcPr/>
+                </a:tc>
+                <a:tc>
+                  <a:txBody>
+                    <a:bodyPr/>
+                    <a:lstStyle/>
+                    <a:p>
+                      <a:r>
+                        <a:rPr lang="en-US" sz="1200" dirty="0" smtClean="0">
+                          <a:solidFill>
+                            <a:schemeClr val="tx1"/>
+                          </a:solidFill>
+                        </a:rPr>
+                        <a:t>HPA17A</a:t>
+                      </a:r>
+                      <a:endParaRPr lang="ru-RU" sz="1200" dirty="0">
+                        <a:solidFill>
+                          <a:schemeClr val="tx1"/>
+                        </a:solidFill>
+                      </a:endParaRPr>
+                    </a:p>
+                  </a:txBody>
+                  <a:tcPr/>
+                </a:tc>
+                <a:tc>
+                  <a:txBody>
+                    <a:bodyPr/>
+                    <a:lstStyle/>
+                    <a:p>
+                      <a:endParaRPr lang="ru-RU" sz="1200" dirty="0"/>
+                    </a:p>
+                  </a:txBody>
+                  <a:tcPr/>
+                </a:tc>
+                <a:tc>
+                  <a:txBody>
+                    <a:bodyPr/>
+                    <a:lstStyle/>
+                    <a:p>
+                      <a:r>
+                        <a:rPr lang="ru-RU" sz="1200" dirty="0" smtClean="0">
+                          <a:solidFill>
+                            <a:schemeClr val="tx1"/>
+                          </a:solidFill>
+                        </a:rPr>
+                        <a:t>90</a:t>
+                      </a:r>
+                      <a:endParaRPr lang="ru-RU" sz="1200" dirty="0">
+                        <a:solidFill>
+                          <a:schemeClr val="tx1"/>
+                        </a:solidFill>
+                      </a:endParaRPr>
+                    </a:p>
+                  </a:txBody>
+                  <a:tcPr/>
+                </a:tc>
+              </a:tr>
+              <a:tr h="152400">
+                <a:tc>
+                  <a:txBody>
+                    <a:bodyPr/>
+                    <a:lstStyle/>
+                    <a:p>
+                      <a:endParaRPr lang="ru-RU" sz="1200" dirty="0">
+                        <a:solidFill>
+                          <a:schemeClr val="bg1">
+                            <a:lumMod val="75000"/>
+                            <a:lumOff val="25000"/>
+                          </a:schemeClr>
+                        </a:solidFill>
+                      </a:endParaRPr>
+                    </a:p>
+                  </a:txBody>
+                  <a:tcPr/>
+                </a:tc>
+                <a:tc>
+                  <a:txBody>
+                    <a:bodyPr/>
+                    <a:lstStyle/>
+                    <a:p>
+                      <a:endParaRPr lang="ru-RU" sz="1200" dirty="0">
+                        <a:solidFill>
+                          <a:schemeClr val="bg1">
+                            <a:lumMod val="75000"/>
+                            <a:lumOff val="25000"/>
+                          </a:schemeClr>
+                        </a:solidFill>
+                      </a:endParaRPr>
+                    </a:p>
+                  </a:txBody>
+                  <a:tcPr/>
+                </a:tc>
+                <a:tc>
+                  <a:txBody>
+                    <a:bodyPr/>
+                    <a:lstStyle/>
+                    <a:p>
+                      <a:r>
+                        <a:rPr lang="ru-RU" sz="1200" dirty="0" smtClean="0"/>
+                        <a:t>Итого</a:t>
+                      </a:r>
+                      <a:r>
+                        <a:rPr lang="en-US" sz="1200" dirty="0" smtClean="0"/>
+                        <a:t>:</a:t>
+                      </a:r>
+                      <a:endParaRPr lang="ru-RU" sz="1200" dirty="0"/>
+                    </a:p>
+                  </a:txBody>
+                  <a:tcPr/>
+                </a:tc>
+                <a:tc>
+                  <a:txBody>
+                    <a:bodyPr/>
+                    <a:lstStyle/>
+                    <a:p>
+                      <a:r>
+                        <a:rPr lang="en-US" sz="1200" dirty="0" smtClean="0">
+                          <a:solidFill>
+                            <a:schemeClr val="tx1"/>
+                          </a:solidFill>
+                        </a:rPr>
+                        <a:t>10814.5</a:t>
+                      </a:r>
+                      <a:endParaRPr lang="ru-RU" sz="1200" dirty="0">
+                        <a:solidFill>
+                          <a:schemeClr val="tx1"/>
+                        </a:solidFill>
+                      </a:endParaRPr>
+                    </a:p>
+                  </a:txBody>
+                  <a:tcPr/>
+                </a:tc>
+              </a:tr>
+            </a:tbl>
+          </a:graphicData>
+        </a:graphic>
+      </p:graphicFrame>
+    </p:spTree>
+    <p:extLst>
+      <p:ext uri="{BB962C8B-B14F-4D97-AF65-F5344CB8AC3E}">
+        <p14:creationId xmlns:p14="http://schemas.microsoft.com/office/powerpoint/2010/main" val="1623094828"/>
+      </p:ext>
+    </p:extLst>
+  </p:cSld>
+  <p:clrMapOvr>
+    <a:masterClrMapping/>
+  </p:clrMapOvr>
+  <mc:AlternateContent xmlns:mc="http://schemas.openxmlformats.org/markup-compatibility/2006" xmlns:p14="http://schemas.microsoft.com/office/powerpoint/2010/main">
+    <mc:Choice Requires="p14">
+      <p:transition spd="med" p14:dur="700">
+        <p:fade/>
+      </p:transition>
+    </mc:Choice>
+    <mc:Fallback xmlns="">
+      <p:transition spd="med">
+        <p:fade/>
+      </p:transition>
+    </mc:Fallback>
+  </mc:AlternateContent>
+  <p:timing>
+    <p:tnLst>
+      <p:par>
+        <p:cTn id="1" dur="indefinite" restart="never" nodeType="tmRoot"/>
+      </p:par>
+    </p:tnLst>
+  </p:timing>
+</p:sld>
+</file>
+
+<file path=ppt/slides/slide21.xml><?xml version="1.0" encoding="utf-8"?>
+<p:sld xmlns:a="http://schemas.openxmlformats.org/drawingml/2006/main" xmlns:r="http://schemas.openxmlformats.org/officeDocument/2006/relationships" xmlns:p="http://schemas.openxmlformats.org/presentationml/2006/main">
+  <p:cSld>
+    <p:spTree>
+      <p:nvGrpSpPr>
+        <p:cNvPr id="1" name=""/>
+        <p:cNvGrpSpPr/>
+        <p:nvPr/>
+      </p:nvGrpSpPr>
+      <p:grpSpPr>
+        <a:xfrm>
+          <a:off x="0" y="0"/>
+          <a:ext cx="0" cy="0"/>
+          <a:chOff x="0" y="0"/>
+          <a:chExt cx="0" cy="0"/>
+        </a:xfrm>
+      </p:grpSpPr>
+      <p:sp>
+        <p:nvSpPr>
+          <p:cNvPr id="2" name="Заголовок 1"/>
+          <p:cNvSpPr>
+            <a:spLocks noGrp="1"/>
+          </p:cNvSpPr>
+          <p:nvPr>
+            <p:ph type="title"/>
+          </p:nvPr>
+        </p:nvSpPr>
+        <p:spPr>
+          <a:xfrm>
+            <a:off x="381000" y="33867"/>
+            <a:ext cx="8686800" cy="371475"/>
+          </a:xfrm>
+        </p:spPr>
+        <p:txBody>
+          <a:bodyPr>
+            <a:normAutofit fontScale="90000"/>
+          </a:bodyPr>
+          <a:lstStyle/>
+          <a:p>
+            <a:pPr algn="ctr"/>
+            <a:r>
+              <a:rPr lang="ru-RU" sz="2400" dirty="0" smtClean="0"/>
+              <a:t>Масса аппарата и </a:t>
+            </a:r>
+            <a:r>
+              <a:rPr lang="ru-RU" sz="2400" dirty="0" smtClean="0"/>
+              <a:t>бюджет</a:t>
+            </a:r>
+            <a:r>
+              <a:rPr lang="en-US" sz="2400" dirty="0" smtClean="0"/>
+              <a:t> (</a:t>
+            </a:r>
+            <a:r>
+              <a:rPr lang="ru-RU" sz="2400" dirty="0" smtClean="0"/>
+              <a:t>элементы электроники</a:t>
+            </a:r>
+            <a:r>
+              <a:rPr lang="en-US" sz="2400" dirty="0" smtClean="0"/>
+              <a:t>)</a:t>
+            </a:r>
+            <a:endParaRPr lang="ru-RU" sz="2400" dirty="0"/>
+          </a:p>
+        </p:txBody>
+      </p:sp>
+      <p:graphicFrame>
+        <p:nvGraphicFramePr>
+          <p:cNvPr id="4" name="Объект 3"/>
+          <p:cNvGraphicFramePr>
+            <a:graphicFrameLocks noGrp="1"/>
+          </p:cNvGraphicFramePr>
+          <p:nvPr>
+            <p:ph idx="1"/>
+            <p:extLst>
+              <p:ext uri="{D42A27DB-BD31-4B8C-83A1-F6EECF244321}">
+                <p14:modId xmlns:p14="http://schemas.microsoft.com/office/powerpoint/2010/main" val="461772635"/>
+              </p:ext>
+            </p:extLst>
+          </p:nvPr>
+        </p:nvGraphicFramePr>
+        <p:xfrm>
+          <a:off x="381000" y="361951"/>
+          <a:ext cx="7848600" cy="4724400"/>
+        </p:xfrm>
+        <a:graphic>
+          <a:graphicData uri="http://schemas.openxmlformats.org/drawingml/2006/table">
+            <a:tbl>
+              <a:tblPr firstRow="1" bandRow="1">
+                <a:tableStyleId>{69012ECD-51FC-41F1-AA8D-1B2483CD663E}</a:tableStyleId>
+              </a:tblPr>
+              <a:tblGrid>
+                <a:gridCol w="1962150"/>
+                <a:gridCol w="1962150"/>
+                <a:gridCol w="1962150"/>
+                <a:gridCol w="1962150"/>
+              </a:tblGrid>
+              <a:tr h="262724">
+                <a:tc>
+                  <a:txBody>
+                    <a:bodyPr/>
+                    <a:lstStyle/>
+                    <a:p>
+                      <a:r>
+                        <a:rPr lang="ru-RU" dirty="0" smtClean="0"/>
+                        <a:t>Компонент</a:t>
+                      </a:r>
+                      <a:endParaRPr lang="ru-RU" dirty="0"/>
+                    </a:p>
+                  </a:txBody>
+                  <a:tcPr/>
+                </a:tc>
+                <a:tc>
+                  <a:txBody>
+                    <a:bodyPr/>
+                    <a:lstStyle/>
+                    <a:p>
+                      <a:r>
+                        <a:rPr lang="ru-RU" dirty="0" smtClean="0"/>
+                        <a:t>Модель</a:t>
+                      </a:r>
+                      <a:endParaRPr lang="ru-RU" dirty="0"/>
+                    </a:p>
+                  </a:txBody>
+                  <a:tcPr/>
+                </a:tc>
+                <a:tc>
+                  <a:txBody>
+                    <a:bodyPr/>
+                    <a:lstStyle/>
+                    <a:p>
+                      <a:r>
+                        <a:rPr lang="ru-RU" dirty="0" smtClean="0"/>
+                        <a:t>Масса</a:t>
+                      </a:r>
+                      <a:r>
+                        <a:rPr lang="en-US" dirty="0" smtClean="0"/>
+                        <a:t>, </a:t>
+                      </a:r>
+                      <a:r>
+                        <a:rPr lang="ru-RU" dirty="0" smtClean="0"/>
+                        <a:t>г</a:t>
+                      </a:r>
+                      <a:endParaRPr lang="ru-RU" dirty="0"/>
+                    </a:p>
+                  </a:txBody>
+                  <a:tcPr/>
+                </a:tc>
+                <a:tc>
+                  <a:txBody>
+                    <a:bodyPr/>
+                    <a:lstStyle/>
+                    <a:p>
+                      <a:r>
+                        <a:rPr lang="ru-RU" dirty="0" smtClean="0"/>
+                        <a:t>Размеры</a:t>
+                      </a:r>
+                      <a:r>
+                        <a:rPr lang="en-US" dirty="0" smtClean="0"/>
+                        <a:t>, </a:t>
+                      </a:r>
+                      <a:r>
+                        <a:rPr lang="ru-RU" dirty="0" smtClean="0"/>
+                        <a:t>мм</a:t>
+                      </a:r>
+                      <a:endParaRPr lang="ru-RU" dirty="0"/>
+                    </a:p>
+                  </a:txBody>
+                  <a:tcPr/>
+                </a:tc>
+              </a:tr>
+              <a:tr h="533400">
+                <a:tc>
+                  <a:txBody>
+                    <a:bodyPr/>
+                    <a:lstStyle/>
+                    <a:p>
+                      <a:r>
+                        <a:rPr lang="ru-RU" sz="1200" dirty="0" smtClean="0"/>
+                        <a:t>Платы</a:t>
+                      </a:r>
+                      <a:r>
+                        <a:rPr lang="ru-RU" sz="1200" baseline="0" dirty="0" smtClean="0"/>
+                        <a:t> основного конструктора</a:t>
+                      </a:r>
+                      <a:endParaRPr lang="ru-RU" sz="1200" dirty="0"/>
+                    </a:p>
+                  </a:txBody>
+                  <a:tcPr/>
+                </a:tc>
+                <a:tc>
+                  <a:txBody>
+                    <a:bodyPr/>
+                    <a:lstStyle/>
+                    <a:p>
+                      <a:r>
+                        <a:rPr lang="en-US" sz="1200" dirty="0" smtClean="0">
+                          <a:solidFill>
+                            <a:schemeClr val="tx1"/>
+                          </a:solidFill>
+                        </a:rPr>
+                        <a:t>ATmega</a:t>
+                      </a:r>
+                      <a:r>
+                        <a:rPr lang="en-US" sz="1200" baseline="0" dirty="0" smtClean="0">
+                          <a:solidFill>
+                            <a:schemeClr val="tx1"/>
+                          </a:solidFill>
+                        </a:rPr>
+                        <a:t>128, HC-12</a:t>
+                      </a:r>
+                      <a:r>
+                        <a:rPr lang="ru-RU" sz="1200" baseline="0" dirty="0" smtClean="0">
+                          <a:solidFill>
+                            <a:schemeClr val="tx1"/>
+                          </a:solidFill>
+                        </a:rPr>
+                        <a:t>, </a:t>
+                      </a:r>
+                      <a:r>
+                        <a:rPr lang="en-US" sz="1200" baseline="0" dirty="0" smtClean="0">
+                          <a:solidFill>
+                            <a:schemeClr val="tx1"/>
+                          </a:solidFill>
+                        </a:rPr>
+                        <a:t>DS18B12, MPX5100 ………</a:t>
+                      </a:r>
+                      <a:endParaRPr lang="ru-RU" sz="1200" dirty="0" smtClean="0">
+                        <a:solidFill>
+                          <a:schemeClr val="tx1"/>
+                        </a:solidFill>
+                      </a:endParaRPr>
+                    </a:p>
+                    <a:p>
+                      <a:endParaRPr lang="ru-RU" sz="1200" dirty="0"/>
+                    </a:p>
+                  </a:txBody>
+                  <a:tcPr/>
+                </a:tc>
+                <a:tc>
+                  <a:txBody>
+                    <a:bodyPr/>
+                    <a:lstStyle/>
+                    <a:p>
+                      <a:r>
+                        <a:rPr lang="en-US" sz="1200" dirty="0" smtClean="0"/>
+                        <a:t>43</a:t>
+                      </a:r>
+                      <a:endParaRPr lang="ru-RU" sz="1200" dirty="0"/>
+                    </a:p>
+                  </a:txBody>
+                  <a:tcPr/>
+                </a:tc>
+                <a:tc>
+                  <a:txBody>
+                    <a:bodyPr/>
+                    <a:lstStyle/>
+                    <a:p>
+                      <a:endParaRPr lang="ru-RU" sz="1200" dirty="0"/>
+                    </a:p>
+                  </a:txBody>
+                  <a:tcPr/>
+                </a:tc>
+              </a:tr>
+              <a:tr h="274320">
+                <a:tc>
+                  <a:txBody>
+                    <a:bodyPr/>
+                    <a:lstStyle/>
+                    <a:p>
+                      <a:r>
+                        <a:rPr lang="ru-RU" sz="1200" dirty="0" smtClean="0"/>
+                        <a:t>Датчик</a:t>
+                      </a:r>
+                      <a:r>
+                        <a:rPr lang="ru-RU" sz="1200" baseline="0" dirty="0" smtClean="0"/>
+                        <a:t> освещенности</a:t>
+                      </a:r>
+                      <a:r>
+                        <a:rPr lang="en-US" sz="1200" baseline="0" dirty="0" smtClean="0"/>
+                        <a:t>(x3)</a:t>
+                      </a:r>
+                      <a:endParaRPr lang="ru-RU" sz="1200" dirty="0">
+                        <a:solidFill>
+                          <a:schemeClr val="bg1">
+                            <a:lumMod val="75000"/>
+                            <a:lumOff val="25000"/>
+                          </a:schemeClr>
+                        </a:solidFill>
+                      </a:endParaRPr>
+                    </a:p>
+                  </a:txBody>
+                  <a:tcPr/>
+                </a:tc>
+                <a:tc>
+                  <a:txBody>
+                    <a:bodyPr/>
+                    <a:lstStyle/>
+                    <a:p>
+                      <a:r>
+                        <a:rPr lang="en-US" sz="1200" dirty="0" smtClean="0"/>
+                        <a:t>TSL2561</a:t>
+                      </a:r>
+                      <a:endParaRPr lang="ru-RU" sz="1200" dirty="0">
+                        <a:solidFill>
+                          <a:schemeClr val="bg1">
+                            <a:lumMod val="75000"/>
+                            <a:lumOff val="25000"/>
+                          </a:schemeClr>
+                        </a:solidFill>
+                      </a:endParaRPr>
+                    </a:p>
+                  </a:txBody>
+                  <a:tcPr/>
+                </a:tc>
+                <a:tc>
+                  <a:txBody>
+                    <a:bodyPr/>
+                    <a:lstStyle/>
+                    <a:p>
+                      <a:endParaRPr lang="ru-RU" sz="1200" dirty="0"/>
+                    </a:p>
+                  </a:txBody>
+                  <a:tcPr/>
+                </a:tc>
+                <a:tc>
+                  <a:txBody>
+                    <a:bodyPr/>
+                    <a:lstStyle/>
+                    <a:p>
+                      <a:r>
+                        <a:rPr lang="ru-RU" sz="1200" dirty="0" smtClean="0"/>
+                        <a:t>19 </a:t>
+                      </a:r>
+                      <a:r>
+                        <a:rPr lang="en-US" sz="1200" dirty="0" smtClean="0"/>
+                        <a:t>x</a:t>
+                      </a:r>
+                      <a:r>
+                        <a:rPr lang="en-US" sz="1200" baseline="0" dirty="0" smtClean="0"/>
+                        <a:t> 16</a:t>
+                      </a:r>
+                      <a:r>
+                        <a:rPr lang="ru-RU" sz="1200" baseline="0" dirty="0" smtClean="0"/>
+                        <a:t>.</a:t>
+                      </a:r>
+                      <a:r>
+                        <a:rPr lang="en-US" sz="1200" baseline="0" dirty="0" smtClean="0"/>
+                        <a:t>5</a:t>
+                      </a:r>
+                      <a:endParaRPr lang="ru-RU" sz="1200" dirty="0"/>
+                    </a:p>
+                  </a:txBody>
+                  <a:tcPr/>
+                </a:tc>
+              </a:tr>
+              <a:tr h="262724">
+                <a:tc>
+                  <a:txBody>
+                    <a:bodyPr/>
+                    <a:lstStyle/>
+                    <a:p>
+                      <a:r>
+                        <a:rPr lang="ru-RU" sz="1200" dirty="0" smtClean="0"/>
+                        <a:t>Цифровой потенциометр</a:t>
+                      </a:r>
+                      <a:endParaRPr lang="ru-RU" sz="1200" dirty="0">
+                        <a:solidFill>
+                          <a:schemeClr val="bg1">
+                            <a:lumMod val="75000"/>
+                            <a:lumOff val="25000"/>
+                          </a:schemeClr>
+                        </a:solidFill>
+                      </a:endParaRPr>
+                    </a:p>
+                  </a:txBody>
+                  <a:tcPr/>
+                </a:tc>
+                <a:tc>
+                  <a:txBody>
+                    <a:bodyPr/>
+                    <a:lstStyle/>
+                    <a:p>
+                      <a:r>
+                        <a:rPr lang="en-US" sz="1200" dirty="0" smtClean="0"/>
+                        <a:t>x9c104</a:t>
+                      </a:r>
+                      <a:endParaRPr lang="ru-RU" sz="1200" dirty="0">
+                        <a:solidFill>
+                          <a:schemeClr val="bg1">
+                            <a:lumMod val="75000"/>
+                            <a:lumOff val="25000"/>
+                          </a:schemeClr>
+                        </a:solidFill>
+                      </a:endParaRPr>
+                    </a:p>
+                  </a:txBody>
+                  <a:tcPr/>
+                </a:tc>
+                <a:tc>
+                  <a:txBody>
+                    <a:bodyPr/>
+                    <a:lstStyle/>
+                    <a:p>
+                      <a:endParaRPr lang="ru-RU" sz="1200" dirty="0"/>
+                    </a:p>
+                  </a:txBody>
+                  <a:tcPr/>
+                </a:tc>
+                <a:tc>
+                  <a:txBody>
+                    <a:bodyPr/>
+                    <a:lstStyle/>
+                    <a:p>
+                      <a:r>
+                        <a:rPr lang="en-US" sz="1200" dirty="0" smtClean="0"/>
+                        <a:t>25 x 25</a:t>
+                      </a:r>
+                      <a:endParaRPr lang="ru-RU" sz="1200" dirty="0"/>
+                    </a:p>
+                  </a:txBody>
+                  <a:tcPr/>
+                </a:tc>
+              </a:tr>
+              <a:tr h="394086">
+                <a:tc>
+                  <a:txBody>
+                    <a:bodyPr/>
+                    <a:lstStyle/>
+                    <a:p>
+                      <a:r>
+                        <a:rPr lang="ru-RU" sz="1200" dirty="0" smtClean="0"/>
+                        <a:t>Аналоговый</a:t>
+                      </a:r>
+                      <a:r>
+                        <a:rPr lang="ru-RU" sz="1200" baseline="0" dirty="0" smtClean="0"/>
+                        <a:t> мультиплексор</a:t>
+                      </a:r>
+                      <a:r>
+                        <a:rPr lang="en-US" sz="1200" baseline="0" dirty="0" smtClean="0"/>
+                        <a:t>(x3)</a:t>
+                      </a:r>
+                      <a:endParaRPr lang="ru-RU" sz="1200" dirty="0">
+                        <a:solidFill>
+                          <a:schemeClr val="bg1">
+                            <a:lumMod val="75000"/>
+                            <a:lumOff val="25000"/>
+                          </a:schemeClr>
+                        </a:solidFill>
+                      </a:endParaRPr>
+                    </a:p>
+                  </a:txBody>
+                  <a:tcPr/>
+                </a:tc>
+                <a:tc>
+                  <a:txBody>
+                    <a:bodyPr/>
+                    <a:lstStyle/>
+                    <a:p>
+                      <a:r>
+                        <a:rPr lang="en-US" sz="1200" dirty="0" smtClean="0"/>
+                        <a:t>74hc4051</a:t>
+                      </a:r>
+                      <a:endParaRPr lang="ru-RU" sz="1200" dirty="0">
+                        <a:solidFill>
+                          <a:schemeClr val="bg1">
+                            <a:lumMod val="75000"/>
+                            <a:lumOff val="25000"/>
+                          </a:schemeClr>
+                        </a:solidFill>
+                      </a:endParaRPr>
+                    </a:p>
+                  </a:txBody>
+                  <a:tcPr/>
+                </a:tc>
+                <a:tc>
+                  <a:txBody>
+                    <a:bodyPr/>
+                    <a:lstStyle/>
+                    <a:p>
+                      <a:endParaRPr lang="ru-RU" sz="1200" dirty="0"/>
+                    </a:p>
+                  </a:txBody>
+                  <a:tcPr/>
+                </a:tc>
+                <a:tc>
+                  <a:txBody>
+                    <a:bodyPr/>
+                    <a:lstStyle/>
+                    <a:p>
+                      <a:r>
+                        <a:rPr lang="en-US" sz="1200" dirty="0" smtClean="0"/>
+                        <a:t>55 x 35</a:t>
+                      </a:r>
+                      <a:endParaRPr lang="ru-RU" sz="1200" dirty="0"/>
+                    </a:p>
+                  </a:txBody>
+                  <a:tcPr/>
+                </a:tc>
+              </a:tr>
+              <a:tr h="262724">
+                <a:tc>
+                  <a:txBody>
+                    <a:bodyPr/>
+                    <a:lstStyle/>
+                    <a:p>
+                      <a:r>
+                        <a:rPr lang="ru-RU" sz="1200" dirty="0" smtClean="0"/>
+                        <a:t>Дополнительный</a:t>
+                      </a:r>
+                      <a:r>
+                        <a:rPr lang="ru-RU" sz="1200" baseline="0" dirty="0" smtClean="0"/>
+                        <a:t> АЦП</a:t>
+                      </a:r>
+                      <a:r>
+                        <a:rPr lang="en-US" sz="1200" baseline="0" dirty="0" smtClean="0"/>
+                        <a:t>(x2)</a:t>
+                      </a:r>
+                      <a:endParaRPr lang="ru-RU" sz="1200" dirty="0">
+                        <a:solidFill>
+                          <a:schemeClr val="bg1">
+                            <a:lumMod val="75000"/>
+                            <a:lumOff val="25000"/>
+                          </a:schemeClr>
+                        </a:solidFill>
+                      </a:endParaRPr>
+                    </a:p>
+                  </a:txBody>
+                  <a:tcPr/>
+                </a:tc>
+                <a:tc>
+                  <a:txBody>
+                    <a:bodyPr/>
+                    <a:lstStyle/>
+                    <a:p>
+                      <a:r>
+                        <a:rPr lang="en-US" sz="1200" dirty="0" smtClean="0"/>
+                        <a:t>ADS1115</a:t>
+                      </a:r>
+                      <a:endParaRPr lang="ru-RU" sz="1200" dirty="0">
+                        <a:solidFill>
+                          <a:schemeClr val="bg1">
+                            <a:lumMod val="75000"/>
+                            <a:lumOff val="25000"/>
+                          </a:schemeClr>
+                        </a:solidFill>
+                      </a:endParaRPr>
+                    </a:p>
+                  </a:txBody>
+                  <a:tcPr/>
+                </a:tc>
+                <a:tc>
+                  <a:txBody>
+                    <a:bodyPr/>
+                    <a:lstStyle/>
+                    <a:p>
+                      <a:endParaRPr lang="ru-RU" sz="1200" dirty="0"/>
+                    </a:p>
+                  </a:txBody>
+                  <a:tcPr/>
+                </a:tc>
+                <a:tc>
+                  <a:txBody>
+                    <a:bodyPr/>
+                    <a:lstStyle/>
+                    <a:p>
+                      <a:r>
+                        <a:rPr lang="en-US" sz="1200" dirty="0" smtClean="0"/>
+                        <a:t>5</a:t>
+                      </a:r>
+                      <a:r>
+                        <a:rPr lang="ru-RU" sz="1200" dirty="0" smtClean="0"/>
+                        <a:t>0</a:t>
+                      </a:r>
+                      <a:r>
+                        <a:rPr lang="en-US" sz="1200" dirty="0" smtClean="0"/>
+                        <a:t> x 15</a:t>
+                      </a:r>
+                      <a:endParaRPr lang="ru-RU" sz="1200" dirty="0"/>
+                    </a:p>
+                  </a:txBody>
+                  <a:tcPr/>
+                </a:tc>
+              </a:tr>
+              <a:tr h="262724">
+                <a:tc>
+                  <a:txBody>
+                    <a:bodyPr/>
+                    <a:lstStyle/>
+                    <a:p>
+                      <a:r>
+                        <a:rPr lang="ru-RU" sz="1200" dirty="0" smtClean="0"/>
+                        <a:t>Акселерометр</a:t>
+                      </a:r>
+                      <a:endParaRPr lang="ru-RU" sz="1200" dirty="0">
+                        <a:solidFill>
+                          <a:schemeClr val="bg1">
+                            <a:lumMod val="75000"/>
+                            <a:lumOff val="25000"/>
+                          </a:schemeClr>
+                        </a:solidFill>
+                      </a:endParaRPr>
+                    </a:p>
+                  </a:txBody>
+                  <a:tcPr/>
+                </a:tc>
+                <a:tc>
+                  <a:txBody>
+                    <a:bodyPr/>
+                    <a:lstStyle/>
+                    <a:p>
+                      <a:r>
+                        <a:rPr lang="en-US" sz="1200" dirty="0" smtClean="0"/>
+                        <a:t>EVAL-ADXL375Z</a:t>
+                      </a:r>
+                      <a:endParaRPr lang="ru-RU" sz="1200" dirty="0">
+                        <a:solidFill>
+                          <a:schemeClr val="bg1">
+                            <a:lumMod val="75000"/>
+                            <a:lumOff val="25000"/>
+                          </a:schemeClr>
+                        </a:solidFill>
+                      </a:endParaRPr>
+                    </a:p>
+                  </a:txBody>
+                  <a:tcPr/>
+                </a:tc>
+                <a:tc>
+                  <a:txBody>
+                    <a:bodyPr/>
+                    <a:lstStyle/>
+                    <a:p>
+                      <a:endParaRPr lang="ru-RU" sz="1200" dirty="0"/>
+                    </a:p>
+                  </a:txBody>
+                  <a:tcPr/>
+                </a:tc>
+                <a:tc>
+                  <a:txBody>
+                    <a:bodyPr/>
+                    <a:lstStyle/>
+                    <a:p>
+                      <a:endParaRPr lang="ru-RU" sz="1200" dirty="0"/>
+                    </a:p>
+                  </a:txBody>
+                  <a:tcPr/>
+                </a:tc>
+              </a:tr>
+              <a:tr h="262724">
+                <a:tc>
+                  <a:txBody>
+                    <a:bodyPr/>
+                    <a:lstStyle/>
+                    <a:p>
+                      <a:r>
+                        <a:rPr lang="ru-RU" sz="1200" dirty="0" smtClean="0"/>
+                        <a:t>Датчик</a:t>
+                      </a:r>
+                      <a:r>
+                        <a:rPr lang="ru-RU" sz="1200" baseline="0" dirty="0" smtClean="0"/>
+                        <a:t> влажности</a:t>
+                      </a:r>
+                      <a:endParaRPr lang="ru-RU" sz="1200" dirty="0">
+                        <a:solidFill>
+                          <a:schemeClr val="bg1">
+                            <a:lumMod val="75000"/>
+                            <a:lumOff val="25000"/>
+                          </a:schemeClr>
+                        </a:solidFill>
+                      </a:endParaRPr>
+                    </a:p>
+                  </a:txBody>
+                  <a:tcPr/>
+                </a:tc>
+                <a:tc>
+                  <a:txBody>
+                    <a:bodyPr/>
+                    <a:lstStyle/>
+                    <a:p>
+                      <a:r>
+                        <a:rPr lang="en-US" sz="1200" dirty="0" smtClean="0"/>
+                        <a:t>DHT22</a:t>
+                      </a:r>
+                      <a:endParaRPr lang="ru-RU" sz="1200" dirty="0">
+                        <a:solidFill>
+                          <a:schemeClr val="bg1">
+                            <a:lumMod val="75000"/>
+                            <a:lumOff val="25000"/>
+                          </a:schemeClr>
+                        </a:solidFill>
+                      </a:endParaRPr>
+                    </a:p>
+                  </a:txBody>
+                  <a:tcPr/>
+                </a:tc>
+                <a:tc>
+                  <a:txBody>
+                    <a:bodyPr/>
+                    <a:lstStyle/>
+                    <a:p>
+                      <a:endParaRPr lang="ru-RU" sz="1200" dirty="0"/>
+                    </a:p>
+                  </a:txBody>
+                  <a:tcPr/>
+                </a:tc>
+                <a:tc>
+                  <a:txBody>
+                    <a:bodyPr/>
+                    <a:lstStyle/>
+                    <a:p>
+                      <a:r>
+                        <a:rPr lang="en-US" sz="1200" dirty="0" smtClean="0"/>
+                        <a:t>25 x 1</a:t>
+                      </a:r>
+                      <a:r>
+                        <a:rPr lang="ru-RU" sz="1200" dirty="0" smtClean="0"/>
+                        <a:t>0</a:t>
+                      </a:r>
+                      <a:endParaRPr lang="ru-RU" sz="1200" dirty="0"/>
+                    </a:p>
+                  </a:txBody>
+                  <a:tcPr/>
+                </a:tc>
+              </a:tr>
+              <a:tr h="262724">
+                <a:tc>
+                  <a:txBody>
+                    <a:bodyPr/>
+                    <a:lstStyle/>
+                    <a:p>
+                      <a:r>
+                        <a:rPr lang="ru-RU" sz="1200" dirty="0" smtClean="0"/>
+                        <a:t>Сервопривод</a:t>
+                      </a:r>
+                      <a:endParaRPr lang="ru-RU" sz="1200" dirty="0">
+                        <a:solidFill>
+                          <a:schemeClr val="bg1">
+                            <a:lumMod val="75000"/>
+                            <a:lumOff val="25000"/>
+                          </a:schemeClr>
+                        </a:solidFill>
+                      </a:endParaRPr>
+                    </a:p>
+                  </a:txBody>
+                  <a:tcPr/>
+                </a:tc>
+                <a:tc>
+                  <a:txBody>
+                    <a:bodyPr/>
+                    <a:lstStyle/>
+                    <a:p>
+                      <a:r>
+                        <a:rPr lang="en-US" sz="1200" dirty="0" smtClean="0"/>
+                        <a:t>SM-S2309B</a:t>
+                      </a:r>
+                      <a:endParaRPr lang="ru-RU" sz="1200" dirty="0">
+                        <a:solidFill>
+                          <a:schemeClr val="bg1">
+                            <a:lumMod val="75000"/>
+                            <a:lumOff val="25000"/>
+                          </a:schemeClr>
+                        </a:solidFill>
+                      </a:endParaRPr>
+                    </a:p>
+                  </a:txBody>
+                  <a:tcPr/>
+                </a:tc>
+                <a:tc>
+                  <a:txBody>
+                    <a:bodyPr/>
+                    <a:lstStyle/>
+                    <a:p>
+                      <a:endParaRPr lang="ru-RU" sz="1200" dirty="0"/>
+                    </a:p>
+                  </a:txBody>
+                  <a:tcPr/>
+                </a:tc>
+                <a:tc>
+                  <a:txBody>
+                    <a:bodyPr/>
+                    <a:lstStyle/>
+                    <a:p>
+                      <a:r>
+                        <a:rPr lang="en-US" sz="1200" dirty="0" smtClean="0"/>
+                        <a:t>1</a:t>
+                      </a:r>
+                      <a:r>
+                        <a:rPr lang="ru-RU" sz="1200" dirty="0" smtClean="0"/>
+                        <a:t>0</a:t>
+                      </a:r>
+                      <a:r>
+                        <a:rPr lang="en-US" sz="1200" baseline="0" dirty="0" smtClean="0"/>
+                        <a:t> x 3</a:t>
+                      </a:r>
+                      <a:r>
+                        <a:rPr lang="ru-RU" sz="1200" baseline="0" dirty="0" smtClean="0"/>
+                        <a:t>0</a:t>
+                      </a:r>
+                      <a:r>
+                        <a:rPr lang="en-US" sz="1200" baseline="0" dirty="0" smtClean="0"/>
+                        <a:t> x 35</a:t>
+                      </a:r>
+                      <a:endParaRPr lang="ru-RU" sz="1200" dirty="0"/>
+                    </a:p>
+                  </a:txBody>
+                  <a:tcPr/>
+                </a:tc>
+              </a:tr>
+              <a:tr h="262724">
+                <a:tc>
+                  <a:txBody>
+                    <a:bodyPr/>
+                    <a:lstStyle/>
+                    <a:p>
+                      <a:r>
+                        <a:rPr lang="ru-RU" sz="1200" dirty="0" smtClean="0"/>
+                        <a:t>Второй контроллер</a:t>
+                      </a:r>
+                      <a:endParaRPr lang="ru-RU" sz="1200" dirty="0">
+                        <a:solidFill>
+                          <a:schemeClr val="bg1">
+                            <a:lumMod val="75000"/>
+                            <a:lumOff val="25000"/>
+                          </a:schemeClr>
+                        </a:solidFill>
+                      </a:endParaRPr>
+                    </a:p>
+                  </a:txBody>
+                  <a:tcPr/>
+                </a:tc>
+                <a:tc>
+                  <a:txBody>
+                    <a:bodyPr/>
+                    <a:lstStyle/>
+                    <a:p>
+                      <a:r>
+                        <a:rPr lang="en-US" sz="1200" dirty="0" smtClean="0"/>
+                        <a:t>STM32F103C8T2</a:t>
+                      </a:r>
+                      <a:endParaRPr lang="ru-RU" sz="1200" dirty="0">
+                        <a:solidFill>
+                          <a:schemeClr val="bg1">
+                            <a:lumMod val="75000"/>
+                            <a:lumOff val="25000"/>
+                          </a:schemeClr>
+                        </a:solidFill>
+                      </a:endParaRPr>
+                    </a:p>
+                  </a:txBody>
+                  <a:tcPr/>
+                </a:tc>
+                <a:tc>
+                  <a:txBody>
+                    <a:bodyPr/>
+                    <a:lstStyle/>
+                    <a:p>
+                      <a:endParaRPr lang="ru-RU" sz="1200" dirty="0"/>
+                    </a:p>
+                  </a:txBody>
+                  <a:tcPr/>
+                </a:tc>
+                <a:tc>
+                  <a:txBody>
+                    <a:bodyPr/>
+                    <a:lstStyle/>
+                    <a:p>
+                      <a:r>
+                        <a:rPr lang="en-US" sz="1200" dirty="0" smtClean="0"/>
+                        <a:t>55 x 25</a:t>
+                      </a:r>
+                      <a:endParaRPr lang="ru-RU" sz="1200" dirty="0"/>
+                    </a:p>
+                  </a:txBody>
+                  <a:tcPr/>
+                </a:tc>
+              </a:tr>
+              <a:tr h="262724">
+                <a:tc>
+                  <a:txBody>
+                    <a:bodyPr/>
+                    <a:lstStyle/>
+                    <a:p>
+                      <a:r>
+                        <a:rPr lang="ru-RU" sz="1200" dirty="0" smtClean="0"/>
+                        <a:t>Аккумулятор</a:t>
+                      </a:r>
+                      <a:endParaRPr lang="ru-RU" sz="1200" dirty="0">
+                        <a:solidFill>
+                          <a:schemeClr val="bg1">
+                            <a:lumMod val="75000"/>
+                            <a:lumOff val="25000"/>
+                          </a:schemeClr>
+                        </a:solidFill>
+                      </a:endParaRPr>
+                    </a:p>
+                  </a:txBody>
+                  <a:tcPr/>
+                </a:tc>
+                <a:tc>
+                  <a:txBody>
+                    <a:bodyPr/>
+                    <a:lstStyle/>
+                    <a:p>
+                      <a:r>
+                        <a:rPr lang="en-US" sz="1200" dirty="0" smtClean="0"/>
+                        <a:t>NCR18650GA</a:t>
+                      </a:r>
+                      <a:endParaRPr lang="ru-RU" sz="1200" dirty="0">
+                        <a:solidFill>
+                          <a:schemeClr val="bg1">
+                            <a:lumMod val="75000"/>
+                            <a:lumOff val="25000"/>
+                          </a:schemeClr>
+                        </a:solidFill>
+                      </a:endParaRPr>
+                    </a:p>
+                  </a:txBody>
+                  <a:tcPr/>
+                </a:tc>
+                <a:tc>
+                  <a:txBody>
+                    <a:bodyPr/>
+                    <a:lstStyle/>
+                    <a:p>
+                      <a:r>
+                        <a:rPr lang="en-US" sz="1200" dirty="0" smtClean="0"/>
+                        <a:t>96</a:t>
+                      </a:r>
+                      <a:endParaRPr lang="ru-RU" sz="1200" dirty="0"/>
+                    </a:p>
+                  </a:txBody>
+                  <a:tcPr/>
+                </a:tc>
+                <a:tc>
+                  <a:txBody>
+                    <a:bodyPr/>
+                    <a:lstStyle/>
+                    <a:p>
+                      <a:r>
+                        <a:rPr lang="ru-RU" sz="1200" dirty="0" smtClean="0"/>
+                        <a:t>65</a:t>
+                      </a:r>
+                      <a:r>
+                        <a:rPr lang="en-US" sz="1200" baseline="0" dirty="0" smtClean="0"/>
+                        <a:t>.1 x 18.35</a:t>
+                      </a:r>
+                      <a:endParaRPr lang="ru-RU" sz="1200" dirty="0"/>
+                    </a:p>
+                  </a:txBody>
+                  <a:tcPr/>
+                </a:tc>
+              </a:tr>
+              <a:tr h="262724">
+                <a:tc>
+                  <a:txBody>
+                    <a:bodyPr/>
+                    <a:lstStyle/>
+                    <a:p>
+                      <a:r>
+                        <a:rPr lang="ru-RU" sz="1200" dirty="0" smtClean="0"/>
+                        <a:t>Регулятор питания</a:t>
+                      </a:r>
+                      <a:endParaRPr lang="ru-RU" sz="1200" dirty="0">
+                        <a:solidFill>
+                          <a:schemeClr val="bg1">
+                            <a:lumMod val="75000"/>
+                            <a:lumOff val="25000"/>
+                          </a:schemeClr>
+                        </a:solidFill>
+                      </a:endParaRPr>
+                    </a:p>
+                  </a:txBody>
+                  <a:tcPr/>
+                </a:tc>
+                <a:tc>
+                  <a:txBody>
+                    <a:bodyPr/>
+                    <a:lstStyle/>
+                    <a:p>
+                      <a:r>
+                        <a:rPr lang="en-US" sz="1200" dirty="0" smtClean="0"/>
+                        <a:t>RCR4001</a:t>
+                      </a:r>
+                      <a:endParaRPr lang="ru-RU" sz="1200" dirty="0">
+                        <a:solidFill>
+                          <a:schemeClr val="bg1">
+                            <a:lumMod val="75000"/>
+                            <a:lumOff val="25000"/>
+                          </a:schemeClr>
+                        </a:solidFill>
+                      </a:endParaRPr>
+                    </a:p>
+                  </a:txBody>
+                  <a:tcPr/>
+                </a:tc>
+                <a:tc>
+                  <a:txBody>
+                    <a:bodyPr/>
+                    <a:lstStyle/>
+                    <a:p>
+                      <a:r>
+                        <a:rPr lang="en-US" sz="1200" dirty="0" smtClean="0"/>
+                        <a:t>5.4</a:t>
+                      </a:r>
+                      <a:endParaRPr lang="ru-RU" sz="1200" dirty="0"/>
+                    </a:p>
+                  </a:txBody>
+                  <a:tcPr/>
+                </a:tc>
+                <a:tc>
+                  <a:txBody>
+                    <a:bodyPr/>
+                    <a:lstStyle/>
+                    <a:p>
+                      <a:r>
+                        <a:rPr lang="en-US" sz="1200" dirty="0" smtClean="0"/>
+                        <a:t>36</a:t>
+                      </a:r>
+                      <a:r>
+                        <a:rPr lang="en-US" sz="1200" baseline="0" dirty="0" smtClean="0"/>
+                        <a:t> x 28 x 4.6</a:t>
+                      </a:r>
+                      <a:endParaRPr lang="ru-RU" sz="1200" dirty="0"/>
+                    </a:p>
+                  </a:txBody>
+                  <a:tcPr/>
+                </a:tc>
+              </a:tr>
+              <a:tr h="262724">
+                <a:tc>
+                  <a:txBody>
+                    <a:bodyPr/>
+                    <a:lstStyle/>
+                    <a:p>
+                      <a:r>
+                        <a:rPr lang="en-US" sz="1200" dirty="0" smtClean="0"/>
+                        <a:t>GPS</a:t>
+                      </a:r>
+                      <a:r>
+                        <a:rPr lang="en-US" sz="1200" baseline="0" dirty="0" smtClean="0"/>
+                        <a:t> </a:t>
+                      </a:r>
+                      <a:r>
+                        <a:rPr lang="ru-RU" sz="1200" baseline="0" dirty="0" smtClean="0"/>
+                        <a:t>модуль</a:t>
+                      </a:r>
+                      <a:endParaRPr lang="ru-RU" sz="1200" dirty="0">
+                        <a:solidFill>
+                          <a:schemeClr val="bg1">
+                            <a:lumMod val="75000"/>
+                            <a:lumOff val="25000"/>
+                          </a:schemeClr>
+                        </a:solidFill>
+                      </a:endParaRPr>
+                    </a:p>
+                  </a:txBody>
+                  <a:tcPr/>
+                </a:tc>
+                <a:tc>
+                  <a:txBody>
+                    <a:bodyPr/>
+                    <a:lstStyle/>
+                    <a:p>
+                      <a:r>
+                        <a:rPr lang="en-US" sz="1200" dirty="0" err="1" smtClean="0"/>
+                        <a:t>Ublox</a:t>
+                      </a:r>
+                      <a:r>
+                        <a:rPr lang="en-US" sz="1200" dirty="0" smtClean="0"/>
+                        <a:t> NEO-7M-000</a:t>
+                      </a:r>
+                      <a:endParaRPr lang="ru-RU" sz="1200" dirty="0">
+                        <a:solidFill>
+                          <a:schemeClr val="bg1">
+                            <a:lumMod val="75000"/>
+                            <a:lumOff val="25000"/>
+                          </a:schemeClr>
+                        </a:solidFill>
+                      </a:endParaRPr>
+                    </a:p>
+                  </a:txBody>
+                  <a:tcPr/>
+                </a:tc>
+                <a:tc>
+                  <a:txBody>
+                    <a:bodyPr/>
+                    <a:lstStyle/>
+                    <a:p>
+                      <a:endParaRPr lang="ru-RU" sz="1200" dirty="0"/>
+                    </a:p>
+                  </a:txBody>
+                  <a:tcPr/>
+                </a:tc>
+                <a:tc>
+                  <a:txBody>
+                    <a:bodyPr/>
+                    <a:lstStyle/>
+                    <a:p>
+                      <a:r>
+                        <a:rPr lang="en-US" sz="1200" dirty="0" smtClean="0"/>
+                        <a:t>45 x 67.5</a:t>
+                      </a:r>
+                      <a:endParaRPr lang="ru-RU" sz="1200" dirty="0"/>
+                    </a:p>
+                  </a:txBody>
+                  <a:tcPr/>
+                </a:tc>
+              </a:tr>
+              <a:tr h="262724">
+                <a:tc>
+                  <a:txBody>
+                    <a:bodyPr/>
+                    <a:lstStyle/>
+                    <a:p>
+                      <a:r>
+                        <a:rPr lang="ru-RU" sz="1200" dirty="0" smtClean="0"/>
+                        <a:t>Слот для </a:t>
+                      </a:r>
+                      <a:r>
+                        <a:rPr lang="en-US" sz="1200" dirty="0" smtClean="0"/>
+                        <a:t>SD </a:t>
+                      </a:r>
+                      <a:r>
+                        <a:rPr lang="ru-RU" sz="1200" dirty="0" smtClean="0"/>
+                        <a:t>карты</a:t>
+                      </a:r>
+                      <a:endParaRPr lang="ru-RU" sz="1200" dirty="0">
+                        <a:solidFill>
+                          <a:schemeClr val="bg1">
+                            <a:lumMod val="75000"/>
+                            <a:lumOff val="25000"/>
+                          </a:schemeClr>
+                        </a:solidFill>
+                      </a:endParaRPr>
+                    </a:p>
+                  </a:txBody>
+                  <a:tcPr/>
+                </a:tc>
+                <a:tc>
+                  <a:txBody>
+                    <a:bodyPr/>
+                    <a:lstStyle/>
+                    <a:p>
+                      <a:endParaRPr lang="ru-RU" sz="1200" dirty="0">
+                        <a:solidFill>
+                          <a:schemeClr val="bg1">
+                            <a:lumMod val="75000"/>
+                            <a:lumOff val="25000"/>
+                          </a:schemeClr>
+                        </a:solidFill>
+                      </a:endParaRPr>
+                    </a:p>
+                  </a:txBody>
+                  <a:tcPr/>
+                </a:tc>
+                <a:tc>
+                  <a:txBody>
+                    <a:bodyPr/>
+                    <a:lstStyle/>
+                    <a:p>
+                      <a:endParaRPr lang="ru-RU" sz="1200" dirty="0"/>
+                    </a:p>
+                  </a:txBody>
+                  <a:tcPr/>
+                </a:tc>
+                <a:tc>
+                  <a:txBody>
+                    <a:bodyPr/>
+                    <a:lstStyle/>
+                    <a:p>
+                      <a:endParaRPr lang="ru-RU" sz="1200" dirty="0"/>
+                    </a:p>
+                  </a:txBody>
+                  <a:tcPr/>
+                </a:tc>
+              </a:tr>
+              <a:tr h="217170">
+                <a:tc>
+                  <a:txBody>
+                    <a:bodyPr/>
+                    <a:lstStyle/>
+                    <a:p>
+                      <a:r>
+                        <a:rPr lang="ru-RU" sz="1200" dirty="0" err="1" smtClean="0">
+                          <a:solidFill>
+                            <a:schemeClr val="tx1"/>
+                          </a:solidFill>
+                        </a:rPr>
+                        <a:t>Пьезоэлемент</a:t>
+                      </a:r>
+                      <a:endParaRPr lang="ru-RU" sz="1200" dirty="0">
+                        <a:solidFill>
+                          <a:schemeClr val="tx1"/>
+                        </a:solidFill>
+                      </a:endParaRPr>
+                    </a:p>
+                  </a:txBody>
+                  <a:tcPr/>
+                </a:tc>
+                <a:tc>
+                  <a:txBody>
+                    <a:bodyPr/>
+                    <a:lstStyle/>
+                    <a:p>
+                      <a:r>
+                        <a:rPr lang="en-US" sz="1200" dirty="0" smtClean="0">
+                          <a:solidFill>
+                            <a:schemeClr val="tx1"/>
+                          </a:solidFill>
+                        </a:rPr>
+                        <a:t>HPA17A</a:t>
+                      </a:r>
+                      <a:endParaRPr lang="ru-RU" sz="1200" dirty="0">
+                        <a:solidFill>
+                          <a:schemeClr val="tx1"/>
+                        </a:solidFill>
+                      </a:endParaRPr>
+                    </a:p>
+                  </a:txBody>
+                  <a:tcPr/>
+                </a:tc>
+                <a:tc>
+                  <a:txBody>
+                    <a:bodyPr/>
+                    <a:lstStyle/>
+                    <a:p>
+                      <a:endParaRPr lang="ru-RU" dirty="0"/>
+                    </a:p>
+                  </a:txBody>
+                  <a:tcPr/>
+                </a:tc>
+                <a:tc>
+                  <a:txBody>
+                    <a:bodyPr/>
+                    <a:lstStyle/>
+                    <a:p>
+                      <a:endParaRPr lang="ru-RU" dirty="0"/>
+                    </a:p>
+                  </a:txBody>
+                  <a:tcPr/>
+                </a:tc>
+              </a:tr>
+            </a:tbl>
+          </a:graphicData>
+        </a:graphic>
+      </p:graphicFrame>
+    </p:spTree>
+    <p:extLst>
+      <p:ext uri="{BB962C8B-B14F-4D97-AF65-F5344CB8AC3E}">
+        <p14:creationId xmlns:p14="http://schemas.microsoft.com/office/powerpoint/2010/main" val="780985084"/>
+      </p:ext>
+    </p:extLst>
+  </p:cSld>
+  <p:clrMapOvr>
+    <a:masterClrMapping/>
+  </p:clrMapOvr>
+  <mc:AlternateContent xmlns:mc="http://schemas.openxmlformats.org/markup-compatibility/2006" xmlns:p14="http://schemas.microsoft.com/office/powerpoint/2010/main">
+    <mc:Choice Requires="p14">
+      <p:transition spd="med" p14:dur="700">
+        <p:fade/>
+      </p:transition>
+    </mc:Choice>
+    <mc:Fallback xmlns="">
+      <p:transition spd="med">
+        <p:fade/>
+      </p:transition>
+    </mc:Fallback>
+  </mc:AlternateContent>
+  <p:timing>
+    <p:tnLst>
+      <p:par>
+        <p:cTn id="1" dur="indefinite" restart="never" nodeType="tmRoot"/>
+      </p:par>
+    </p:tnLst>
+  </p:timing>
+</p:sld>
+</file>
+
 <file path=ppt/slides/slide22.xml><?xml version="1.0" encoding="utf-8"?>
 <p:sld xmlns:a="http://schemas.openxmlformats.org/drawingml/2006/main" xmlns:r="http://schemas.openxmlformats.org/officeDocument/2006/relationships" xmlns:p="http://schemas.openxmlformats.org/presentationml/2006/main">
   <p:cSld>
@@ -13171,46 +15712,499 @@
         </p:nvSpPr>
         <p:spPr>
           <a:xfrm>
-            <a:off x="2209800" y="0"/>
-            <a:ext cx="4953000" cy="857250"/>
+            <a:off x="228600" y="0"/>
+            <a:ext cx="8686800" cy="857250"/>
           </a:xfrm>
         </p:spPr>
         <p:txBody>
-          <a:bodyPr/>
+          <a:bodyPr>
+            <a:normAutofit/>
+          </a:bodyPr>
           <a:lstStyle/>
           <a:p>
             <a:pPr algn="ctr"/>
             <a:r>
-              <a:rPr lang="ru-RU" dirty="0" smtClean="0"/>
-              <a:t>Масса аппарата и бюджет</a:t>
-            </a:r>
-            <a:endParaRPr lang="ru-RU" dirty="0"/>
+              <a:rPr lang="ru-RU" sz="2400" dirty="0" smtClean="0"/>
+              <a:t>Масса аппарата и </a:t>
+            </a:r>
+            <a:r>
+              <a:rPr lang="ru-RU" sz="2400" dirty="0" smtClean="0"/>
+              <a:t>бюджет</a:t>
+            </a:r>
+            <a:r>
+              <a:rPr lang="en-US" sz="2400" dirty="0" smtClean="0"/>
+              <a:t> (</a:t>
+            </a:r>
+            <a:r>
+              <a:rPr lang="ru-RU" sz="2400" dirty="0" smtClean="0"/>
+              <a:t>элемент</a:t>
+            </a:r>
+            <a:r>
+              <a:rPr lang="ru-RU" sz="2400" dirty="0" smtClean="0"/>
+              <a:t>ы </a:t>
+            </a:r>
+            <a:r>
+              <a:rPr lang="ru-RU" sz="2400" dirty="0" smtClean="0"/>
+              <a:t>конструкции</a:t>
+            </a:r>
+            <a:r>
+              <a:rPr lang="en-US" sz="2400" dirty="0" smtClean="0"/>
+              <a:t>)</a:t>
+            </a:r>
+            <a:endParaRPr lang="ru-RU" sz="2400" dirty="0"/>
           </a:p>
         </p:txBody>
       </p:sp>
-      <p:sp>
-        <p:nvSpPr>
-          <p:cNvPr id="3" name="Объект 2"/>
-          <p:cNvSpPr>
-            <a:spLocks noGrp="1"/>
-          </p:cNvSpPr>
+      <p:graphicFrame>
+        <p:nvGraphicFramePr>
+          <p:cNvPr id="4" name="Объект 3"/>
+          <p:cNvGraphicFramePr>
+            <a:graphicFrameLocks noGrp="1"/>
+          </p:cNvGraphicFramePr>
           <p:nvPr>
             <p:ph idx="1"/>
+            <p:extLst>
+              <p:ext uri="{D42A27DB-BD31-4B8C-83A1-F6EECF244321}">
+                <p14:modId xmlns:p14="http://schemas.microsoft.com/office/powerpoint/2010/main" val="2287714116"/>
+              </p:ext>
+            </p:extLst>
           </p:nvPr>
-        </p:nvSpPr>
-        <p:spPr/>
-        <p:txBody>
-          <a:bodyPr/>
-          <a:lstStyle/>
-          <a:p>
-            <a:endParaRPr lang="ru-RU"/>
-          </a:p>
-        </p:txBody>
-      </p:sp>
+        </p:nvGraphicFramePr>
+        <p:xfrm>
+          <a:off x="1219200" y="1047750"/>
+          <a:ext cx="6515100" cy="3385820"/>
+        </p:xfrm>
+        <a:graphic>
+          <a:graphicData uri="http://schemas.openxmlformats.org/drawingml/2006/table">
+            <a:tbl>
+              <a:tblPr firstRow="1" bandRow="1">
+                <a:tableStyleId>{69012ECD-51FC-41F1-AA8D-1B2483CD663E}</a:tableStyleId>
+              </a:tblPr>
+              <a:tblGrid>
+                <a:gridCol w="2171700"/>
+                <a:gridCol w="2171700"/>
+                <a:gridCol w="2171700"/>
+              </a:tblGrid>
+              <a:tr h="223520">
+                <a:tc>
+                  <a:txBody>
+                    <a:bodyPr/>
+                    <a:lstStyle/>
+                    <a:p>
+                      <a:r>
+                        <a:rPr lang="ru-RU" dirty="0" smtClean="0"/>
+                        <a:t>Компонент</a:t>
+                      </a:r>
+                      <a:endParaRPr lang="ru-RU" dirty="0"/>
+                    </a:p>
+                  </a:txBody>
+                  <a:tcPr/>
+                </a:tc>
+                <a:tc>
+                  <a:txBody>
+                    <a:bodyPr/>
+                    <a:lstStyle/>
+                    <a:p>
+                      <a:r>
+                        <a:rPr lang="ru-RU" dirty="0" smtClean="0"/>
+                        <a:t>Масса</a:t>
+                      </a:r>
+                      <a:r>
+                        <a:rPr lang="en-US" dirty="0" smtClean="0"/>
+                        <a:t>, </a:t>
+                      </a:r>
+                      <a:r>
+                        <a:rPr lang="ru-RU" dirty="0" smtClean="0"/>
+                        <a:t>г</a:t>
+                      </a:r>
+                      <a:endParaRPr lang="ru-RU" dirty="0"/>
+                    </a:p>
+                  </a:txBody>
+                  <a:tcPr/>
+                </a:tc>
+                <a:tc>
+                  <a:txBody>
+                    <a:bodyPr/>
+                    <a:lstStyle/>
+                    <a:p>
+                      <a:r>
+                        <a:rPr lang="ru-RU" dirty="0" smtClean="0"/>
+                        <a:t>Стоимость,</a:t>
+                      </a:r>
+                      <a:r>
+                        <a:rPr lang="ru-RU" baseline="0" dirty="0" smtClean="0"/>
+                        <a:t> руб.</a:t>
+                      </a:r>
+                      <a:endParaRPr lang="ru-RU" dirty="0"/>
+                    </a:p>
+                  </a:txBody>
+                  <a:tcPr/>
+                </a:tc>
+              </a:tr>
+              <a:tr h="261620">
+                <a:tc>
+                  <a:txBody>
+                    <a:bodyPr/>
+                    <a:lstStyle/>
+                    <a:p>
+                      <a:r>
+                        <a:rPr lang="ru-RU" dirty="0" smtClean="0"/>
+                        <a:t>Измерительные</a:t>
+                      </a:r>
+                      <a:r>
+                        <a:rPr lang="ru-RU" baseline="0" dirty="0" smtClean="0"/>
+                        <a:t> стержни</a:t>
+                      </a:r>
+                      <a:endParaRPr lang="ru-RU" dirty="0"/>
+                    </a:p>
+                  </a:txBody>
+                  <a:tcPr/>
+                </a:tc>
+                <a:tc>
+                  <a:txBody>
+                    <a:bodyPr/>
+                    <a:lstStyle/>
+                    <a:p>
+                      <a:endParaRPr lang="ru-RU" dirty="0"/>
+                    </a:p>
+                  </a:txBody>
+                  <a:tcPr/>
+                </a:tc>
+                <a:tc>
+                  <a:txBody>
+                    <a:bodyPr/>
+                    <a:lstStyle/>
+                    <a:p>
+                      <a:endParaRPr lang="ru-RU" dirty="0"/>
+                    </a:p>
+                  </a:txBody>
+                  <a:tcPr/>
+                </a:tc>
+              </a:tr>
+              <a:tr h="337820">
+                <a:tc>
+                  <a:txBody>
+                    <a:bodyPr/>
+                    <a:lstStyle/>
+                    <a:p>
+                      <a:r>
+                        <a:rPr lang="ru-RU" dirty="0" smtClean="0"/>
+                        <a:t>Корпус</a:t>
+                      </a:r>
+                      <a:r>
+                        <a:rPr lang="ru-RU" baseline="0" dirty="0" smtClean="0"/>
+                        <a:t> аппарата</a:t>
+                      </a:r>
+                      <a:endParaRPr lang="ru-RU" dirty="0"/>
+                    </a:p>
+                  </a:txBody>
+                  <a:tcPr/>
+                </a:tc>
+                <a:tc>
+                  <a:txBody>
+                    <a:bodyPr/>
+                    <a:lstStyle/>
+                    <a:p>
+                      <a:endParaRPr lang="ru-RU" dirty="0"/>
+                    </a:p>
+                  </a:txBody>
+                  <a:tcPr/>
+                </a:tc>
+                <a:tc>
+                  <a:txBody>
+                    <a:bodyPr/>
+                    <a:lstStyle/>
+                    <a:p>
+                      <a:endParaRPr lang="ru-RU"/>
+                    </a:p>
+                  </a:txBody>
+                  <a:tcPr/>
+                </a:tc>
+              </a:tr>
+              <a:tr h="223520">
+                <a:tc>
+                  <a:txBody>
+                    <a:bodyPr/>
+                    <a:lstStyle/>
+                    <a:p>
+                      <a:r>
+                        <a:rPr lang="ru-RU" dirty="0" smtClean="0"/>
+                        <a:t>Семена</a:t>
+                      </a:r>
+                      <a:endParaRPr lang="ru-RU" dirty="0"/>
+                    </a:p>
+                  </a:txBody>
+                  <a:tcPr/>
+                </a:tc>
+                <a:tc>
+                  <a:txBody>
+                    <a:bodyPr/>
+                    <a:lstStyle/>
+                    <a:p>
+                      <a:endParaRPr lang="ru-RU"/>
+                    </a:p>
+                  </a:txBody>
+                  <a:tcPr/>
+                </a:tc>
+                <a:tc>
+                  <a:txBody>
+                    <a:bodyPr/>
+                    <a:lstStyle/>
+                    <a:p>
+                      <a:endParaRPr lang="ru-RU"/>
+                    </a:p>
+                  </a:txBody>
+                  <a:tcPr/>
+                </a:tc>
+              </a:tr>
+              <a:tr h="223520">
+                <a:tc>
+                  <a:txBody>
+                    <a:bodyPr/>
+                    <a:lstStyle/>
+                    <a:p>
+                      <a:r>
+                        <a:rPr lang="ru-RU" dirty="0" smtClean="0"/>
+                        <a:t>Ключ-выключатель</a:t>
+                      </a:r>
+                      <a:endParaRPr lang="ru-RU" dirty="0"/>
+                    </a:p>
+                  </a:txBody>
+                  <a:tcPr/>
+                </a:tc>
+                <a:tc>
+                  <a:txBody>
+                    <a:bodyPr/>
+                    <a:lstStyle/>
+                    <a:p>
+                      <a:endParaRPr lang="ru-RU" dirty="0"/>
+                    </a:p>
+                  </a:txBody>
+                  <a:tcPr/>
+                </a:tc>
+                <a:tc>
+                  <a:txBody>
+                    <a:bodyPr/>
+                    <a:lstStyle/>
+                    <a:p>
+                      <a:r>
+                        <a:rPr lang="ru-RU" dirty="0" smtClean="0"/>
+                        <a:t>160</a:t>
+                      </a:r>
+                      <a:endParaRPr lang="ru-RU" dirty="0"/>
+                    </a:p>
+                  </a:txBody>
+                  <a:tcPr/>
+                </a:tc>
+              </a:tr>
+              <a:tr h="223520">
+                <a:tc>
+                  <a:txBody>
+                    <a:bodyPr/>
+                    <a:lstStyle/>
+                    <a:p>
+                      <a:endParaRPr lang="ru-RU"/>
+                    </a:p>
+                  </a:txBody>
+                  <a:tcPr/>
+                </a:tc>
+                <a:tc>
+                  <a:txBody>
+                    <a:bodyPr/>
+                    <a:lstStyle/>
+                    <a:p>
+                      <a:endParaRPr lang="ru-RU"/>
+                    </a:p>
+                  </a:txBody>
+                  <a:tcPr/>
+                </a:tc>
+                <a:tc>
+                  <a:txBody>
+                    <a:bodyPr/>
+                    <a:lstStyle/>
+                    <a:p>
+                      <a:endParaRPr lang="ru-RU"/>
+                    </a:p>
+                  </a:txBody>
+                  <a:tcPr/>
+                </a:tc>
+              </a:tr>
+              <a:tr h="223520">
+                <a:tc>
+                  <a:txBody>
+                    <a:bodyPr/>
+                    <a:lstStyle/>
+                    <a:p>
+                      <a:endParaRPr lang="ru-RU"/>
+                    </a:p>
+                  </a:txBody>
+                  <a:tcPr/>
+                </a:tc>
+                <a:tc>
+                  <a:txBody>
+                    <a:bodyPr/>
+                    <a:lstStyle/>
+                    <a:p>
+                      <a:endParaRPr lang="ru-RU"/>
+                    </a:p>
+                  </a:txBody>
+                  <a:tcPr/>
+                </a:tc>
+                <a:tc>
+                  <a:txBody>
+                    <a:bodyPr/>
+                    <a:lstStyle/>
+                    <a:p>
+                      <a:endParaRPr lang="ru-RU"/>
+                    </a:p>
+                  </a:txBody>
+                  <a:tcPr/>
+                </a:tc>
+              </a:tr>
+              <a:tr h="223520">
+                <a:tc>
+                  <a:txBody>
+                    <a:bodyPr/>
+                    <a:lstStyle/>
+                    <a:p>
+                      <a:endParaRPr lang="ru-RU"/>
+                    </a:p>
+                  </a:txBody>
+                  <a:tcPr/>
+                </a:tc>
+                <a:tc>
+                  <a:txBody>
+                    <a:bodyPr/>
+                    <a:lstStyle/>
+                    <a:p>
+                      <a:endParaRPr lang="ru-RU"/>
+                    </a:p>
+                  </a:txBody>
+                  <a:tcPr/>
+                </a:tc>
+                <a:tc>
+                  <a:txBody>
+                    <a:bodyPr/>
+                    <a:lstStyle/>
+                    <a:p>
+                      <a:endParaRPr lang="ru-RU"/>
+                    </a:p>
+                  </a:txBody>
+                  <a:tcPr/>
+                </a:tc>
+              </a:tr>
+              <a:tr h="304800">
+                <a:tc>
+                  <a:txBody>
+                    <a:bodyPr/>
+                    <a:lstStyle/>
+                    <a:p>
+                      <a:endParaRPr lang="ru-RU"/>
+                    </a:p>
+                  </a:txBody>
+                  <a:tcPr/>
+                </a:tc>
+                <a:tc>
+                  <a:txBody>
+                    <a:bodyPr/>
+                    <a:lstStyle/>
+                    <a:p>
+                      <a:endParaRPr lang="ru-RU"/>
+                    </a:p>
+                  </a:txBody>
+                  <a:tcPr/>
+                </a:tc>
+                <a:tc>
+                  <a:txBody>
+                    <a:bodyPr/>
+                    <a:lstStyle/>
+                    <a:p>
+                      <a:endParaRPr lang="ru-RU"/>
+                    </a:p>
+                  </a:txBody>
+                  <a:tcPr/>
+                </a:tc>
+              </a:tr>
+              <a:tr h="304800">
+                <a:tc>
+                  <a:txBody>
+                    <a:bodyPr/>
+                    <a:lstStyle/>
+                    <a:p>
+                      <a:endParaRPr lang="ru-RU"/>
+                    </a:p>
+                  </a:txBody>
+                  <a:tcPr/>
+                </a:tc>
+                <a:tc>
+                  <a:txBody>
+                    <a:bodyPr/>
+                    <a:lstStyle/>
+                    <a:p>
+                      <a:endParaRPr lang="ru-RU"/>
+                    </a:p>
+                  </a:txBody>
+                  <a:tcPr/>
+                </a:tc>
+                <a:tc>
+                  <a:txBody>
+                    <a:bodyPr/>
+                    <a:lstStyle/>
+                    <a:p>
+                      <a:endParaRPr lang="ru-RU"/>
+                    </a:p>
+                  </a:txBody>
+                  <a:tcPr/>
+                </a:tc>
+              </a:tr>
+              <a:tr h="152400">
+                <a:tc>
+                  <a:txBody>
+                    <a:bodyPr/>
+                    <a:lstStyle/>
+                    <a:p>
+                      <a:endParaRPr lang="ru-RU" dirty="0"/>
+                    </a:p>
+                  </a:txBody>
+                  <a:tcPr/>
+                </a:tc>
+                <a:tc>
+                  <a:txBody>
+                    <a:bodyPr/>
+                    <a:lstStyle/>
+                    <a:p>
+                      <a:r>
+                        <a:rPr lang="ru-RU" sz="1200" dirty="0" smtClean="0"/>
+                        <a:t>Итого</a:t>
+                      </a:r>
+                      <a:r>
+                        <a:rPr lang="en-US" sz="1200" dirty="0" smtClean="0"/>
+                        <a:t>:</a:t>
+                      </a:r>
+                      <a:endParaRPr lang="ru-RU" sz="1200" dirty="0"/>
+                    </a:p>
+                  </a:txBody>
+                  <a:tcPr/>
+                </a:tc>
+                <a:tc>
+                  <a:txBody>
+                    <a:bodyPr/>
+                    <a:lstStyle/>
+                    <a:p>
+                      <a:endParaRPr lang="ru-RU" dirty="0"/>
+                    </a:p>
+                  </a:txBody>
+                  <a:tcPr/>
+                </a:tc>
+              </a:tr>
+            </a:tbl>
+          </a:graphicData>
+        </a:graphic>
+      </p:graphicFrame>
     </p:spTree>
     <p:extLst>
       <p:ext uri="{BB962C8B-B14F-4D97-AF65-F5344CB8AC3E}">
-        <p14:creationId xmlns:p14="http://schemas.microsoft.com/office/powerpoint/2010/main" val="1623094828"/>
+        <p14:creationId xmlns:p14="http://schemas.microsoft.com/office/powerpoint/2010/main" val="2738067563"/>
       </p:ext>
     </p:extLst>
   </p:cSld>
@@ -13279,7 +16273,7 @@
             <a:pPr algn="ctr"/>
             <a:r>
               <a:rPr lang="ru-RU" dirty="0" smtClean="0"/>
-              <a:t>Аварийные ситуации</a:t>
+              <a:t>Работа над ошибками</a:t>
             </a:r>
             <a:endParaRPr lang="ru-RU" dirty="0"/>
           </a:p>
@@ -13295,14 +16289,14 @@
             <p:ph idx="1"/>
             <p:extLst>
               <p:ext uri="{D42A27DB-BD31-4B8C-83A1-F6EECF244321}">
-                <p14:modId xmlns:p14="http://schemas.microsoft.com/office/powerpoint/2010/main" val="4089759894"/>
+                <p14:modId xmlns:p14="http://schemas.microsoft.com/office/powerpoint/2010/main" val="3635465977"/>
               </p:ext>
             </p:extLst>
           </p:nvPr>
         </p:nvGraphicFramePr>
         <p:xfrm>
-          <a:off x="533400" y="971550"/>
-          <a:ext cx="8153401" cy="3910590"/>
+          <a:off x="533400" y="1200150"/>
+          <a:ext cx="8153401" cy="2036563"/>
         </p:xfrm>
         <a:graphic>
           <a:graphicData uri="http://schemas.openxmlformats.org/drawingml/2006/table">
@@ -13315,7 +16309,7 @@
                 <a:gridCol w="2717516"/>
                 <a:gridCol w="2718369"/>
               </a:tblGrid>
-              <a:tr h="207195">
+              <a:tr h="381000">
                 <a:tc>
                   <a:txBody>
                     <a:bodyPr/>
@@ -13330,10 +16324,13 @@
                         </a:spcAft>
                       </a:pPr>
                       <a:r>
-                        <a:rPr lang="ru-RU" sz="1200" u="sng" dirty="0">
+                        <a:rPr lang="ru-RU" sz="1200" u="sng" dirty="0" smtClean="0">
                           <a:effectLst/>
+                          <a:latin typeface="+mn-lt"/>
+                          <a:ea typeface="+mn-ea"/>
+                          <a:cs typeface="+mn-cs"/>
                         </a:rPr>
-                        <a:t>Аварийные ситуации</a:t>
+                        <a:t>Прошлогодние ошибки</a:t>
                       </a:r>
                       <a:endParaRPr lang="ru-RU" sz="1200" dirty="0">
                         <a:effectLst/>
@@ -13388,10 +16385,22 @@
                         </a:spcAft>
                       </a:pPr>
                       <a:r>
-                        <a:rPr lang="ru-RU" sz="1200" u="sng" dirty="0">
+                        <a:rPr lang="ru-RU" sz="1200" dirty="0" smtClean="0">
                           <a:effectLst/>
+                          <a:latin typeface="Calibri"/>
+                          <a:ea typeface="Calibri"/>
+                          <a:cs typeface="Times New Roman"/>
                         </a:rPr>
-                        <a:t>Меры предосторожности</a:t>
+                        <a:t>Что мы можем сделать в этом году</a:t>
+                      </a:r>
+                      <a:r>
+                        <a:rPr lang="en-US" sz="1200" dirty="0" smtClean="0">
+                          <a:effectLst/>
+                          <a:latin typeface="Calibri"/>
+                          <a:ea typeface="Calibri"/>
+                          <a:cs typeface="Times New Roman"/>
+                        </a:rPr>
+                        <a:t>?</a:t>
                       </a:r>
                       <a:endParaRPr lang="ru-RU" sz="1200" dirty="0">
                         <a:effectLst/>
@@ -13404,7 +16413,7 @@
                   <a:tcPr marL="59637" marR="59637" marT="0" marB="0"/>
                 </a:tc>
               </a:tr>
-              <a:tr h="385454">
+              <a:tr h="381000">
                 <a:tc>
                   <a:txBody>
                     <a:bodyPr/>
@@ -13419,16 +16428,22 @@
                         </a:spcAft>
                       </a:pPr>
                       <a:r>
-                        <a:rPr lang="ru-RU" sz="1200" dirty="0">
+                        <a:rPr lang="ru-RU" sz="1200" dirty="0" smtClean="0">
                           <a:effectLst/>
                         </a:rPr>
-                        <a:t>1.</a:t>
-                      </a:r>
-                      <a:r>
-                        <a:rPr lang="ru-RU" sz="1200" u="sng" dirty="0">
+                        <a:t>1. </a:t>
+                      </a:r>
+                      <a:r>
+                        <a:rPr lang="ru-RU" sz="1200" u="sng" dirty="0" smtClean="0">
                           <a:effectLst/>
                         </a:rPr>
-                        <a:t>Не раскроется парашют</a:t>
+                        <a:t>Нарушение</a:t>
+                      </a:r>
+                      <a:r>
+                        <a:rPr lang="ru-RU" sz="1200" u="sng" baseline="0" dirty="0" smtClean="0">
+                          <a:effectLst/>
+                        </a:rPr>
+                        <a:t> графика работ</a:t>
                       </a:r>
                       <a:endParaRPr lang="ru-RU" sz="1200" dirty="0">
                         <a:effectLst/>
@@ -13454,10 +16469,13 @@
                         </a:spcAft>
                       </a:pPr>
                       <a:r>
-                        <a:rPr lang="ru-RU" sz="1200" dirty="0">
+                        <a:rPr lang="ru-RU" sz="1200" dirty="0" smtClean="0">
                           <a:effectLst/>
+                          <a:latin typeface="Calibri"/>
+                          <a:ea typeface="Calibri"/>
+                          <a:cs typeface="Times New Roman"/>
                         </a:rPr>
-                        <a:t>Аппарат разобьется.</a:t>
+                        <a:t>Сборка аппарата в спешке</a:t>
                       </a:r>
                       <a:endParaRPr lang="ru-RU" sz="1200" dirty="0">
                         <a:effectLst/>
@@ -13469,6 +16487,27 @@
                   </a:txBody>
                   <a:tcPr marL="59637" marR="59637" marT="0" marB="0"/>
                 </a:tc>
+                <a:tc>
+                  <a:txBody>
+                    <a:bodyPr/>
+                    <a:lstStyle/>
+                    <a:p>
+                      <a:pPr algn="ctr"/>
+                      <a:r>
+                        <a:rPr lang="ru-RU" sz="1200" dirty="0" smtClean="0"/>
+                        <a:t>Строгое следование</a:t>
+                      </a:r>
+                      <a:r>
+                        <a:rPr lang="ru-RU" sz="1200" baseline="0" dirty="0" smtClean="0"/>
+                        <a:t> графику</a:t>
+                      </a:r>
+                      <a:endParaRPr lang="ru-RU" sz="1200" dirty="0"/>
+                    </a:p>
+                  </a:txBody>
+                  <a:tcPr marL="59637" marR="59637" marT="0" marB="0"/>
+                </a:tc>
+              </a:tr>
+              <a:tr h="528946">
                 <a:tc>
                   <a:txBody>
                     <a:bodyPr/>
@@ -13483,12 +16522,24 @@
                         </a:spcAft>
                       </a:pPr>
                       <a:r>
-                        <a:rPr lang="ru-RU" sz="1200">
+                        <a:rPr lang="ru-RU" sz="1200" dirty="0" smtClean="0">
                           <a:effectLst/>
                         </a:rPr>
-                        <a:t>Правильная укладка парашюта в отсек</a:t>
-                      </a:r>
-                      <a:endParaRPr lang="ru-RU" sz="1200">
+                        <a:t>2. </a:t>
+                      </a:r>
+                      <a:r>
+                        <a:rPr lang="ru-RU" sz="1200" u="sng" dirty="0" smtClean="0">
+                          <a:effectLst/>
+                        </a:rPr>
+                        <a:t>Отсутствие</a:t>
+                      </a:r>
+                      <a:r>
+                        <a:rPr lang="ru-RU" sz="1200" u="sng" baseline="0" dirty="0" smtClean="0">
+                          <a:effectLst/>
+                        </a:rPr>
+                        <a:t> защитного корпуса аппарата</a:t>
+                      </a:r>
+                      <a:endParaRPr lang="ru-RU" sz="1200" dirty="0">
                         <a:effectLst/>
                         <a:latin typeface="Calibri"/>
                         <a:ea typeface="Calibri"/>
@@ -13498,12 +16549,97 @@
                   </a:txBody>
                   <a:tcPr marL="59637" marR="59637" marT="0" marB="0"/>
                 </a:tc>
+                <a:tc>
+                  <a:txBody>
+                    <a:bodyPr/>
+                    <a:lstStyle/>
+                    <a:p>
+                      <a:pPr algn="ctr"/>
+                      <a:r>
+                        <a:rPr lang="ru-RU" sz="1200" dirty="0" smtClean="0"/>
+                        <a:t>Запутывание строп парашюта за выступающие части конструкции</a:t>
+                      </a:r>
+                      <a:endParaRPr lang="ru-RU" sz="1200" dirty="0"/>
+                    </a:p>
+                  </a:txBody>
+                  <a:tcPr marL="59637" marR="59637" marT="0" marB="0"/>
+                </a:tc>
+                <a:tc>
+                  <a:txBody>
+                    <a:bodyPr/>
+                    <a:lstStyle/>
+                    <a:p>
+                      <a:pPr algn="ctr"/>
+                      <a:r>
+                        <a:rPr lang="ru-RU" sz="1200" dirty="0" smtClean="0"/>
+                        <a:t>Корпус,</a:t>
+                      </a:r>
+                      <a:r>
+                        <a:rPr lang="ru-RU" sz="1200" baseline="0" dirty="0" smtClean="0"/>
+                        <a:t> напечатанный на 3</a:t>
+                      </a:r>
+                      <a:r>
+                        <a:rPr lang="en-US" sz="1200" baseline="0" dirty="0" smtClean="0"/>
+                        <a:t>D</a:t>
+                      </a:r>
+                      <a:r>
+                        <a:rPr lang="ru-RU" sz="1200" baseline="0" dirty="0" smtClean="0"/>
+                        <a:t> принтере</a:t>
+                      </a:r>
+                      <a:endParaRPr lang="ru-RU" sz="1200" dirty="0"/>
+                    </a:p>
+                  </a:txBody>
+                  <a:tcPr marL="59637" marR="59637" marT="0" marB="0"/>
+                </a:tc>
               </a:tr>
-              <a:tr h="727888">
-                <a:tc>
-                  <a:txBody>
-                    <a:bodyPr/>
-                    <a:lstStyle/>
+              <a:tr h="461654">
+                <a:tc>
+                  <a:txBody>
+                    <a:bodyPr/>
+                    <a:lstStyle/>
+                    <a:p>
+                      <a:pPr marL="0" marR="0" indent="0" algn="ctr" defTabSz="685796" rtl="0" eaLnBrk="1" fontAlgn="auto" latinLnBrk="0" hangingPunct="1">
+                        <a:lnSpc>
+                          <a:spcPct val="115000"/>
+                        </a:lnSpc>
+                        <a:spcBef>
+                          <a:spcPts val="0"/>
+                        </a:spcBef>
+                        <a:spcAft>
+                          <a:spcPts val="1000"/>
+                        </a:spcAft>
+                        <a:buClrTx/>
+                        <a:buSzTx/>
+                        <a:buFontTx/>
+                        <a:buNone/>
+                        <a:tabLst/>
+                        <a:defRPr/>
+                      </a:pPr>
+                      <a:r>
+                        <a:rPr lang="ru-RU" sz="1200" dirty="0" smtClean="0">
+                          <a:effectLst/>
+                        </a:rPr>
+                        <a:t>3. </a:t>
+                      </a:r>
+                      <a:r>
+                        <a:rPr lang="ru-RU" sz="1200" u="sng" dirty="0" smtClean="0">
+                          <a:effectLst/>
+                        </a:rPr>
+                        <a:t>Плохо проработанная система</a:t>
+                      </a:r>
+                      <a:r>
+                        <a:rPr lang="ru-RU" sz="1200" u="sng" baseline="0" dirty="0" smtClean="0">
+                          <a:effectLst/>
+                        </a:rPr>
+                        <a:t> выпуска парашюта</a:t>
+                      </a:r>
+                      <a:endParaRPr lang="ru-RU" sz="1200" dirty="0" smtClean="0">
+                        <a:effectLst/>
+                        <a:latin typeface="Calibri"/>
+                        <a:ea typeface="Calibri"/>
+                        <a:cs typeface="Times New Roman"/>
+                      </a:endParaRPr>
+                    </a:p>
                     <a:p>
                       <a:pPr algn="ctr">
                         <a:lnSpc>
@@ -13513,37 +16649,6 @@
                           <a:spcPts val="1000"/>
                         </a:spcAft>
                       </a:pPr>
-                      <a:r>
-                        <a:rPr lang="ru-RU" sz="1200" dirty="0">
-                          <a:effectLst/>
-                        </a:rPr>
-                        <a:t>2.</a:t>
-                      </a:r>
-                      <a:r>
-                        <a:rPr lang="ru-RU" sz="1200" u="sng" dirty="0">
-                          <a:effectLst/>
-                        </a:rPr>
-                        <a:t>Отказ отдельных элементов электроники:</a:t>
-                      </a:r>
-                      <a:endParaRPr lang="ru-RU" sz="1200" dirty="0">
-                        <a:effectLst/>
-                      </a:endParaRPr>
-                    </a:p>
-                    <a:p>
-                      <a:pPr>
-                        <a:lnSpc>
-                          <a:spcPct val="115000"/>
-                        </a:lnSpc>
-                        <a:spcAft>
-                          <a:spcPts val="1000"/>
-                        </a:spcAft>
-                      </a:pPr>
-                      <a:r>
-                        <a:rPr lang="ru-RU" sz="1200" dirty="0">
-                          <a:effectLst/>
-                        </a:rPr>
-                        <a:t>а) Микропроцессор</a:t>
-                      </a:r>
                       <a:endParaRPr lang="ru-RU" sz="1200" dirty="0">
                         <a:effectLst/>
                         <a:latin typeface="Calibri"/>
@@ -13559,42 +16664,12 @@
                     <a:bodyPr/>
                     <a:lstStyle/>
                     <a:p>
-                      <a:pPr algn="ctr">
-                        <a:lnSpc>
-                          <a:spcPct val="115000"/>
-                        </a:lnSpc>
-                        <a:spcAft>
-                          <a:spcPts val="1000"/>
-                        </a:spcAft>
-                      </a:pPr>
-                      <a:r>
-                        <a:rPr lang="ru-RU" sz="1200" dirty="0">
-                          <a:effectLst/>
-                        </a:rPr>
-                        <a:t> </a:t>
-                      </a:r>
-                    </a:p>
-                    <a:p>
-                      <a:pPr algn="ctr">
-                        <a:lnSpc>
-                          <a:spcPct val="115000"/>
-                        </a:lnSpc>
-                        <a:spcAft>
-                          <a:spcPts val="1000"/>
-                        </a:spcAft>
-                      </a:pPr>
-                      <a:r>
-                        <a:rPr lang="ru-RU" sz="1200" dirty="0">
-                          <a:effectLst/>
-                        </a:rPr>
-                        <a:t>Полная потеря управления над аппаратом и связи с ним.</a:t>
-                      </a:r>
-                      <a:endParaRPr lang="ru-RU" sz="1200" dirty="0">
-                        <a:effectLst/>
-                        <a:latin typeface="Calibri"/>
-                        <a:ea typeface="Calibri"/>
-                        <a:cs typeface="Times New Roman"/>
-                      </a:endParaRPr>
+                      <a:pPr algn="ctr"/>
+                      <a:r>
+                        <a:rPr lang="ru-RU" sz="1200" dirty="0" smtClean="0"/>
+                        <a:t>Неконтролируемое падение аппарата</a:t>
+                      </a:r>
+                      <a:endParaRPr lang="ru-RU" sz="1200" dirty="0"/>
                     </a:p>
                   </a:txBody>
                   <a:tcPr marL="59637" marR="59637" marT="0" marB="0"/>
@@ -13604,515 +16679,12 @@
                     <a:bodyPr/>
                     <a:lstStyle/>
                     <a:p>
-                      <a:pPr algn="ctr">
-                        <a:lnSpc>
-                          <a:spcPct val="115000"/>
-                        </a:lnSpc>
-                        <a:spcAft>
-                          <a:spcPts val="1000"/>
-                        </a:spcAft>
-                      </a:pPr>
-                      <a:r>
-                        <a:rPr lang="ru-RU" sz="1200" dirty="0">
-                          <a:effectLst/>
-                        </a:rPr>
-                        <a:t> </a:t>
-                      </a:r>
-                    </a:p>
-                    <a:p>
-                      <a:pPr algn="ctr">
-                        <a:lnSpc>
-                          <a:spcPct val="115000"/>
-                        </a:lnSpc>
-                        <a:spcAft>
-                          <a:spcPts val="1000"/>
-                        </a:spcAft>
-                      </a:pPr>
-                      <a:r>
-                        <a:rPr lang="ru-RU" sz="1200" dirty="0">
-                          <a:effectLst/>
-                        </a:rPr>
-                        <a:t>Нет</a:t>
-                      </a:r>
-                      <a:endParaRPr lang="ru-RU" sz="1200" dirty="0">
-                        <a:effectLst/>
-                        <a:latin typeface="Calibri"/>
-                        <a:ea typeface="Calibri"/>
-                        <a:cs typeface="Times New Roman"/>
-                      </a:endParaRPr>
-                    </a:p>
-                  </a:txBody>
-                  <a:tcPr marL="59637" marR="59637" marT="0" marB="0"/>
-                </a:tc>
-              </a:tr>
-              <a:tr h="584008">
-                <a:tc>
-                  <a:txBody>
-                    <a:bodyPr/>
-                    <a:lstStyle/>
-                    <a:p>
-                      <a:pPr>
-                        <a:lnSpc>
-                          <a:spcPct val="115000"/>
-                        </a:lnSpc>
-                        <a:spcAft>
-                          <a:spcPts val="1000"/>
-                        </a:spcAft>
-                      </a:pPr>
-                      <a:r>
-                        <a:rPr lang="ru-RU" sz="1200">
-                          <a:effectLst/>
-                        </a:rPr>
-                        <a:t>б) Датчики</a:t>
-                      </a:r>
-                      <a:endParaRPr lang="ru-RU" sz="1200">
-                        <a:effectLst/>
-                        <a:latin typeface="Calibri"/>
-                        <a:ea typeface="Calibri"/>
-                        <a:cs typeface="Times New Roman"/>
-                      </a:endParaRPr>
-                    </a:p>
-                  </a:txBody>
-                  <a:tcPr marL="59637" marR="59637" marT="0" marB="0"/>
-                </a:tc>
-                <a:tc>
-                  <a:txBody>
-                    <a:bodyPr/>
-                    <a:lstStyle/>
-                    <a:p>
-                      <a:pPr algn="ctr">
-                        <a:lnSpc>
-                          <a:spcPct val="115000"/>
-                        </a:lnSpc>
-                        <a:spcAft>
-                          <a:spcPts val="1000"/>
-                        </a:spcAft>
-                      </a:pPr>
-                      <a:r>
-                        <a:rPr lang="ru-RU" sz="1200">
-                          <a:effectLst/>
-                        </a:rPr>
-                        <a:t>Потеря данных, собираемых во время полета и приземления.</a:t>
-                      </a:r>
-                      <a:endParaRPr lang="ru-RU" sz="1200">
-                        <a:effectLst/>
-                        <a:latin typeface="Calibri"/>
-                        <a:ea typeface="Calibri"/>
-                        <a:cs typeface="Times New Roman"/>
-                      </a:endParaRPr>
-                    </a:p>
-                  </a:txBody>
-                  <a:tcPr marL="59637" marR="59637" marT="0" marB="0"/>
-                </a:tc>
-                <a:tc>
-                  <a:txBody>
-                    <a:bodyPr/>
-                    <a:lstStyle/>
-                    <a:p>
-                      <a:pPr algn="ctr">
-                        <a:lnSpc>
-                          <a:spcPct val="115000"/>
-                        </a:lnSpc>
-                        <a:spcAft>
-                          <a:spcPts val="1000"/>
-                        </a:spcAft>
-                      </a:pPr>
-                      <a:r>
-                        <a:rPr lang="ru-RU" sz="1200" dirty="0">
-                          <a:effectLst/>
-                        </a:rPr>
-                        <a:t>Нет</a:t>
-                      </a:r>
-                      <a:endParaRPr lang="ru-RU" sz="1200" dirty="0">
-                        <a:effectLst/>
-                        <a:latin typeface="Calibri"/>
-                        <a:ea typeface="Calibri"/>
-                        <a:cs typeface="Times New Roman"/>
-                      </a:endParaRPr>
-                    </a:p>
-                  </a:txBody>
-                  <a:tcPr marL="59637" marR="59637" marT="0" marB="0"/>
-                </a:tc>
-              </a:tr>
-              <a:tr h="385454">
-                <a:tc>
-                  <a:txBody>
-                    <a:bodyPr/>
-                    <a:lstStyle/>
-                    <a:p>
-                      <a:pPr>
-                        <a:lnSpc>
-                          <a:spcPct val="115000"/>
-                        </a:lnSpc>
-                        <a:spcAft>
-                          <a:spcPts val="1000"/>
-                        </a:spcAft>
-                      </a:pPr>
-                      <a:r>
-                        <a:rPr lang="ru-RU" sz="1200" dirty="0">
-                          <a:effectLst/>
-                        </a:rPr>
-                        <a:t>в) Исполнительные устройства</a:t>
-                      </a:r>
-                      <a:endParaRPr lang="ru-RU" sz="1200" dirty="0">
-                        <a:effectLst/>
-                        <a:latin typeface="Calibri"/>
-                        <a:ea typeface="Calibri"/>
-                        <a:cs typeface="Times New Roman"/>
-                      </a:endParaRPr>
-                    </a:p>
-                  </a:txBody>
-                  <a:tcPr marL="59637" marR="59637" marT="0" marB="0"/>
-                </a:tc>
-                <a:tc>
-                  <a:txBody>
-                    <a:bodyPr/>
-                    <a:lstStyle/>
-                    <a:p>
-                      <a:pPr algn="ctr">
-                        <a:lnSpc>
-                          <a:spcPct val="115000"/>
-                        </a:lnSpc>
-                        <a:spcAft>
-                          <a:spcPts val="1000"/>
-                        </a:spcAft>
-                      </a:pPr>
-                      <a:r>
-                        <a:rPr lang="ru-RU" sz="1200">
-                          <a:effectLst/>
-                        </a:rPr>
-                        <a:t>Частичная потеря управления над аппаратом.</a:t>
-                      </a:r>
-                      <a:endParaRPr lang="ru-RU" sz="1200">
-                        <a:effectLst/>
-                        <a:latin typeface="Calibri"/>
-                        <a:ea typeface="Calibri"/>
-                        <a:cs typeface="Times New Roman"/>
-                      </a:endParaRPr>
-                    </a:p>
-                  </a:txBody>
-                  <a:tcPr marL="59637" marR="59637" marT="0" marB="0"/>
-                </a:tc>
-                <a:tc>
-                  <a:txBody>
-                    <a:bodyPr/>
-                    <a:lstStyle/>
-                    <a:p>
-                      <a:pPr algn="ctr">
-                        <a:lnSpc>
-                          <a:spcPct val="115000"/>
-                        </a:lnSpc>
-                        <a:spcAft>
-                          <a:spcPts val="1000"/>
-                        </a:spcAft>
-                      </a:pPr>
-                      <a:r>
-                        <a:rPr lang="ru-RU" sz="1200" dirty="0">
-                          <a:effectLst/>
-                        </a:rPr>
-                        <a:t>Резервирование исполнительных органов</a:t>
-                      </a:r>
-                      <a:endParaRPr lang="ru-RU" sz="1200" dirty="0">
-                        <a:effectLst/>
-                        <a:latin typeface="Calibri"/>
-                        <a:ea typeface="Calibri"/>
-                        <a:cs typeface="Times New Roman"/>
-                      </a:endParaRPr>
-                    </a:p>
-                  </a:txBody>
-                  <a:tcPr marL="59637" marR="59637" marT="0" marB="0"/>
-                </a:tc>
-              </a:tr>
-              <a:tr h="529334">
-                <a:tc>
-                  <a:txBody>
-                    <a:bodyPr/>
-                    <a:lstStyle/>
-                    <a:p>
-                      <a:pPr algn="ctr">
-                        <a:lnSpc>
-                          <a:spcPct val="115000"/>
-                        </a:lnSpc>
-                        <a:spcAft>
-                          <a:spcPts val="1000"/>
-                        </a:spcAft>
-                      </a:pPr>
-                      <a:r>
-                        <a:rPr lang="ru-RU" sz="1200">
-                          <a:effectLst/>
-                        </a:rPr>
-                        <a:t>3.</a:t>
-                      </a:r>
-                      <a:r>
-                        <a:rPr lang="ru-RU" sz="1200" u="sng">
-                          <a:effectLst/>
-                        </a:rPr>
-                        <a:t>Падение</a:t>
-                      </a:r>
-                      <a:r>
-                        <a:rPr lang="ru-RU" sz="1200">
-                          <a:effectLst/>
-                        </a:rPr>
-                        <a:t>:  </a:t>
-                      </a:r>
-                    </a:p>
-                    <a:p>
-                      <a:pPr>
-                        <a:lnSpc>
-                          <a:spcPct val="115000"/>
-                        </a:lnSpc>
-                        <a:spcAft>
-                          <a:spcPts val="1000"/>
-                        </a:spcAft>
-                      </a:pPr>
-                      <a:r>
-                        <a:rPr lang="ru-RU" sz="1200">
-                          <a:effectLst/>
-                        </a:rPr>
-                        <a:t>а) В водоем</a:t>
-                      </a:r>
-                      <a:endParaRPr lang="ru-RU" sz="1200">
-                        <a:effectLst/>
-                        <a:latin typeface="Calibri"/>
-                        <a:ea typeface="Calibri"/>
-                        <a:cs typeface="Times New Roman"/>
-                      </a:endParaRPr>
-                    </a:p>
-                  </a:txBody>
-                  <a:tcPr marL="59637" marR="59637" marT="0" marB="0"/>
-                </a:tc>
-                <a:tc>
-                  <a:txBody>
-                    <a:bodyPr/>
-                    <a:lstStyle/>
-                    <a:p>
-                      <a:pPr algn="ctr">
-                        <a:lnSpc>
-                          <a:spcPct val="115000"/>
-                        </a:lnSpc>
-                        <a:spcAft>
-                          <a:spcPts val="1000"/>
-                        </a:spcAft>
-                      </a:pPr>
-                      <a:r>
-                        <a:rPr lang="ru-RU" sz="1200">
-                          <a:effectLst/>
-                        </a:rPr>
-                        <a:t>Потеря данных, собираемых после посадки.</a:t>
-                      </a:r>
-                      <a:endParaRPr lang="ru-RU" sz="1200">
-                        <a:effectLst/>
-                        <a:latin typeface="Calibri"/>
-                        <a:ea typeface="Calibri"/>
-                        <a:cs typeface="Times New Roman"/>
-                      </a:endParaRPr>
-                    </a:p>
-                  </a:txBody>
-                  <a:tcPr marL="59637" marR="59637" marT="0" marB="0"/>
-                </a:tc>
-                <a:tc>
-                  <a:txBody>
-                    <a:bodyPr/>
-                    <a:lstStyle/>
-                    <a:p>
-                      <a:pPr algn="ctr">
-                        <a:lnSpc>
-                          <a:spcPct val="115000"/>
-                        </a:lnSpc>
-                        <a:spcAft>
-                          <a:spcPts val="1000"/>
-                        </a:spcAft>
-                      </a:pPr>
-                      <a:r>
-                        <a:rPr lang="ru-RU" sz="1200" dirty="0">
-                          <a:effectLst/>
-                        </a:rPr>
-                        <a:t>Нет</a:t>
-                      </a:r>
-                      <a:endParaRPr lang="ru-RU" sz="1200" dirty="0">
-                        <a:effectLst/>
-                        <a:latin typeface="Calibri"/>
-                        <a:ea typeface="Calibri"/>
-                        <a:cs typeface="Times New Roman"/>
-                      </a:endParaRPr>
-                    </a:p>
-                  </a:txBody>
-                  <a:tcPr marL="59637" marR="59637" marT="0" marB="0"/>
-                </a:tc>
-              </a:tr>
-              <a:tr h="385454">
-                <a:tc>
-                  <a:txBody>
-                    <a:bodyPr/>
-                    <a:lstStyle/>
-                    <a:p>
-                      <a:pPr>
-                        <a:lnSpc>
-                          <a:spcPct val="115000"/>
-                        </a:lnSpc>
-                        <a:spcAft>
-                          <a:spcPts val="1000"/>
-                        </a:spcAft>
-                      </a:pPr>
-                      <a:r>
-                        <a:rPr lang="ru-RU" sz="1200">
-                          <a:effectLst/>
-                        </a:rPr>
-                        <a:t>б) На камень</a:t>
-                      </a:r>
-                      <a:endParaRPr lang="ru-RU" sz="1200">
-                        <a:effectLst/>
-                        <a:latin typeface="Calibri"/>
-                        <a:ea typeface="Calibri"/>
-                        <a:cs typeface="Times New Roman"/>
-                      </a:endParaRPr>
-                    </a:p>
-                  </a:txBody>
-                  <a:tcPr marL="59637" marR="59637" marT="0" marB="0"/>
-                </a:tc>
-                <a:tc>
-                  <a:txBody>
-                    <a:bodyPr/>
-                    <a:lstStyle/>
-                    <a:p>
-                      <a:pPr algn="ctr">
-                        <a:lnSpc>
-                          <a:spcPct val="115000"/>
-                        </a:lnSpc>
-                        <a:spcAft>
-                          <a:spcPts val="1000"/>
-                        </a:spcAft>
-                      </a:pPr>
-                      <a:r>
-                        <a:rPr lang="ru-RU" sz="1200">
-                          <a:effectLst/>
-                        </a:rPr>
-                        <a:t>Возможна поломка выдвижных стержней.</a:t>
-                      </a:r>
-                      <a:endParaRPr lang="ru-RU" sz="1200">
-                        <a:effectLst/>
-                        <a:latin typeface="Calibri"/>
-                        <a:ea typeface="Calibri"/>
-                        <a:cs typeface="Times New Roman"/>
-                      </a:endParaRPr>
-                    </a:p>
-                  </a:txBody>
-                  <a:tcPr marL="59637" marR="59637" marT="0" marB="0"/>
-                </a:tc>
-                <a:tc>
-                  <a:txBody>
-                    <a:bodyPr/>
-                    <a:lstStyle/>
-                    <a:p>
-                      <a:pPr algn="ctr">
-                        <a:lnSpc>
-                          <a:spcPct val="115000"/>
-                        </a:lnSpc>
-                        <a:spcAft>
-                          <a:spcPts val="1000"/>
-                        </a:spcAft>
-                      </a:pPr>
-                      <a:r>
-                        <a:rPr lang="ru-RU" sz="1200">
-                          <a:effectLst/>
-                        </a:rPr>
-                        <a:t>Нет</a:t>
-                      </a:r>
-                      <a:endParaRPr lang="ru-RU" sz="1200">
-                        <a:effectLst/>
-                        <a:latin typeface="Calibri"/>
-                        <a:ea typeface="Calibri"/>
-                        <a:cs typeface="Times New Roman"/>
-                      </a:endParaRPr>
-                    </a:p>
-                  </a:txBody>
-                  <a:tcPr marL="59637" marR="59637" marT="0" marB="0"/>
-                </a:tc>
-              </a:tr>
-              <a:tr h="584008">
-                <a:tc>
-                  <a:txBody>
-                    <a:bodyPr/>
-                    <a:lstStyle/>
-                    <a:p>
-                      <a:pPr>
-                        <a:lnSpc>
-                          <a:spcPct val="115000"/>
-                        </a:lnSpc>
-                        <a:spcAft>
-                          <a:spcPts val="1000"/>
-                        </a:spcAft>
-                      </a:pPr>
-                      <a:r>
-                        <a:rPr lang="ru-RU" sz="1200">
-                          <a:effectLst/>
-                        </a:rPr>
-                        <a:t>в) В лес</a:t>
-                      </a:r>
-                      <a:endParaRPr lang="ru-RU" sz="1200">
-                        <a:effectLst/>
-                        <a:latin typeface="Calibri"/>
-                        <a:ea typeface="Calibri"/>
-                        <a:cs typeface="Times New Roman"/>
-                      </a:endParaRPr>
-                    </a:p>
-                  </a:txBody>
-                  <a:tcPr marL="59637" marR="59637" marT="0" marB="0"/>
-                </a:tc>
-                <a:tc>
-                  <a:txBody>
-                    <a:bodyPr/>
-                    <a:lstStyle/>
-                    <a:p>
-                      <a:pPr algn="ctr">
-                        <a:lnSpc>
-                          <a:spcPct val="115000"/>
-                        </a:lnSpc>
-                        <a:spcAft>
-                          <a:spcPts val="1000"/>
-                        </a:spcAft>
-                      </a:pPr>
-                      <a:r>
-                        <a:rPr lang="ru-RU" sz="1200" dirty="0">
-                          <a:effectLst/>
-                        </a:rPr>
-                        <a:t>Возможность застрять в ветках деревьев.</a:t>
-                      </a:r>
-                      <a:endParaRPr lang="ru-RU" sz="1200" dirty="0">
-                        <a:effectLst/>
-                        <a:latin typeface="Calibri"/>
-                        <a:ea typeface="Calibri"/>
-                        <a:cs typeface="Times New Roman"/>
-                      </a:endParaRPr>
-                    </a:p>
-                  </a:txBody>
-                  <a:tcPr marL="59637" marR="59637" marT="0" marB="0"/>
-                </a:tc>
-                <a:tc>
-                  <a:txBody>
-                    <a:bodyPr/>
-                    <a:lstStyle/>
-                    <a:p>
-                      <a:pPr algn="ctr">
-                        <a:lnSpc>
-                          <a:spcPct val="115000"/>
-                        </a:lnSpc>
-                        <a:spcAft>
-                          <a:spcPts val="1000"/>
-                        </a:spcAft>
-                      </a:pPr>
-                      <a:r>
-                        <a:rPr lang="ru-RU" sz="1200" dirty="0">
-                          <a:effectLst/>
-                        </a:rPr>
-                        <a:t>Пережигание нитей парашюта (появляется возможность падения)</a:t>
-                      </a:r>
-                      <a:endParaRPr lang="ru-RU" sz="1200" dirty="0">
-                        <a:effectLst/>
-                        <a:latin typeface="Calibri"/>
-                        <a:ea typeface="Calibri"/>
-                        <a:cs typeface="Times New Roman"/>
-                      </a:endParaRPr>
+                      <a:pPr algn="ctr"/>
+                      <a:r>
+                        <a:rPr lang="ru-RU" sz="1200" dirty="0" smtClean="0"/>
+                        <a:t>Уделить большее внимание на систему выпуска парашюта</a:t>
+                      </a:r>
+                      <a:endParaRPr lang="ru-RU" sz="1200" dirty="0"/>
                     </a:p>
                   </a:txBody>
                   <a:tcPr marL="59637" marR="59637" marT="0" marB="0"/>
@@ -14225,8 +16797,13 @@
             <a:pPr algn="just"/>
             <a:r>
               <a:rPr lang="ru-RU" sz="2000" dirty="0"/>
-              <a:t>Подводя итоги, хочется отметить, что наш проект полностью соответствует предоставленным требованиям, а то есть заданной массе и стоимости аппарата. И более того, по нашим расчетам, мы полностью сможем проделать заданные научные задачи.  Исходя из всего вышеперечисленного, можно сказать, что большинство условий нами были учтены, и вероятность успешного исхода будущего запуска достаточно высока.</a:t>
-            </a:r>
+              <a:t>Подводя итоги, хочется отметить, что наш проект полностью соответствует предоставленным требованиям, а то есть заданной массе и стоимости аппарата. И более того, по нашим расчетам, мы полностью сможем проделать заданные научные задачи.  Исходя из всего вышеперечисленного, можно сказать, что большинство условий нами были учтены, и вероятность успешного исхода будущего запуска достаточно </a:t>
+            </a:r>
+            <a:r>
+              <a:rPr lang="ru-RU" sz="2000" dirty="0" smtClean="0"/>
+              <a:t>высока</a:t>
+            </a:r>
+            <a:endParaRPr lang="ru-RU" sz="2000" dirty="0"/>
           </a:p>
           <a:p>
             <a:pPr algn="just"/>
@@ -14285,86 +16862,6 @@
       </p:grpSpPr>
       <p:sp>
         <p:nvSpPr>
-          <p:cNvPr id="24577" name="Заголовок 1"/>
-          <p:cNvSpPr>
-            <a:spLocks noGrp="1"/>
-          </p:cNvSpPr>
-          <p:nvPr>
-            <p:ph type="title"/>
-          </p:nvPr>
-        </p:nvSpPr>
-        <p:spPr>
-          <a:xfrm>
-            <a:off x="2195514" y="1990730"/>
-            <a:ext cx="5905500" cy="796528"/>
-          </a:xfrm>
-        </p:spPr>
-        <p:txBody>
-          <a:bodyPr>
-            <a:normAutofit/>
-          </a:bodyPr>
-          <a:lstStyle/>
-          <a:p>
-            <a:r>
-              <a:rPr lang="ru-RU" altLang="ru-RU" u="sng" dirty="0" smtClean="0">
-                <a:cs typeface="Arial" pitchFamily="34" charset="0"/>
-              </a:rPr>
-              <a:t>Конструкция аппарата</a:t>
-            </a:r>
-          </a:p>
-        </p:txBody>
-      </p:sp>
-    </p:spTree>
-    <p:extLst>
-      <p:ext uri="{BB962C8B-B14F-4D97-AF65-F5344CB8AC3E}">
-        <p14:creationId xmlns:p14="http://schemas.microsoft.com/office/powerpoint/2010/main" val="1480250539"/>
-      </p:ext>
-    </p:extLst>
-  </p:cSld>
-  <p:clrMapOvr>
-    <a:masterClrMapping/>
-  </p:clrMapOvr>
-  <mc:AlternateContent xmlns:mc="http://schemas.openxmlformats.org/markup-compatibility/2006" xmlns:p14="http://schemas.microsoft.com/office/powerpoint/2010/main">
-    <mc:Choice Requires="p14">
-      <p:transition spd="med" p14:dur="700">
-        <p:fade/>
-      </p:transition>
-    </mc:Choice>
-    <mc:Fallback xmlns="">
-      <p:transition spd="med">
-        <p:fade/>
-      </p:transition>
-    </mc:Fallback>
-  </mc:AlternateContent>
-  <p:timing>
-    <p:tnLst>
-      <p:par>
-        <p:cTn id="1" dur="indefinite" restart="never" nodeType="tmRoot"/>
-      </p:par>
-    </p:tnLst>
-  </p:timing>
-</p:sld>
-</file>
-
-<file path=ppt/slides/slide4.xml><?xml version="1.0" encoding="utf-8"?>
-<p:sld xmlns:a="http://schemas.openxmlformats.org/drawingml/2006/main" xmlns:r="http://schemas.openxmlformats.org/officeDocument/2006/relationships" xmlns:p="http://schemas.openxmlformats.org/presentationml/2006/main">
-  <p:cSld>
-    <p:spTree>
-      <p:nvGrpSpPr>
-        <p:cNvPr id="1" name=""/>
-        <p:cNvGrpSpPr/>
-        <p:nvPr/>
-      </p:nvGrpSpPr>
-      <p:grpSpPr>
-        <a:xfrm>
-          <a:off x="0" y="0"/>
-          <a:ext cx="0" cy="0"/>
-          <a:chOff x="0" y="0"/>
-          <a:chExt cx="0" cy="0"/>
-        </a:xfrm>
-      </p:grpSpPr>
-      <p:sp>
-        <p:nvSpPr>
           <p:cNvPr id="2" name="TextBox 1"/>
           <p:cNvSpPr txBox="1"/>
           <p:nvPr/>
@@ -14425,75 +16922,7 @@
 </p:sld>
 </file>
 
-<file path=ppt/slides/slide5.xml><?xml version="1.0" encoding="utf-8"?>
-<p:sld xmlns:a="http://schemas.openxmlformats.org/drawingml/2006/main" xmlns:r="http://schemas.openxmlformats.org/officeDocument/2006/relationships" xmlns:p="http://schemas.openxmlformats.org/presentationml/2006/main">
-  <p:cSld>
-    <p:spTree>
-      <p:nvGrpSpPr>
-        <p:cNvPr id="1" name=""/>
-        <p:cNvGrpSpPr/>
-        <p:nvPr/>
-      </p:nvGrpSpPr>
-      <p:grpSpPr>
-        <a:xfrm>
-          <a:off x="0" y="0"/>
-          <a:ext cx="0" cy="0"/>
-          <a:chOff x="0" y="0"/>
-          <a:chExt cx="0" cy="0"/>
-        </a:xfrm>
-      </p:grpSpPr>
-      <p:sp>
-        <p:nvSpPr>
-          <p:cNvPr id="2" name="Объект 1"/>
-          <p:cNvSpPr>
-            <a:spLocks noGrp="1"/>
-          </p:cNvSpPr>
-          <p:nvPr>
-            <p:ph idx="1"/>
-          </p:nvPr>
-        </p:nvSpPr>
-        <p:spPr/>
-        <p:txBody>
-          <a:bodyPr/>
-          <a:lstStyle/>
-          <a:p>
-            <a:endParaRPr lang="ru-RU"/>
-          </a:p>
-        </p:txBody>
-      </p:sp>
-    </p:spTree>
-    <p:extLst>
-      <p:ext uri="{BB962C8B-B14F-4D97-AF65-F5344CB8AC3E}">
-        <p14:creationId xmlns:p14="http://schemas.microsoft.com/office/powerpoint/2010/main" val="2621333264"/>
-      </p:ext>
-    </p:extLst>
-  </p:cSld>
-  <p:clrMapOvr>
-    <a:masterClrMapping/>
-  </p:clrMapOvr>
-  <mc:AlternateContent xmlns:mc="http://schemas.openxmlformats.org/markup-compatibility/2006" xmlns:p14="http://schemas.microsoft.com/office/powerpoint/2010/main">
-    <mc:Choice Requires="p14">
-      <p:transition spd="med" p14:dur="700">
-        <p:fade/>
-      </p:transition>
-    </mc:Choice>
-    <mc:Fallback xmlns="">
-      <p:transition spd="med">
-        <p:fade/>
-      </p:transition>
-    </mc:Fallback>
-  </mc:AlternateContent>
-  <p:timing>
-    <p:tnLst>
-      <p:par>
-        <p:cTn id="1" dur="indefinite" restart="never" nodeType="tmRoot"/>
-      </p:par>
-    </p:tnLst>
-  </p:timing>
-</p:sld>
-</file>
-
-<file path=ppt/slides/slide6.xml><?xml version="1.0" encoding="utf-8"?>
+<file path=ppt/slides/slide4.xml><?xml version="1.0" encoding="utf-8"?>
 <p:sld xmlns:a="http://schemas.openxmlformats.org/drawingml/2006/main" xmlns:r="http://schemas.openxmlformats.org/officeDocument/2006/relationships" xmlns:p="http://schemas.openxmlformats.org/presentationml/2006/main">
   <p:cSld>
     <p:spTree>
@@ -15579,7 +18008,683 @@
 </p:sld>
 </file>
 
-<file path=ppt/slides/slide7.xml><?xml version="1.0" encoding="utf-8"?>
+<file path=ppt/slides/slide5.xml><?xml version="1.0" encoding="utf-8"?>
+<p:sld xmlns:a="http://schemas.openxmlformats.org/drawingml/2006/main" xmlns:r="http://schemas.openxmlformats.org/officeDocument/2006/relationships" xmlns:p="http://schemas.openxmlformats.org/presentationml/2006/main">
+  <p:cSld>
+    <p:spTree>
+      <p:nvGrpSpPr>
+        <p:cNvPr id="1" name=""/>
+        <p:cNvGrpSpPr/>
+        <p:nvPr/>
+      </p:nvGrpSpPr>
+      <p:grpSpPr>
+        <a:xfrm>
+          <a:off x="0" y="0"/>
+          <a:ext cx="0" cy="0"/>
+          <a:chOff x="0" y="0"/>
+          <a:chExt cx="0" cy="0"/>
+        </a:xfrm>
+      </p:grpSpPr>
+      <p:sp>
+        <p:nvSpPr>
+          <p:cNvPr id="2" name="Заголовок 1"/>
+          <p:cNvSpPr>
+            <a:spLocks noGrp="1"/>
+          </p:cNvSpPr>
+          <p:nvPr>
+            <p:ph type="title"/>
+          </p:nvPr>
+        </p:nvSpPr>
+        <p:spPr>
+          <a:xfrm>
+            <a:off x="1143000" y="0"/>
+            <a:ext cx="6859788" cy="571500"/>
+          </a:xfrm>
+        </p:spPr>
+        <p:txBody>
+          <a:bodyPr>
+            <a:normAutofit/>
+          </a:bodyPr>
+          <a:lstStyle/>
+          <a:p>
+            <a:pPr algn="ctr"/>
+            <a:r>
+              <a:rPr lang="ru-RU" sz="2400" dirty="0" smtClean="0"/>
+              <a:t>1. Измерение параметров почвы</a:t>
+            </a:r>
+            <a:endParaRPr lang="ru-RU" sz="2400" dirty="0"/>
+          </a:p>
+        </p:txBody>
+      </p:sp>
+      <p:sp>
+        <p:nvSpPr>
+          <p:cNvPr id="3" name="Объект 2"/>
+          <p:cNvSpPr>
+            <a:spLocks noGrp="1"/>
+          </p:cNvSpPr>
+          <p:nvPr>
+            <p:ph idx="1"/>
+          </p:nvPr>
+        </p:nvSpPr>
+        <p:spPr>
+          <a:xfrm>
+            <a:off x="304800" y="666750"/>
+            <a:ext cx="8458200" cy="3886200"/>
+          </a:xfrm>
+        </p:spPr>
+        <p:txBody>
+          <a:bodyPr/>
+          <a:lstStyle/>
+          <a:p>
+            <a:pPr marL="0" indent="0">
+              <a:buNone/>
+            </a:pPr>
+            <a:r>
+              <a:rPr lang="ru-RU" sz="1400" dirty="0" smtClean="0"/>
+              <a:t>Используемые элементы электроники</a:t>
+            </a:r>
+            <a:r>
+              <a:rPr lang="en-US" sz="1400" dirty="0" smtClean="0"/>
+              <a:t>:</a:t>
+            </a:r>
+            <a:endParaRPr lang="ru-RU" sz="1400" dirty="0" smtClean="0"/>
+          </a:p>
+          <a:p>
+            <a:pPr marL="0" indent="0">
+              <a:buNone/>
+            </a:pPr>
+            <a:endParaRPr lang="ru-RU" dirty="0"/>
+          </a:p>
+        </p:txBody>
+      </p:sp>
+      <p:graphicFrame>
+        <p:nvGraphicFramePr>
+          <p:cNvPr id="4" name="Таблица 3"/>
+          <p:cNvGraphicFramePr>
+            <a:graphicFrameLocks noGrp="1"/>
+          </p:cNvGraphicFramePr>
+          <p:nvPr>
+            <p:extLst>
+              <p:ext uri="{D42A27DB-BD31-4B8C-83A1-F6EECF244321}">
+                <p14:modId xmlns:p14="http://schemas.microsoft.com/office/powerpoint/2010/main" val="342211756"/>
+              </p:ext>
+            </p:extLst>
+          </p:nvPr>
+        </p:nvGraphicFramePr>
+        <p:xfrm>
+          <a:off x="381001" y="971551"/>
+          <a:ext cx="8534399" cy="1912925"/>
+        </p:xfrm>
+        <a:graphic>
+          <a:graphicData uri="http://schemas.openxmlformats.org/drawingml/2006/table">
+            <a:tbl>
+              <a:tblPr firstRow="1" bandRow="1">
+                <a:tableStyleId>{3B4B98B0-60AC-42C2-AFA5-B58CD77FA1E5}</a:tableStyleId>
+              </a:tblPr>
+              <a:tblGrid>
+                <a:gridCol w="2520907"/>
+                <a:gridCol w="1685480"/>
+                <a:gridCol w="4328012"/>
+              </a:tblGrid>
+              <a:tr h="220673">
+                <a:tc>
+                  <a:txBody>
+                    <a:bodyPr/>
+                    <a:lstStyle/>
+                    <a:p>
+                      <a:pPr algn="ctr"/>
+                      <a:r>
+                        <a:rPr lang="ru-RU" dirty="0" smtClean="0"/>
+                        <a:t>Наименование</a:t>
+                      </a:r>
+                      <a:endParaRPr lang="ru-RU" dirty="0"/>
+                    </a:p>
+                  </a:txBody>
+                  <a:tcPr/>
+                </a:tc>
+                <a:tc>
+                  <a:txBody>
+                    <a:bodyPr/>
+                    <a:lstStyle/>
+                    <a:p>
+                      <a:pPr algn="ctr"/>
+                      <a:r>
+                        <a:rPr lang="ru-RU" dirty="0" smtClean="0"/>
+                        <a:t>Модель</a:t>
+                      </a:r>
+                      <a:endParaRPr lang="ru-RU" dirty="0"/>
+                    </a:p>
+                  </a:txBody>
+                  <a:tcPr/>
+                </a:tc>
+                <a:tc>
+                  <a:txBody>
+                    <a:bodyPr/>
+                    <a:lstStyle/>
+                    <a:p>
+                      <a:pPr algn="ctr"/>
+                      <a:r>
+                        <a:rPr lang="ru-RU" dirty="0" smtClean="0"/>
+                        <a:t>Назначение</a:t>
+                      </a:r>
+                      <a:endParaRPr lang="ru-RU" dirty="0"/>
+                    </a:p>
+                  </a:txBody>
+                  <a:tcPr/>
+                </a:tc>
+              </a:tr>
+              <a:tr h="321625">
+                <a:tc>
+                  <a:txBody>
+                    <a:bodyPr/>
+                    <a:lstStyle/>
+                    <a:p>
+                      <a:pPr algn="ctr"/>
+                      <a:r>
+                        <a:rPr lang="ru-RU" sz="1200" dirty="0" smtClean="0"/>
+                        <a:t>Дополнительный</a:t>
+                      </a:r>
+                      <a:r>
+                        <a:rPr lang="ru-RU" sz="1200" baseline="0" dirty="0" smtClean="0"/>
+                        <a:t> а</a:t>
+                      </a:r>
+                      <a:r>
+                        <a:rPr lang="ru-RU" sz="1200" dirty="0" smtClean="0"/>
+                        <a:t>кселерометр</a:t>
+                      </a:r>
+                      <a:endParaRPr lang="ru-RU" sz="1200" dirty="0"/>
+                    </a:p>
+                  </a:txBody>
+                  <a:tcPr/>
+                </a:tc>
+                <a:tc>
+                  <a:txBody>
+                    <a:bodyPr/>
+                    <a:lstStyle/>
+                    <a:p>
+                      <a:pPr algn="ctr"/>
+                      <a:r>
+                        <a:rPr lang="en-US" sz="1200" dirty="0" smtClean="0"/>
+                        <a:t>ADXL375</a:t>
+                      </a:r>
+                      <a:endParaRPr lang="ru-RU" sz="1200" dirty="0"/>
+                    </a:p>
+                  </a:txBody>
+                  <a:tcPr/>
+                </a:tc>
+                <a:tc>
+                  <a:txBody>
+                    <a:bodyPr/>
+                    <a:lstStyle/>
+                    <a:p>
+                      <a:pPr algn="ctr"/>
+                      <a:r>
+                        <a:rPr lang="ru-RU" sz="1200" dirty="0" smtClean="0"/>
+                        <a:t>Более</a:t>
+                      </a:r>
+                      <a:r>
+                        <a:rPr lang="ru-RU" sz="1200" baseline="0" dirty="0" smtClean="0"/>
+                        <a:t> точное измерение ускорения</a:t>
+                      </a:r>
+                      <a:endParaRPr lang="ru-RU" sz="1200" dirty="0"/>
+                    </a:p>
+                  </a:txBody>
+                  <a:tcPr/>
+                </a:tc>
+              </a:tr>
+              <a:tr h="321625">
+                <a:tc>
+                  <a:txBody>
+                    <a:bodyPr/>
+                    <a:lstStyle/>
+                    <a:p>
+                      <a:pPr algn="ctr"/>
+                      <a:r>
+                        <a:rPr lang="ru-RU" sz="1200" dirty="0" smtClean="0"/>
+                        <a:t>Второй</a:t>
+                      </a:r>
+                      <a:r>
+                        <a:rPr lang="ru-RU" sz="1200" baseline="0" dirty="0" smtClean="0"/>
+                        <a:t> контроллер</a:t>
+                      </a:r>
+                      <a:endParaRPr lang="ru-RU" sz="1200" dirty="0"/>
+                    </a:p>
+                  </a:txBody>
+                  <a:tcPr/>
+                </a:tc>
+                <a:tc>
+                  <a:txBody>
+                    <a:bodyPr/>
+                    <a:lstStyle/>
+                    <a:p>
+                      <a:pPr marL="0" marR="0" indent="0" algn="ctr" defTabSz="685796" rtl="0" eaLnBrk="1" fontAlgn="auto" latinLnBrk="0" hangingPunct="1">
+                        <a:lnSpc>
+                          <a:spcPct val="100000"/>
+                        </a:lnSpc>
+                        <a:spcBef>
+                          <a:spcPts val="0"/>
+                        </a:spcBef>
+                        <a:spcAft>
+                          <a:spcPts val="0"/>
+                        </a:spcAft>
+                        <a:buClrTx/>
+                        <a:buSzTx/>
+                        <a:buFontTx/>
+                        <a:buNone/>
+                        <a:tabLst/>
+                        <a:defRPr/>
+                      </a:pPr>
+                      <a:r>
+                        <a:rPr lang="en-US" sz="1200" dirty="0" smtClean="0"/>
+                        <a:t>STM32F103C8T2</a:t>
+                      </a:r>
+                      <a:endParaRPr lang="ru-RU" sz="1200" dirty="0" smtClean="0">
+                        <a:solidFill>
+                          <a:schemeClr val="bg1">
+                            <a:lumMod val="75000"/>
+                            <a:lumOff val="25000"/>
+                          </a:schemeClr>
+                        </a:solidFill>
+                      </a:endParaRPr>
+                    </a:p>
+                  </a:txBody>
+                  <a:tcPr/>
+                </a:tc>
+                <a:tc>
+                  <a:txBody>
+                    <a:bodyPr/>
+                    <a:lstStyle/>
+                    <a:p>
+                      <a:pPr marL="0" marR="0" indent="0" algn="ctr" defTabSz="685796" rtl="0" eaLnBrk="1" fontAlgn="auto" latinLnBrk="0" hangingPunct="1">
+                        <a:lnSpc>
+                          <a:spcPct val="100000"/>
+                        </a:lnSpc>
+                        <a:spcBef>
+                          <a:spcPts val="0"/>
+                        </a:spcBef>
+                        <a:spcAft>
+                          <a:spcPts val="0"/>
+                        </a:spcAft>
+                        <a:buClrTx/>
+                        <a:buSzTx/>
+                        <a:buFontTx/>
+                        <a:buNone/>
+                        <a:tabLst/>
+                        <a:defRPr/>
+                      </a:pPr>
+                      <a:r>
+                        <a:rPr lang="ru-RU" sz="1200" dirty="0" smtClean="0">
+                          <a:solidFill>
+                            <a:schemeClr val="tx1"/>
+                          </a:solidFill>
+                        </a:rPr>
+                        <a:t>Хранения измерений дополнительного акселерометра</a:t>
+                      </a:r>
+                    </a:p>
+                  </a:txBody>
+                  <a:tcPr/>
+                </a:tc>
+              </a:tr>
+              <a:tr h="321625">
+                <a:tc>
+                  <a:txBody>
+                    <a:bodyPr/>
+                    <a:lstStyle/>
+                    <a:p>
+                      <a:pPr algn="ctr"/>
+                      <a:r>
+                        <a:rPr lang="ru-RU" sz="1200" dirty="0" smtClean="0"/>
+                        <a:t>Термисторы (в количестве 3 штук)</a:t>
+                      </a:r>
+                      <a:endParaRPr lang="ru-RU" sz="1200" dirty="0"/>
+                    </a:p>
+                  </a:txBody>
+                  <a:tcPr/>
+                </a:tc>
+                <a:tc>
+                  <a:txBody>
+                    <a:bodyPr/>
+                    <a:lstStyle/>
+                    <a:p>
+                      <a:pPr algn="ctr"/>
+                      <a:endParaRPr lang="ru-RU" dirty="0"/>
+                    </a:p>
+                  </a:txBody>
+                  <a:tcPr/>
+                </a:tc>
+                <a:tc>
+                  <a:txBody>
+                    <a:bodyPr/>
+                    <a:lstStyle/>
+                    <a:p>
+                      <a:pPr algn="ctr"/>
+                      <a:r>
+                        <a:rPr lang="ru-RU" sz="1200" dirty="0" smtClean="0"/>
+                        <a:t>Измерение</a:t>
+                      </a:r>
+                      <a:r>
+                        <a:rPr lang="ru-RU" sz="1200" baseline="0" dirty="0" smtClean="0"/>
+                        <a:t> температуры почвы</a:t>
+                      </a:r>
+                      <a:endParaRPr lang="ru-RU" sz="1200" dirty="0"/>
+                    </a:p>
+                  </a:txBody>
+                  <a:tcPr/>
+                </a:tc>
+              </a:tr>
+              <a:tr h="321625">
+                <a:tc>
+                  <a:txBody>
+                    <a:bodyPr/>
+                    <a:lstStyle/>
+                    <a:p>
+                      <a:pPr algn="ctr"/>
+                      <a:r>
+                        <a:rPr lang="ru-RU" sz="1200" dirty="0" smtClean="0"/>
+                        <a:t>Аналоговый мультиплексор (</a:t>
+                      </a:r>
+                      <a:r>
+                        <a:rPr lang="en-US" sz="1200" dirty="0" smtClean="0"/>
+                        <a:t>x3</a:t>
+                      </a:r>
+                      <a:r>
+                        <a:rPr lang="ru-RU" sz="1200" dirty="0" smtClean="0"/>
+                        <a:t>)</a:t>
+                      </a:r>
+                      <a:endParaRPr lang="ru-RU" sz="1200" dirty="0"/>
+                    </a:p>
+                  </a:txBody>
+                  <a:tcPr/>
+                </a:tc>
+                <a:tc>
+                  <a:txBody>
+                    <a:bodyPr/>
+                    <a:lstStyle/>
+                    <a:p>
+                      <a:pPr algn="ctr"/>
+                      <a:r>
+                        <a:rPr lang="en-US" dirty="0" smtClean="0"/>
+                        <a:t>74hc4051</a:t>
+                      </a:r>
+                      <a:endParaRPr lang="ru-RU" dirty="0"/>
+                    </a:p>
+                  </a:txBody>
+                  <a:tcPr/>
+                </a:tc>
+                <a:tc>
+                  <a:txBody>
+                    <a:bodyPr/>
+                    <a:lstStyle/>
+                    <a:p>
+                      <a:pPr algn="ctr"/>
+                      <a:r>
+                        <a:rPr lang="ru-RU" sz="1200" baseline="0" dirty="0" smtClean="0"/>
+                        <a:t>Элемент блока переключения измерительных стержней</a:t>
+                      </a:r>
+                      <a:endParaRPr lang="ru-RU" sz="1200" dirty="0"/>
+                    </a:p>
+                  </a:txBody>
+                  <a:tcPr/>
+                </a:tc>
+              </a:tr>
+              <a:tr h="321625">
+                <a:tc>
+                  <a:txBody>
+                    <a:bodyPr/>
+                    <a:lstStyle/>
+                    <a:p>
+                      <a:pPr algn="ctr"/>
+                      <a:r>
+                        <a:rPr lang="ru-RU" sz="1200" dirty="0" smtClean="0"/>
+                        <a:t>Цифровой потенциометр</a:t>
+                      </a:r>
+                      <a:endParaRPr lang="ru-RU" sz="1200" dirty="0"/>
+                    </a:p>
+                  </a:txBody>
+                  <a:tcPr/>
+                </a:tc>
+                <a:tc>
+                  <a:txBody>
+                    <a:bodyPr/>
+                    <a:lstStyle/>
+                    <a:p>
+                      <a:pPr algn="ctr"/>
+                      <a:r>
+                        <a:rPr lang="en-US" dirty="0" smtClean="0"/>
+                        <a:t>x9c104</a:t>
+                      </a:r>
+                      <a:endParaRPr lang="ru-RU" dirty="0" smtClean="0"/>
+                    </a:p>
+                  </a:txBody>
+                  <a:tcPr/>
+                </a:tc>
+                <a:tc>
+                  <a:txBody>
+                    <a:bodyPr/>
+                    <a:lstStyle/>
+                    <a:p>
+                      <a:pPr algn="ctr"/>
+                      <a:r>
+                        <a:rPr lang="ru-RU" sz="1200" baseline="0" dirty="0" smtClean="0"/>
+                        <a:t>Элемент блока переключения измерительных стержней</a:t>
+                      </a:r>
+                      <a:endParaRPr lang="ru-RU" sz="1200" dirty="0"/>
+                    </a:p>
+                  </a:txBody>
+                  <a:tcPr/>
+                </a:tc>
+              </a:tr>
+            </a:tbl>
+          </a:graphicData>
+        </a:graphic>
+      </p:graphicFrame>
+      <p:graphicFrame>
+        <p:nvGraphicFramePr>
+          <p:cNvPr id="5" name="Таблица 4"/>
+          <p:cNvGraphicFramePr>
+            <a:graphicFrameLocks noGrp="1"/>
+          </p:cNvGraphicFramePr>
+          <p:nvPr>
+            <p:extLst>
+              <p:ext uri="{D42A27DB-BD31-4B8C-83A1-F6EECF244321}">
+                <p14:modId xmlns:p14="http://schemas.microsoft.com/office/powerpoint/2010/main" val="1755474835"/>
+              </p:ext>
+            </p:extLst>
+          </p:nvPr>
+        </p:nvGraphicFramePr>
+        <p:xfrm>
+          <a:off x="381000" y="2876550"/>
+          <a:ext cx="8534399" cy="1286500"/>
+        </p:xfrm>
+        <a:graphic>
+          <a:graphicData uri="http://schemas.openxmlformats.org/drawingml/2006/table">
+            <a:tbl>
+              <a:tblPr firstRow="1" bandRow="1">
+                <a:tableStyleId>{3B4B98B0-60AC-42C2-AFA5-B58CD77FA1E5}</a:tableStyleId>
+              </a:tblPr>
+              <a:tblGrid>
+                <a:gridCol w="2520907"/>
+                <a:gridCol w="1685480"/>
+                <a:gridCol w="4328012"/>
+              </a:tblGrid>
+              <a:tr h="321625">
+                <a:tc>
+                  <a:txBody>
+                    <a:bodyPr/>
+                    <a:lstStyle/>
+                    <a:p>
+                      <a:pPr algn="ctr"/>
+                      <a:r>
+                        <a:rPr lang="ru-RU" sz="1200" b="0" dirty="0" smtClean="0"/>
+                        <a:t>Измерительные</a:t>
+                      </a:r>
+                      <a:r>
+                        <a:rPr lang="ru-RU" sz="1200" b="0" baseline="0" dirty="0" smtClean="0"/>
+                        <a:t> </a:t>
+                      </a:r>
+                      <a:r>
+                        <a:rPr lang="ru-RU" sz="1200" b="0" dirty="0" smtClean="0"/>
+                        <a:t> стержни</a:t>
+                      </a:r>
+                      <a:endParaRPr lang="ru-RU" sz="1200" b="0" dirty="0"/>
+                    </a:p>
+                  </a:txBody>
+                  <a:tcPr/>
+                </a:tc>
+                <a:tc>
+                  <a:txBody>
+                    <a:bodyPr/>
+                    <a:lstStyle/>
+                    <a:p>
+                      <a:endParaRPr lang="ru-RU" dirty="0"/>
+                    </a:p>
+                  </a:txBody>
+                  <a:tcPr/>
+                </a:tc>
+                <a:tc>
+                  <a:txBody>
+                    <a:bodyPr/>
+                    <a:lstStyle/>
+                    <a:p>
+                      <a:endParaRPr lang="ru-RU"/>
+                    </a:p>
+                  </a:txBody>
+                  <a:tcPr/>
+                </a:tc>
+              </a:tr>
+              <a:tr h="321625">
+                <a:tc>
+                  <a:txBody>
+                    <a:bodyPr/>
+                    <a:lstStyle/>
+                    <a:p>
+                      <a:endParaRPr lang="ru-RU"/>
+                    </a:p>
+                  </a:txBody>
+                  <a:tcPr/>
+                </a:tc>
+                <a:tc>
+                  <a:txBody>
+                    <a:bodyPr/>
+                    <a:lstStyle/>
+                    <a:p>
+                      <a:endParaRPr lang="ru-RU" dirty="0"/>
+                    </a:p>
+                  </a:txBody>
+                  <a:tcPr/>
+                </a:tc>
+                <a:tc>
+                  <a:txBody>
+                    <a:bodyPr/>
+                    <a:lstStyle/>
+                    <a:p>
+                      <a:endParaRPr lang="ru-RU"/>
+                    </a:p>
+                  </a:txBody>
+                  <a:tcPr/>
+                </a:tc>
+              </a:tr>
+              <a:tr h="321625">
+                <a:tc>
+                  <a:txBody>
+                    <a:bodyPr/>
+                    <a:lstStyle/>
+                    <a:p>
+                      <a:endParaRPr lang="ru-RU"/>
+                    </a:p>
+                  </a:txBody>
+                  <a:tcPr/>
+                </a:tc>
+                <a:tc>
+                  <a:txBody>
+                    <a:bodyPr/>
+                    <a:lstStyle/>
+                    <a:p>
+                      <a:endParaRPr lang="ru-RU" dirty="0"/>
+                    </a:p>
+                  </a:txBody>
+                  <a:tcPr/>
+                </a:tc>
+                <a:tc>
+                  <a:txBody>
+                    <a:bodyPr/>
+                    <a:lstStyle/>
+                    <a:p>
+                      <a:endParaRPr lang="ru-RU"/>
+                    </a:p>
+                  </a:txBody>
+                  <a:tcPr/>
+                </a:tc>
+              </a:tr>
+              <a:tr h="321625">
+                <a:tc>
+                  <a:txBody>
+                    <a:bodyPr/>
+                    <a:lstStyle/>
+                    <a:p>
+                      <a:endParaRPr lang="ru-RU"/>
+                    </a:p>
+                  </a:txBody>
+                  <a:tcPr/>
+                </a:tc>
+                <a:tc>
+                  <a:txBody>
+                    <a:bodyPr/>
+                    <a:lstStyle/>
+                    <a:p>
+                      <a:endParaRPr lang="ru-RU" dirty="0"/>
+                    </a:p>
+                  </a:txBody>
+                  <a:tcPr/>
+                </a:tc>
+                <a:tc>
+                  <a:txBody>
+                    <a:bodyPr/>
+                    <a:lstStyle/>
+                    <a:p>
+                      <a:endParaRPr lang="ru-RU" dirty="0"/>
+                    </a:p>
+                  </a:txBody>
+                  <a:tcPr/>
+                </a:tc>
+              </a:tr>
+            </a:tbl>
+          </a:graphicData>
+        </a:graphic>
+      </p:graphicFrame>
+    </p:spTree>
+    <p:extLst>
+      <p:ext uri="{BB962C8B-B14F-4D97-AF65-F5344CB8AC3E}">
+        <p14:creationId xmlns:p14="http://schemas.microsoft.com/office/powerpoint/2010/main" val="2639391231"/>
+      </p:ext>
+    </p:extLst>
+  </p:cSld>
+  <p:clrMapOvr>
+    <a:masterClrMapping/>
+  </p:clrMapOvr>
+  <mc:AlternateContent xmlns:mc="http://schemas.openxmlformats.org/markup-compatibility/2006" xmlns:p14="http://schemas.microsoft.com/office/powerpoint/2010/main">
+    <mc:Choice Requires="p14">
+      <p:transition spd="med" p14:dur="700">
+        <p:fade/>
+      </p:transition>
+    </mc:Choice>
+    <mc:Fallback xmlns="">
+      <p:transition spd="med">
+        <p:fade/>
+      </p:transition>
+    </mc:Fallback>
+  </mc:AlternateContent>
+  <p:timing>
+    <p:tnLst>
+      <p:par>
+        <p:cTn id="1" dur="indefinite" restart="never" nodeType="tmRoot"/>
+      </p:par>
+    </p:tnLst>
+  </p:timing>
+</p:sld>
+</file>
+
+<file path=ppt/slides/slide6.xml><?xml version="1.0" encoding="utf-8"?>
 <p:sld xmlns:a="http://schemas.openxmlformats.org/drawingml/2006/main" xmlns:r="http://schemas.openxmlformats.org/officeDocument/2006/relationships" xmlns:p="http://schemas.openxmlformats.org/presentationml/2006/main">
   <p:cSld>
     <p:spTree>
@@ -16021,7 +19126,7 @@
 </p:sld>
 </file>
 
-<file path=ppt/slides/slide8.xml><?xml version="1.0" encoding="utf-8"?>
+<file path=ppt/slides/slide7.xml><?xml version="1.0" encoding="utf-8"?>
 <p:sld xmlns:a="http://schemas.openxmlformats.org/drawingml/2006/main" xmlns:r="http://schemas.openxmlformats.org/officeDocument/2006/relationships" xmlns:p="http://schemas.openxmlformats.org/presentationml/2006/main">
   <p:cSld>
     <p:spTree>
@@ -16677,7 +19782,7 @@
 </p:sld>
 </file>
 
-<file path=ppt/slides/slide9.xml><?xml version="1.0" encoding="utf-8"?>
+<file path=ppt/slides/slide8.xml><?xml version="1.0" encoding="utf-8"?>
 <p:sld xmlns:a="http://schemas.openxmlformats.org/drawingml/2006/main" xmlns:r="http://schemas.openxmlformats.org/officeDocument/2006/relationships" xmlns:p="http://schemas.openxmlformats.org/presentationml/2006/main">
   <p:cSld>
     <p:spTree>
@@ -16900,6 +20005,99 @@
     <p:extLst>
       <p:ext uri="{BB962C8B-B14F-4D97-AF65-F5344CB8AC3E}">
         <p14:creationId xmlns:p14="http://schemas.microsoft.com/office/powerpoint/2010/main" val="709609167"/>
+      </p:ext>
+    </p:extLst>
+  </p:cSld>
+  <p:clrMapOvr>
+    <a:masterClrMapping/>
+  </p:clrMapOvr>
+  <mc:AlternateContent xmlns:mc="http://schemas.openxmlformats.org/markup-compatibility/2006" xmlns:p14="http://schemas.microsoft.com/office/powerpoint/2010/main">
+    <mc:Choice Requires="p14">
+      <p:transition spd="med" p14:dur="700">
+        <p:fade/>
+      </p:transition>
+    </mc:Choice>
+    <mc:Fallback xmlns="">
+      <p:transition spd="med">
+        <p:fade/>
+      </p:transition>
+    </mc:Fallback>
+  </mc:AlternateContent>
+  <p:timing>
+    <p:tnLst>
+      <p:par>
+        <p:cTn id="1" dur="indefinite" restart="never" nodeType="tmRoot"/>
+      </p:par>
+    </p:tnLst>
+  </p:timing>
+</p:sld>
+</file>
+
+<file path=ppt/slides/slide9.xml><?xml version="1.0" encoding="utf-8"?>
+<p:sld xmlns:a="http://schemas.openxmlformats.org/drawingml/2006/main" xmlns:r="http://schemas.openxmlformats.org/officeDocument/2006/relationships" xmlns:p="http://schemas.openxmlformats.org/presentationml/2006/main">
+  <p:cSld>
+    <p:spTree>
+      <p:nvGrpSpPr>
+        <p:cNvPr id="1" name=""/>
+        <p:cNvGrpSpPr/>
+        <p:nvPr/>
+      </p:nvGrpSpPr>
+      <p:grpSpPr>
+        <a:xfrm>
+          <a:off x="0" y="0"/>
+          <a:ext cx="0" cy="0"/>
+          <a:chOff x="0" y="0"/>
+          <a:chExt cx="0" cy="0"/>
+        </a:xfrm>
+      </p:grpSpPr>
+      <p:sp>
+        <p:nvSpPr>
+          <p:cNvPr id="26625" name="Название 1"/>
+          <p:cNvSpPr>
+            <a:spLocks noGrp="1"/>
+          </p:cNvSpPr>
+          <p:nvPr>
+            <p:ph type="title"/>
+          </p:nvPr>
+        </p:nvSpPr>
+        <p:spPr>
+          <a:xfrm>
+            <a:off x="1736726" y="1990727"/>
+            <a:ext cx="5870575" cy="851299"/>
+          </a:xfrm>
+        </p:spPr>
+        <p:txBody>
+          <a:bodyPr>
+            <a:normAutofit/>
+          </a:bodyPr>
+          <a:lstStyle/>
+          <a:p>
+            <a:pPr algn="ctr"/>
+            <a:r>
+              <a:rPr lang="ru-RU" altLang="ru-RU" dirty="0">
+                <a:cs typeface="Arial" pitchFamily="34" charset="0"/>
+              </a:rPr>
+              <a:t>    </a:t>
+            </a:r>
+            <a:r>
+              <a:rPr lang="ru-RU" altLang="ru-RU" u="sng" dirty="0" smtClean="0">
+                <a:cs typeface="Arial" pitchFamily="34" charset="0"/>
+              </a:rPr>
+              <a:t>Отсек</a:t>
+            </a:r>
+            <a:r>
+              <a:rPr lang="ru-RU" altLang="ru-RU" u="sng" dirty="0">
+                <a:cs typeface="Arial" pitchFamily="34" charset="0"/>
+              </a:rPr>
+              <a:t> парашюта</a:t>
+            </a:r>
+          </a:p>
+        </p:txBody>
+      </p:sp>
+    </p:spTree>
+    <p:extLst>
+      <p:ext uri="{BB962C8B-B14F-4D97-AF65-F5344CB8AC3E}">
+        <p14:creationId xmlns:p14="http://schemas.microsoft.com/office/powerpoint/2010/main" val="3741144236"/>
       </p:ext>
     </p:extLst>
   </p:cSld>
